--- a/SQL inner join Chapter 001.pptx
+++ b/SQL inner join Chapter 001.pptx
@@ -13,6 +13,10 @@
     <p:sldId id="260" r:id="rId7"/>
     <p:sldId id="262" r:id="rId8"/>
     <p:sldId id="263" r:id="rId9"/>
+    <p:sldId id="265" r:id="rId10"/>
+    <p:sldId id="266" r:id="rId11"/>
+    <p:sldId id="267" r:id="rId12"/>
+    <p:sldId id="268" r:id="rId13"/>
   </p:sldIdLst>
   <p:sldSz cx="12192000" cy="6858000"/>
   <p:notesSz cx="6858000" cy="9144000"/>
@@ -266,7 +270,7 @@
           <a:p>
             <a:fld id="{AE8594FB-B5FA-4A04-9521-E193B4E6F372}" type="datetimeFigureOut">
               <a:rPr lang="en-US" smtClean="0"/>
-              <a:t>7/22/2022</a:t>
+              <a:t>7/26/2022</a:t>
             </a:fld>
             <a:endParaRPr lang="en-US"/>
           </a:p>
@@ -464,7 +468,7 @@
           <a:p>
             <a:fld id="{AE8594FB-B5FA-4A04-9521-E193B4E6F372}" type="datetimeFigureOut">
               <a:rPr lang="en-US" smtClean="0"/>
-              <a:t>7/22/2022</a:t>
+              <a:t>7/26/2022</a:t>
             </a:fld>
             <a:endParaRPr lang="en-US"/>
           </a:p>
@@ -672,7 +676,7 @@
           <a:p>
             <a:fld id="{AE8594FB-B5FA-4A04-9521-E193B4E6F372}" type="datetimeFigureOut">
               <a:rPr lang="en-US" smtClean="0"/>
-              <a:t>7/22/2022</a:t>
+              <a:t>7/26/2022</a:t>
             </a:fld>
             <a:endParaRPr lang="en-US"/>
           </a:p>
@@ -870,7 +874,7 @@
           <a:p>
             <a:fld id="{AE8594FB-B5FA-4A04-9521-E193B4E6F372}" type="datetimeFigureOut">
               <a:rPr lang="en-US" smtClean="0"/>
-              <a:t>7/22/2022</a:t>
+              <a:t>7/26/2022</a:t>
             </a:fld>
             <a:endParaRPr lang="en-US"/>
           </a:p>
@@ -1145,7 +1149,7 @@
           <a:p>
             <a:fld id="{AE8594FB-B5FA-4A04-9521-E193B4E6F372}" type="datetimeFigureOut">
               <a:rPr lang="en-US" smtClean="0"/>
-              <a:t>7/22/2022</a:t>
+              <a:t>7/26/2022</a:t>
             </a:fld>
             <a:endParaRPr lang="en-US"/>
           </a:p>
@@ -1410,7 +1414,7 @@
           <a:p>
             <a:fld id="{AE8594FB-B5FA-4A04-9521-E193B4E6F372}" type="datetimeFigureOut">
               <a:rPr lang="en-US" smtClean="0"/>
-              <a:t>7/22/2022</a:t>
+              <a:t>7/26/2022</a:t>
             </a:fld>
             <a:endParaRPr lang="en-US"/>
           </a:p>
@@ -1822,7 +1826,7 @@
           <a:p>
             <a:fld id="{AE8594FB-B5FA-4A04-9521-E193B4E6F372}" type="datetimeFigureOut">
               <a:rPr lang="en-US" smtClean="0"/>
-              <a:t>7/22/2022</a:t>
+              <a:t>7/26/2022</a:t>
             </a:fld>
             <a:endParaRPr lang="en-US"/>
           </a:p>
@@ -1963,7 +1967,7 @@
           <a:p>
             <a:fld id="{AE8594FB-B5FA-4A04-9521-E193B4E6F372}" type="datetimeFigureOut">
               <a:rPr lang="en-US" smtClean="0"/>
-              <a:t>7/22/2022</a:t>
+              <a:t>7/26/2022</a:t>
             </a:fld>
             <a:endParaRPr lang="en-US"/>
           </a:p>
@@ -2076,7 +2080,7 @@
           <a:p>
             <a:fld id="{AE8594FB-B5FA-4A04-9521-E193B4E6F372}" type="datetimeFigureOut">
               <a:rPr lang="en-US" smtClean="0"/>
-              <a:t>7/22/2022</a:t>
+              <a:t>7/26/2022</a:t>
             </a:fld>
             <a:endParaRPr lang="en-US"/>
           </a:p>
@@ -2387,7 +2391,7 @@
           <a:p>
             <a:fld id="{AE8594FB-B5FA-4A04-9521-E193B4E6F372}" type="datetimeFigureOut">
               <a:rPr lang="en-US" smtClean="0"/>
-              <a:t>7/22/2022</a:t>
+              <a:t>7/26/2022</a:t>
             </a:fld>
             <a:endParaRPr lang="en-US"/>
           </a:p>
@@ -2675,7 +2679,7 @@
           <a:p>
             <a:fld id="{AE8594FB-B5FA-4A04-9521-E193B4E6F372}" type="datetimeFigureOut">
               <a:rPr lang="en-US" smtClean="0"/>
-              <a:t>7/22/2022</a:t>
+              <a:t>7/26/2022</a:t>
             </a:fld>
             <a:endParaRPr lang="en-US"/>
           </a:p>
@@ -2916,7 +2920,7 @@
           <a:p>
             <a:fld id="{AE8594FB-B5FA-4A04-9521-E193B4E6F372}" type="datetimeFigureOut">
               <a:rPr lang="en-US" smtClean="0"/>
-              <a:t>7/22/2022</a:t>
+              <a:t>7/26/2022</a:t>
             </a:fld>
             <a:endParaRPr lang="en-US"/>
           </a:p>
@@ -3503,6 +3507,5555 @@
 </p:sld>
 </file>
 
+<file path=ppt/slides/slide10.xml><?xml version="1.0" encoding="utf-8"?>
+<p:sld xmlns:a="http://schemas.openxmlformats.org/drawingml/2006/main" xmlns:r="http://schemas.openxmlformats.org/officeDocument/2006/relationships" xmlns:p="http://schemas.openxmlformats.org/presentationml/2006/main">
+  <p:cSld>
+    <p:spTree>
+      <p:nvGrpSpPr>
+        <p:cNvPr id="1" name=""/>
+        <p:cNvGrpSpPr/>
+        <p:nvPr/>
+      </p:nvGrpSpPr>
+      <p:grpSpPr>
+        <a:xfrm>
+          <a:off x="0" y="0"/>
+          <a:ext cx="0" cy="0"/>
+          <a:chOff x="0" y="0"/>
+          <a:chExt cx="0" cy="0"/>
+        </a:xfrm>
+      </p:grpSpPr>
+      <p:sp>
+        <p:nvSpPr>
+          <p:cNvPr id="2" name="Title 1">
+            <a:extLst>
+              <a:ext uri="{FF2B5EF4-FFF2-40B4-BE49-F238E27FC236}">
+                <a16:creationId xmlns:a16="http://schemas.microsoft.com/office/drawing/2014/main" id="{BA375E09-571E-7FCE-C65F-3EE63E40A813}"/>
+              </a:ext>
+            </a:extLst>
+          </p:cNvPr>
+          <p:cNvSpPr>
+            <a:spLocks noGrp="1"/>
+          </p:cNvSpPr>
+          <p:nvPr>
+            <p:ph type="ctrTitle"/>
+          </p:nvPr>
+        </p:nvSpPr>
+        <p:spPr>
+          <a:xfrm>
+            <a:off x="1524000" y="1122363"/>
+            <a:ext cx="9144000" cy="333904"/>
+          </a:xfrm>
+        </p:spPr>
+        <p:txBody>
+          <a:bodyPr>
+            <a:normAutofit fontScale="90000"/>
+          </a:bodyPr>
+          <a:lstStyle/>
+          <a:p>
+            <a:endParaRPr lang="en-US" dirty="0"/>
+          </a:p>
+        </p:txBody>
+      </p:sp>
+      <p:sp>
+        <p:nvSpPr>
+          <p:cNvPr id="3" name="Subtitle 2">
+            <a:extLst>
+              <a:ext uri="{FF2B5EF4-FFF2-40B4-BE49-F238E27FC236}">
+                <a16:creationId xmlns:a16="http://schemas.microsoft.com/office/drawing/2014/main" id="{C4A32862-0F11-2C12-1762-3474CB26F26C}"/>
+              </a:ext>
+            </a:extLst>
+          </p:cNvPr>
+          <p:cNvSpPr>
+            <a:spLocks noGrp="1"/>
+          </p:cNvSpPr>
+          <p:nvPr>
+            <p:ph type="subTitle" idx="1"/>
+          </p:nvPr>
+        </p:nvSpPr>
+        <p:spPr>
+          <a:xfrm>
+            <a:off x="2212848" y="1858963"/>
+            <a:ext cx="7808976" cy="4578413"/>
+          </a:xfrm>
+        </p:spPr>
+        <p:txBody>
+          <a:bodyPr>
+            <a:normAutofit/>
+          </a:bodyPr>
+          <a:lstStyle/>
+          <a:p>
+            <a:pPr algn="l"/>
+            <a:r>
+              <a:rPr lang="en-US" dirty="0"/>
+              <a:t>ORDERS  </a:t>
+            </a:r>
+          </a:p>
+          <a:p>
+            <a:pPr algn="l"/>
+            <a:endParaRPr lang="en-US" dirty="0"/>
+          </a:p>
+          <a:p>
+            <a:pPr algn="l"/>
+            <a:r>
+              <a:rPr lang="en-US" dirty="0"/>
+              <a:t>                                                              CUSTOMER</a:t>
+            </a:r>
+          </a:p>
+          <a:p>
+            <a:pPr algn="l"/>
+            <a:r>
+              <a:rPr lang="en-US" dirty="0"/>
+              <a:t>                                                              </a:t>
+            </a:r>
+          </a:p>
+          <a:p>
+            <a:pPr marL="342900" indent="-342900" algn="l">
+              <a:buFont typeface="Arial" panose="020B0604020202020204" pitchFamily="34" charset="0"/>
+              <a:buChar char="•"/>
+            </a:pPr>
+            <a:endParaRPr lang="en-US" dirty="0"/>
+          </a:p>
+        </p:txBody>
+      </p:sp>
+      <p:graphicFrame>
+        <p:nvGraphicFramePr>
+          <p:cNvPr id="8" name="Table 8">
+            <a:extLst>
+              <a:ext uri="{FF2B5EF4-FFF2-40B4-BE49-F238E27FC236}">
+                <a16:creationId xmlns:a16="http://schemas.microsoft.com/office/drawing/2014/main" id="{88512CF6-2C5B-059C-C47E-EEB757CC2B3B}"/>
+              </a:ext>
+            </a:extLst>
+          </p:cNvPr>
+          <p:cNvGraphicFramePr>
+            <a:graphicFrameLocks noGrp="1"/>
+          </p:cNvGraphicFramePr>
+          <p:nvPr/>
+        </p:nvGraphicFramePr>
+        <p:xfrm>
+          <a:off x="1524000" y="719666"/>
+          <a:ext cx="9144000" cy="457200"/>
+        </p:xfrm>
+        <a:graphic>
+          <a:graphicData uri="http://schemas.openxmlformats.org/drawingml/2006/table">
+            <a:tbl>
+              <a:tblPr firstRow="1" bandRow="1">
+                <a:tableStyleId>{6E25E649-3F16-4E02-A733-19D2CDBF48F0}</a:tableStyleId>
+              </a:tblPr>
+              <a:tblGrid>
+                <a:gridCol w="9144000">
+                  <a:extLst>
+                    <a:ext uri="{9D8B030D-6E8A-4147-A177-3AD203B41FA5}">
+                      <a16:colId xmlns:a16="http://schemas.microsoft.com/office/drawing/2014/main" val="4251934507"/>
+                    </a:ext>
+                  </a:extLst>
+                </a:gridCol>
+              </a:tblGrid>
+              <a:tr h="370840">
+                <a:tc>
+                  <a:txBody>
+                    <a:bodyPr/>
+                    <a:lstStyle/>
+                    <a:p>
+                      <a:pPr algn="ctr"/>
+                      <a:r>
+                        <a:rPr lang="en-US" sz="2400" b="1" i="0" kern="1200" dirty="0">
+                          <a:solidFill>
+                            <a:schemeClr val="lt1"/>
+                          </a:solidFill>
+                          <a:effectLst/>
+                          <a:latin typeface="+mn-lt"/>
+                          <a:ea typeface="+mn-ea"/>
+                          <a:cs typeface="+mn-cs"/>
+                        </a:rPr>
+                        <a:t>The Venn diagram representation of INNER JOIN is shown below.</a:t>
+                      </a:r>
+                      <a:endParaRPr lang="en-US" sz="2400" b="1" dirty="0"/>
+                    </a:p>
+                  </a:txBody>
+                  <a:tcPr/>
+                </a:tc>
+                <a:extLst>
+                  <a:ext uri="{0D108BD9-81ED-4DB2-BD59-A6C34878D82A}">
+                    <a16:rowId xmlns:a16="http://schemas.microsoft.com/office/drawing/2014/main" val="428078644"/>
+                  </a:ext>
+                </a:extLst>
+              </a:tr>
+            </a:tbl>
+          </a:graphicData>
+        </a:graphic>
+      </p:graphicFrame>
+      <p:sp>
+        <p:nvSpPr>
+          <p:cNvPr id="7" name="TextBox 6">
+            <a:extLst>
+              <a:ext uri="{FF2B5EF4-FFF2-40B4-BE49-F238E27FC236}">
+                <a16:creationId xmlns:a16="http://schemas.microsoft.com/office/drawing/2014/main" id="{E66C5DC4-79D8-10C4-9178-3C52E1E83A3E}"/>
+              </a:ext>
+            </a:extLst>
+          </p:cNvPr>
+          <p:cNvSpPr txBox="1"/>
+          <p:nvPr/>
+        </p:nvSpPr>
+        <p:spPr>
+          <a:xfrm>
+            <a:off x="1430915" y="3870297"/>
+            <a:ext cx="9654180" cy="2585323"/>
+          </a:xfrm>
+          <a:prstGeom prst="rect">
+            <a:avLst/>
+          </a:prstGeom>
+          <a:noFill/>
+        </p:spPr>
+        <p:txBody>
+          <a:bodyPr wrap="square">
+            <a:spAutoFit/>
+          </a:bodyPr>
+          <a:lstStyle/>
+          <a:p>
+            <a:br>
+              <a:rPr lang="en-US" dirty="0"/>
+            </a:br>
+            <a:endParaRPr lang="en-US" dirty="0"/>
+          </a:p>
+          <a:p>
+            <a:pPr rtl="0">
+              <a:spcBef>
+                <a:spcPts val="0"/>
+              </a:spcBef>
+              <a:spcAft>
+                <a:spcPts val="0"/>
+              </a:spcAft>
+            </a:pPr>
+            <a:r>
+              <a:rPr lang="en-US" sz="1600" dirty="0"/>
+              <a:t> </a:t>
+            </a:r>
+            <a:r>
+              <a:rPr lang="en-US" sz="1600" b="0" i="0" u="none" strike="noStrike" dirty="0">
+                <a:solidFill>
+                  <a:srgbClr val="1A202C"/>
+                </a:solidFill>
+                <a:effectLst/>
+                <a:latin typeface="Arial" panose="020B0604020202020204" pitchFamily="34" charset="0"/>
+              </a:rPr>
+              <a:t>SELECT OrderID, CustomerName, Price </a:t>
+            </a:r>
+          </a:p>
+          <a:p>
+            <a:pPr rtl="0">
+              <a:spcBef>
+                <a:spcPts val="0"/>
+              </a:spcBef>
+              <a:spcAft>
+                <a:spcPts val="0"/>
+              </a:spcAft>
+            </a:pPr>
+            <a:r>
+              <a:rPr lang="en-US" sz="1600" b="0" i="0" u="none" strike="noStrike" dirty="0">
+                <a:solidFill>
+                  <a:srgbClr val="1A202C"/>
+                </a:solidFill>
+                <a:effectLst/>
+                <a:latin typeface="Arial" panose="020B0604020202020204" pitchFamily="34" charset="0"/>
+              </a:rPr>
+              <a:t>	FROM Orders</a:t>
+            </a:r>
+          </a:p>
+          <a:p>
+            <a:pPr rtl="0">
+              <a:spcBef>
+                <a:spcPts val="0"/>
+              </a:spcBef>
+              <a:spcAft>
+                <a:spcPts val="0"/>
+              </a:spcAft>
+            </a:pPr>
+            <a:r>
+              <a:rPr lang="en-US" sz="1600" b="0" i="0" u="none" strike="noStrike" dirty="0">
+                <a:solidFill>
+                  <a:srgbClr val="1A202C"/>
+                </a:solidFill>
+                <a:effectLst/>
+                <a:latin typeface="Arial" panose="020B0604020202020204" pitchFamily="34" charset="0"/>
+              </a:rPr>
+              <a:t>	INNER JOIN Customer</a:t>
+            </a:r>
+          </a:p>
+          <a:p>
+            <a:r>
+              <a:rPr lang="en-US" sz="1600" b="0" i="0" u="none" strike="noStrike" dirty="0">
+                <a:solidFill>
+                  <a:srgbClr val="1A202C"/>
+                </a:solidFill>
+                <a:effectLst/>
+                <a:latin typeface="Arial" panose="020B0604020202020204" pitchFamily="34" charset="0"/>
+              </a:rPr>
+              <a:t>	ON </a:t>
+            </a:r>
+            <a:r>
+              <a:rPr lang="en-US" sz="1600" b="0" i="0" u="none" strike="noStrike" dirty="0" err="1">
+                <a:solidFill>
+                  <a:srgbClr val="1A202C"/>
+                </a:solidFill>
+                <a:effectLst/>
+                <a:latin typeface="Arial" panose="020B0604020202020204" pitchFamily="34" charset="0"/>
+              </a:rPr>
+              <a:t>Orders.CustomerID</a:t>
+            </a:r>
+            <a:r>
+              <a:rPr lang="en-US" sz="1600" b="0" i="0" u="none" strike="noStrike" dirty="0">
+                <a:solidFill>
+                  <a:srgbClr val="1A202C"/>
+                </a:solidFill>
+                <a:effectLst/>
+                <a:latin typeface="Arial" panose="020B0604020202020204" pitchFamily="34" charset="0"/>
+              </a:rPr>
+              <a:t> = </a:t>
+            </a:r>
+            <a:r>
+              <a:rPr lang="en-US" sz="1600" b="0" i="0" u="none" strike="noStrike" dirty="0" err="1">
+                <a:solidFill>
+                  <a:srgbClr val="1A202C"/>
+                </a:solidFill>
+                <a:effectLst/>
+                <a:latin typeface="Arial" panose="020B0604020202020204" pitchFamily="34" charset="0"/>
+              </a:rPr>
+              <a:t>Customer.CustomerID</a:t>
+            </a:r>
+            <a:r>
+              <a:rPr lang="en-US" sz="1600" b="0" i="0" u="none" strike="noStrike" dirty="0">
+                <a:solidFill>
+                  <a:srgbClr val="1A202C"/>
+                </a:solidFill>
+                <a:effectLst/>
+                <a:latin typeface="Arial" panose="020B0604020202020204" pitchFamily="34" charset="0"/>
+              </a:rPr>
+              <a:t>;     </a:t>
+            </a:r>
+          </a:p>
+          <a:p>
+            <a:r>
+              <a:rPr lang="en-US" sz="1600" b="0" i="0" u="none" strike="noStrike" dirty="0">
+                <a:solidFill>
+                  <a:srgbClr val="1A202C"/>
+                </a:solidFill>
+                <a:effectLst/>
+                <a:latin typeface="Arial" panose="020B0604020202020204" pitchFamily="34" charset="0"/>
+              </a:rPr>
+              <a:t> </a:t>
+            </a:r>
+          </a:p>
+          <a:p>
+            <a:r>
+              <a:rPr lang="en-US" sz="1600" b="0" i="0" u="none" strike="noStrike" dirty="0">
+                <a:solidFill>
+                  <a:srgbClr val="1A202C"/>
+                </a:solidFill>
+                <a:effectLst/>
+                <a:latin typeface="Arial" panose="020B0604020202020204" pitchFamily="34" charset="0"/>
+              </a:rPr>
+              <a:t>RESULT:</a:t>
+            </a:r>
+          </a:p>
+          <a:p>
+            <a:r>
+              <a:rPr lang="en-US" sz="1600" b="0" i="0" u="none" strike="noStrike" dirty="0">
+                <a:solidFill>
+                  <a:srgbClr val="1A202C"/>
+                </a:solidFill>
+                <a:effectLst/>
+                <a:latin typeface="Arial" panose="020B0604020202020204" pitchFamily="34" charset="0"/>
+              </a:rPr>
+              <a:t>                </a:t>
+            </a:r>
+            <a:endParaRPr lang="en-US" sz="2000" dirty="0"/>
+          </a:p>
+          <a:p>
+            <a:pPr rtl="0">
+              <a:spcBef>
+                <a:spcPts val="0"/>
+              </a:spcBef>
+              <a:spcAft>
+                <a:spcPts val="0"/>
+              </a:spcAft>
+            </a:pPr>
+            <a:endParaRPr lang="en-US" sz="1400" dirty="0"/>
+          </a:p>
+        </p:txBody>
+      </p:sp>
+      <p:pic>
+        <p:nvPicPr>
+          <p:cNvPr id="13" name="Picture 12">
+            <a:extLst>
+              <a:ext uri="{FF2B5EF4-FFF2-40B4-BE49-F238E27FC236}">
+                <a16:creationId xmlns:a16="http://schemas.microsoft.com/office/drawing/2014/main" id="{FACEBB91-5380-B613-8527-7FD973B76228}"/>
+              </a:ext>
+            </a:extLst>
+          </p:cNvPr>
+          <p:cNvPicPr>
+            <a:picLocks noChangeAspect="1"/>
+          </p:cNvPicPr>
+          <p:nvPr/>
+        </p:nvPicPr>
+        <p:blipFill>
+          <a:blip r:embed="rId2"/>
+          <a:stretch>
+            <a:fillRect/>
+          </a:stretch>
+        </p:blipFill>
+        <p:spPr>
+          <a:xfrm>
+            <a:off x="5226847" y="1257300"/>
+            <a:ext cx="1780978" cy="1100888"/>
+          </a:xfrm>
+          <a:prstGeom prst="rect">
+            <a:avLst/>
+          </a:prstGeom>
+        </p:spPr>
+      </p:pic>
+      <p:graphicFrame>
+        <p:nvGraphicFramePr>
+          <p:cNvPr id="4" name="Table 4">
+            <a:extLst>
+              <a:ext uri="{FF2B5EF4-FFF2-40B4-BE49-F238E27FC236}">
+                <a16:creationId xmlns:a16="http://schemas.microsoft.com/office/drawing/2014/main" id="{D6C729C4-396D-D3B7-842F-EECCEF693A3A}"/>
+              </a:ext>
+            </a:extLst>
+          </p:cNvPr>
+          <p:cNvGraphicFramePr>
+            <a:graphicFrameLocks noGrp="1"/>
+          </p:cNvGraphicFramePr>
+          <p:nvPr>
+            <p:extLst>
+              <p:ext uri="{D42A27DB-BD31-4B8C-83A1-F6EECF244321}">
+                <p14:modId xmlns:p14="http://schemas.microsoft.com/office/powerpoint/2010/main" val="4201322503"/>
+              </p:ext>
+            </p:extLst>
+          </p:nvPr>
+        </p:nvGraphicFramePr>
+        <p:xfrm>
+          <a:off x="1609342" y="2438622"/>
+          <a:ext cx="4053077" cy="1304925"/>
+        </p:xfrm>
+        <a:graphic>
+          <a:graphicData uri="http://schemas.openxmlformats.org/drawingml/2006/table">
+            <a:tbl>
+              <a:tblPr firstRow="1" bandRow="1">
+                <a:tableStyleId>{5C22544A-7EE6-4342-B048-85BDC9FD1C3A}</a:tableStyleId>
+              </a:tblPr>
+              <a:tblGrid>
+                <a:gridCol w="655275">
+                  <a:extLst>
+                    <a:ext uri="{9D8B030D-6E8A-4147-A177-3AD203B41FA5}">
+                      <a16:colId xmlns:a16="http://schemas.microsoft.com/office/drawing/2014/main" val="4281797432"/>
+                    </a:ext>
+                  </a:extLst>
+                </a:gridCol>
+                <a:gridCol w="1001233">
+                  <a:extLst>
+                    <a:ext uri="{9D8B030D-6E8A-4147-A177-3AD203B41FA5}">
+                      <a16:colId xmlns:a16="http://schemas.microsoft.com/office/drawing/2014/main" val="237440901"/>
+                    </a:ext>
+                  </a:extLst>
+                </a:gridCol>
+                <a:gridCol w="1022536">
+                  <a:extLst>
+                    <a:ext uri="{9D8B030D-6E8A-4147-A177-3AD203B41FA5}">
+                      <a16:colId xmlns:a16="http://schemas.microsoft.com/office/drawing/2014/main" val="3447409254"/>
+                    </a:ext>
+                  </a:extLst>
+                </a:gridCol>
+                <a:gridCol w="862765">
+                  <a:extLst>
+                    <a:ext uri="{9D8B030D-6E8A-4147-A177-3AD203B41FA5}">
+                      <a16:colId xmlns:a16="http://schemas.microsoft.com/office/drawing/2014/main" val="888093024"/>
+                    </a:ext>
+                  </a:extLst>
+                </a:gridCol>
+                <a:gridCol w="511268">
+                  <a:extLst>
+                    <a:ext uri="{9D8B030D-6E8A-4147-A177-3AD203B41FA5}">
+                      <a16:colId xmlns:a16="http://schemas.microsoft.com/office/drawing/2014/main" val="4218543662"/>
+                    </a:ext>
+                  </a:extLst>
+                </a:gridCol>
+              </a:tblGrid>
+              <a:tr h="0">
+                <a:tc>
+                  <a:txBody>
+                    <a:bodyPr/>
+                    <a:lstStyle/>
+                    <a:p>
+                      <a:pPr algn="l" fontAlgn="b"/>
+                      <a:r>
+                        <a:rPr lang="en-US" sz="1200" b="1" i="0" u="none" strike="noStrike">
+                          <a:solidFill>
+                            <a:schemeClr val="bg1"/>
+                          </a:solidFill>
+                          <a:effectLst/>
+                          <a:latin typeface="Calibri" panose="020F0502020204030204" pitchFamily="34" charset="0"/>
+                        </a:rPr>
+                        <a:t>orderid</a:t>
+                      </a:r>
+                    </a:p>
+                  </a:txBody>
+                  <a:tcPr marL="9525" marR="9525" marT="9525" marB="0" anchor="b"/>
+                </a:tc>
+                <a:tc>
+                  <a:txBody>
+                    <a:bodyPr/>
+                    <a:lstStyle/>
+                    <a:p>
+                      <a:pPr algn="l" fontAlgn="b"/>
+                      <a:r>
+                        <a:rPr lang="en-US" sz="1200" b="1" i="0" u="none" strike="noStrike">
+                          <a:solidFill>
+                            <a:schemeClr val="bg1"/>
+                          </a:solidFill>
+                          <a:effectLst/>
+                          <a:latin typeface="Calibri" panose="020F0502020204030204" pitchFamily="34" charset="0"/>
+                        </a:rPr>
+                        <a:t>customerid</a:t>
+                      </a:r>
+                    </a:p>
+                  </a:txBody>
+                  <a:tcPr marL="9525" marR="9525" marT="9525" marB="0" anchor="b"/>
+                </a:tc>
+                <a:tc>
+                  <a:txBody>
+                    <a:bodyPr/>
+                    <a:lstStyle/>
+                    <a:p>
+                      <a:pPr algn="l" fontAlgn="b"/>
+                      <a:r>
+                        <a:rPr lang="en-US" sz="1200" b="1" i="0" u="none" strike="noStrike" dirty="0">
+                          <a:solidFill>
+                            <a:schemeClr val="bg1"/>
+                          </a:solidFill>
+                          <a:effectLst/>
+                          <a:latin typeface="Calibri" panose="020F0502020204030204" pitchFamily="34" charset="0"/>
+                        </a:rPr>
+                        <a:t>employeeid</a:t>
+                      </a:r>
+                    </a:p>
+                  </a:txBody>
+                  <a:tcPr marL="9525" marR="9525" marT="9525" marB="0" anchor="b"/>
+                </a:tc>
+                <a:tc>
+                  <a:txBody>
+                    <a:bodyPr/>
+                    <a:lstStyle/>
+                    <a:p>
+                      <a:pPr algn="l" fontAlgn="b"/>
+                      <a:r>
+                        <a:rPr lang="en-US" sz="1200" b="1" i="0" u="none" strike="noStrike">
+                          <a:solidFill>
+                            <a:schemeClr val="bg1"/>
+                          </a:solidFill>
+                          <a:effectLst/>
+                          <a:latin typeface="Calibri" panose="020F0502020204030204" pitchFamily="34" charset="0"/>
+                        </a:rPr>
+                        <a:t>orderdate</a:t>
+                      </a:r>
+                    </a:p>
+                  </a:txBody>
+                  <a:tcPr marL="9525" marR="9525" marT="9525" marB="0" anchor="b"/>
+                </a:tc>
+                <a:tc>
+                  <a:txBody>
+                    <a:bodyPr/>
+                    <a:lstStyle/>
+                    <a:p>
+                      <a:pPr algn="l" fontAlgn="b"/>
+                      <a:r>
+                        <a:rPr lang="en-US" sz="1200" b="1" i="0" u="none" strike="noStrike" dirty="0">
+                          <a:solidFill>
+                            <a:schemeClr val="bg1"/>
+                          </a:solidFill>
+                          <a:effectLst/>
+                          <a:latin typeface="Calibri" panose="020F0502020204030204" pitchFamily="34" charset="0"/>
+                        </a:rPr>
+                        <a:t>price</a:t>
+                      </a:r>
+                    </a:p>
+                  </a:txBody>
+                  <a:tcPr marL="9525" marR="9525" marT="9525" marB="0" anchor="b"/>
+                </a:tc>
+                <a:extLst>
+                  <a:ext uri="{0D108BD9-81ED-4DB2-BD59-A6C34878D82A}">
+                    <a16:rowId xmlns:a16="http://schemas.microsoft.com/office/drawing/2014/main" val="594612673"/>
+                  </a:ext>
+                </a:extLst>
+              </a:tr>
+              <a:tr h="370840">
+                <a:tc>
+                  <a:txBody>
+                    <a:bodyPr/>
+                    <a:lstStyle/>
+                    <a:p>
+                      <a:pPr algn="ctr" fontAlgn="b"/>
+                      <a:r>
+                        <a:rPr lang="en-US" sz="1100" b="0" i="0" u="none" strike="noStrike" dirty="0">
+                          <a:solidFill>
+                            <a:srgbClr val="000000"/>
+                          </a:solidFill>
+                          <a:effectLst/>
+                          <a:latin typeface="Calibri" panose="020F0502020204030204" pitchFamily="34" charset="0"/>
+                        </a:rPr>
+                        <a:t>10408</a:t>
+                      </a:r>
+                    </a:p>
+                  </a:txBody>
+                  <a:tcPr marL="9525" marR="9525" marT="9525" marB="0" anchor="b"/>
+                </a:tc>
+                <a:tc>
+                  <a:txBody>
+                    <a:bodyPr/>
+                    <a:lstStyle/>
+                    <a:p>
+                      <a:pPr algn="ctr" fontAlgn="b"/>
+                      <a:r>
+                        <a:rPr lang="en-US" sz="1100" b="0" i="0" u="none" strike="noStrike" dirty="0">
+                          <a:solidFill>
+                            <a:srgbClr val="000000"/>
+                          </a:solidFill>
+                          <a:effectLst/>
+                          <a:latin typeface="Calibri" panose="020F0502020204030204" pitchFamily="34" charset="0"/>
+                        </a:rPr>
+                        <a:t>2</a:t>
+                      </a:r>
+                    </a:p>
+                  </a:txBody>
+                  <a:tcPr marL="9525" marR="9525" marT="9525" marB="0" anchor="b"/>
+                </a:tc>
+                <a:tc>
+                  <a:txBody>
+                    <a:bodyPr/>
+                    <a:lstStyle/>
+                    <a:p>
+                      <a:pPr algn="ctr" fontAlgn="b"/>
+                      <a:r>
+                        <a:rPr lang="en-US" sz="1100" b="0" i="0" u="none" strike="noStrike">
+                          <a:solidFill>
+                            <a:srgbClr val="000000"/>
+                          </a:solidFill>
+                          <a:effectLst/>
+                          <a:latin typeface="Calibri" panose="020F0502020204030204" pitchFamily="34" charset="0"/>
+                        </a:rPr>
+                        <a:t>7</a:t>
+                      </a:r>
+                    </a:p>
+                  </a:txBody>
+                  <a:tcPr marL="9525" marR="9525" marT="9525" marB="0" anchor="b"/>
+                </a:tc>
+                <a:tc>
+                  <a:txBody>
+                    <a:bodyPr/>
+                    <a:lstStyle/>
+                    <a:p>
+                      <a:pPr algn="ctr" fontAlgn="b"/>
+                      <a:r>
+                        <a:rPr lang="en-US" sz="1100" b="0" i="0" u="none" strike="noStrike">
+                          <a:solidFill>
+                            <a:srgbClr val="000000"/>
+                          </a:solidFill>
+                          <a:effectLst/>
+                          <a:latin typeface="Calibri" panose="020F0502020204030204" pitchFamily="34" charset="0"/>
+                        </a:rPr>
+                        <a:t>10/19/2022</a:t>
+                      </a:r>
+                    </a:p>
+                  </a:txBody>
+                  <a:tcPr marL="9525" marR="9525" marT="9525" marB="0" anchor="b"/>
+                </a:tc>
+                <a:tc>
+                  <a:txBody>
+                    <a:bodyPr/>
+                    <a:lstStyle/>
+                    <a:p>
+                      <a:pPr algn="ctr" fontAlgn="b"/>
+                      <a:r>
+                        <a:rPr lang="en-US" sz="1100" b="0" i="0" u="none" strike="noStrike">
+                          <a:solidFill>
+                            <a:srgbClr val="000000"/>
+                          </a:solidFill>
+                          <a:effectLst/>
+                          <a:latin typeface="Calibri" panose="020F0502020204030204" pitchFamily="34" charset="0"/>
+                        </a:rPr>
+                        <a:t>164.78</a:t>
+                      </a:r>
+                    </a:p>
+                  </a:txBody>
+                  <a:tcPr marL="9525" marR="9525" marT="9525" marB="0" anchor="b"/>
+                </a:tc>
+                <a:extLst>
+                  <a:ext uri="{0D108BD9-81ED-4DB2-BD59-A6C34878D82A}">
+                    <a16:rowId xmlns:a16="http://schemas.microsoft.com/office/drawing/2014/main" val="3284073844"/>
+                  </a:ext>
+                </a:extLst>
+              </a:tr>
+              <a:tr h="370840">
+                <a:tc>
+                  <a:txBody>
+                    <a:bodyPr/>
+                    <a:lstStyle/>
+                    <a:p>
+                      <a:pPr algn="ctr" fontAlgn="b"/>
+                      <a:r>
+                        <a:rPr lang="en-US" sz="1100" b="0" i="0" u="none" strike="noStrike">
+                          <a:solidFill>
+                            <a:srgbClr val="000000"/>
+                          </a:solidFill>
+                          <a:effectLst/>
+                          <a:latin typeface="Calibri" panose="020F0502020204030204" pitchFamily="34" charset="0"/>
+                        </a:rPr>
+                        <a:t>10409</a:t>
+                      </a:r>
+                    </a:p>
+                  </a:txBody>
+                  <a:tcPr marL="9525" marR="9525" marT="9525" marB="0" anchor="b"/>
+                </a:tc>
+                <a:tc>
+                  <a:txBody>
+                    <a:bodyPr/>
+                    <a:lstStyle/>
+                    <a:p>
+                      <a:pPr algn="ctr" fontAlgn="b"/>
+                      <a:r>
+                        <a:rPr lang="en-US" sz="1100" b="0" i="0" u="none" strike="noStrike" dirty="0">
+                          <a:solidFill>
+                            <a:srgbClr val="000000"/>
+                          </a:solidFill>
+                          <a:effectLst/>
+                          <a:latin typeface="Calibri" panose="020F0502020204030204" pitchFamily="34" charset="0"/>
+                        </a:rPr>
+                        <a:t>2</a:t>
+                      </a:r>
+                    </a:p>
+                  </a:txBody>
+                  <a:tcPr marL="9525" marR="9525" marT="9525" marB="0" anchor="b"/>
+                </a:tc>
+                <a:tc>
+                  <a:txBody>
+                    <a:bodyPr/>
+                    <a:lstStyle/>
+                    <a:p>
+                      <a:pPr algn="ctr" fontAlgn="b"/>
+                      <a:r>
+                        <a:rPr lang="en-US" sz="1100" b="0" i="0" u="none" strike="noStrike" dirty="0">
+                          <a:solidFill>
+                            <a:srgbClr val="000000"/>
+                          </a:solidFill>
+                          <a:effectLst/>
+                          <a:latin typeface="Calibri" panose="020F0502020204030204" pitchFamily="34" charset="0"/>
+                        </a:rPr>
+                        <a:t>5</a:t>
+                      </a:r>
+                    </a:p>
+                  </a:txBody>
+                  <a:tcPr marL="9525" marR="9525" marT="9525" marB="0" anchor="b"/>
+                </a:tc>
+                <a:tc>
+                  <a:txBody>
+                    <a:bodyPr/>
+                    <a:lstStyle/>
+                    <a:p>
+                      <a:pPr algn="ctr" fontAlgn="b"/>
+                      <a:r>
+                        <a:rPr lang="en-US" sz="1100" b="0" i="0" u="none" strike="noStrike" dirty="0">
+                          <a:solidFill>
+                            <a:srgbClr val="000000"/>
+                          </a:solidFill>
+                          <a:effectLst/>
+                          <a:latin typeface="Calibri" panose="020F0502020204030204" pitchFamily="34" charset="0"/>
+                        </a:rPr>
+                        <a:t>10/20/2022</a:t>
+                      </a:r>
+                    </a:p>
+                  </a:txBody>
+                  <a:tcPr marL="9525" marR="9525" marT="9525" marB="0" anchor="b"/>
+                </a:tc>
+                <a:tc>
+                  <a:txBody>
+                    <a:bodyPr/>
+                    <a:lstStyle/>
+                    <a:p>
+                      <a:pPr algn="ctr" fontAlgn="b"/>
+                      <a:r>
+                        <a:rPr lang="en-US" sz="1100" b="0" i="0" u="none" strike="noStrike" dirty="0">
+                          <a:solidFill>
+                            <a:srgbClr val="000000"/>
+                          </a:solidFill>
+                          <a:effectLst/>
+                          <a:latin typeface="Calibri" panose="020F0502020204030204" pitchFamily="34" charset="0"/>
+                        </a:rPr>
+                        <a:t>200.78</a:t>
+                      </a:r>
+                    </a:p>
+                  </a:txBody>
+                  <a:tcPr marL="9525" marR="9525" marT="9525" marB="0" anchor="b"/>
+                </a:tc>
+                <a:extLst>
+                  <a:ext uri="{0D108BD9-81ED-4DB2-BD59-A6C34878D82A}">
+                    <a16:rowId xmlns:a16="http://schemas.microsoft.com/office/drawing/2014/main" val="3253801685"/>
+                  </a:ext>
+                </a:extLst>
+              </a:tr>
+              <a:tr h="370840">
+                <a:tc>
+                  <a:txBody>
+                    <a:bodyPr/>
+                    <a:lstStyle/>
+                    <a:p>
+                      <a:pPr algn="ctr" fontAlgn="b"/>
+                      <a:r>
+                        <a:rPr lang="en-US" sz="1100" b="0" i="0" u="none" strike="noStrike">
+                          <a:solidFill>
+                            <a:srgbClr val="000000"/>
+                          </a:solidFill>
+                          <a:effectLst/>
+                          <a:latin typeface="Calibri" panose="020F0502020204030204" pitchFamily="34" charset="0"/>
+                        </a:rPr>
+                        <a:t>1010</a:t>
+                      </a:r>
+                    </a:p>
+                  </a:txBody>
+                  <a:tcPr marL="9525" marR="9525" marT="9525" marB="0" anchor="b"/>
+                </a:tc>
+                <a:tc>
+                  <a:txBody>
+                    <a:bodyPr/>
+                    <a:lstStyle/>
+                    <a:p>
+                      <a:pPr algn="ctr" fontAlgn="b"/>
+                      <a:r>
+                        <a:rPr lang="en-US" sz="1100" b="0" i="0" u="none" strike="noStrike">
+                          <a:solidFill>
+                            <a:srgbClr val="000000"/>
+                          </a:solidFill>
+                          <a:effectLst/>
+                          <a:latin typeface="Calibri" panose="020F0502020204030204" pitchFamily="34" charset="0"/>
+                        </a:rPr>
+                        <a:t>1</a:t>
+                      </a:r>
+                    </a:p>
+                  </a:txBody>
+                  <a:tcPr marL="9525" marR="9525" marT="9525" marB="0" anchor="b"/>
+                </a:tc>
+                <a:tc>
+                  <a:txBody>
+                    <a:bodyPr/>
+                    <a:lstStyle/>
+                    <a:p>
+                      <a:pPr algn="ctr" fontAlgn="b"/>
+                      <a:r>
+                        <a:rPr lang="en-US" sz="1100" b="0" i="0" u="none" strike="noStrike" dirty="0">
+                          <a:solidFill>
+                            <a:srgbClr val="000000"/>
+                          </a:solidFill>
+                          <a:effectLst/>
+                          <a:latin typeface="Calibri" panose="020F0502020204030204" pitchFamily="34" charset="0"/>
+                        </a:rPr>
+                        <a:t>6</a:t>
+                      </a:r>
+                    </a:p>
+                  </a:txBody>
+                  <a:tcPr marL="9525" marR="9525" marT="9525" marB="0" anchor="b"/>
+                </a:tc>
+                <a:tc>
+                  <a:txBody>
+                    <a:bodyPr/>
+                    <a:lstStyle/>
+                    <a:p>
+                      <a:pPr algn="ctr" fontAlgn="b"/>
+                      <a:r>
+                        <a:rPr lang="en-US" sz="1100" b="0" i="0" u="none" strike="noStrike">
+                          <a:solidFill>
+                            <a:srgbClr val="000000"/>
+                          </a:solidFill>
+                          <a:effectLst/>
+                          <a:latin typeface="Calibri" panose="020F0502020204030204" pitchFamily="34" charset="0"/>
+                        </a:rPr>
+                        <a:t>10/21/2020</a:t>
+                      </a:r>
+                    </a:p>
+                  </a:txBody>
+                  <a:tcPr marL="9525" marR="9525" marT="9525" marB="0" anchor="b"/>
+                </a:tc>
+                <a:tc>
+                  <a:txBody>
+                    <a:bodyPr/>
+                    <a:lstStyle/>
+                    <a:p>
+                      <a:pPr algn="ctr" fontAlgn="b"/>
+                      <a:r>
+                        <a:rPr lang="en-US" sz="1100" b="0" i="0" u="none" strike="noStrike" dirty="0">
+                          <a:solidFill>
+                            <a:srgbClr val="000000"/>
+                          </a:solidFill>
+                          <a:effectLst/>
+                          <a:latin typeface="Calibri" panose="020F0502020204030204" pitchFamily="34" charset="0"/>
+                        </a:rPr>
+                        <a:t>300.78</a:t>
+                      </a:r>
+                    </a:p>
+                  </a:txBody>
+                  <a:tcPr marL="9525" marR="9525" marT="9525" marB="0" anchor="b"/>
+                </a:tc>
+                <a:extLst>
+                  <a:ext uri="{0D108BD9-81ED-4DB2-BD59-A6C34878D82A}">
+                    <a16:rowId xmlns:a16="http://schemas.microsoft.com/office/drawing/2014/main" val="2983064871"/>
+                  </a:ext>
+                </a:extLst>
+              </a:tr>
+            </a:tbl>
+          </a:graphicData>
+        </a:graphic>
+      </p:graphicFrame>
+      <p:graphicFrame>
+        <p:nvGraphicFramePr>
+          <p:cNvPr id="5" name="Table 5">
+            <a:extLst>
+              <a:ext uri="{FF2B5EF4-FFF2-40B4-BE49-F238E27FC236}">
+                <a16:creationId xmlns:a16="http://schemas.microsoft.com/office/drawing/2014/main" id="{C1B7487F-F43C-DF62-049D-2842B9DF3048}"/>
+              </a:ext>
+            </a:extLst>
+          </p:cNvPr>
+          <p:cNvGraphicFramePr>
+            <a:graphicFrameLocks noGrp="1"/>
+          </p:cNvGraphicFramePr>
+          <p:nvPr>
+            <p:extLst>
+              <p:ext uri="{D42A27DB-BD31-4B8C-83A1-F6EECF244321}">
+                <p14:modId xmlns:p14="http://schemas.microsoft.com/office/powerpoint/2010/main" val="3541980506"/>
+              </p:ext>
+            </p:extLst>
+          </p:nvPr>
+        </p:nvGraphicFramePr>
+        <p:xfrm>
+          <a:off x="5934075" y="3188200"/>
+          <a:ext cx="4691255" cy="1624965"/>
+        </p:xfrm>
+        <a:graphic>
+          <a:graphicData uri="http://schemas.openxmlformats.org/drawingml/2006/table">
+            <a:tbl>
+              <a:tblPr firstRow="1" bandRow="1">
+                <a:tableStyleId>{5C22544A-7EE6-4342-B048-85BDC9FD1C3A}</a:tableStyleId>
+              </a:tblPr>
+              <a:tblGrid>
+                <a:gridCol w="781876">
+                  <a:extLst>
+                    <a:ext uri="{9D8B030D-6E8A-4147-A177-3AD203B41FA5}">
+                      <a16:colId xmlns:a16="http://schemas.microsoft.com/office/drawing/2014/main" val="804572549"/>
+                    </a:ext>
+                  </a:extLst>
+                </a:gridCol>
+                <a:gridCol w="1025547">
+                  <a:extLst>
+                    <a:ext uri="{9D8B030D-6E8A-4147-A177-3AD203B41FA5}">
+                      <a16:colId xmlns:a16="http://schemas.microsoft.com/office/drawing/2014/main" val="690705410"/>
+                    </a:ext>
+                  </a:extLst>
+                </a:gridCol>
+                <a:gridCol w="538204">
+                  <a:extLst>
+                    <a:ext uri="{9D8B030D-6E8A-4147-A177-3AD203B41FA5}">
+                      <a16:colId xmlns:a16="http://schemas.microsoft.com/office/drawing/2014/main" val="1451036570"/>
+                    </a:ext>
+                  </a:extLst>
+                </a:gridCol>
+                <a:gridCol w="539782">
+                  <a:extLst>
+                    <a:ext uri="{9D8B030D-6E8A-4147-A177-3AD203B41FA5}">
+                      <a16:colId xmlns:a16="http://schemas.microsoft.com/office/drawing/2014/main" val="1919614046"/>
+                    </a:ext>
+                  </a:extLst>
+                </a:gridCol>
+                <a:gridCol w="743811">
+                  <a:extLst>
+                    <a:ext uri="{9D8B030D-6E8A-4147-A177-3AD203B41FA5}">
+                      <a16:colId xmlns:a16="http://schemas.microsoft.com/office/drawing/2014/main" val="3603661983"/>
+                    </a:ext>
+                  </a:extLst>
+                </a:gridCol>
+                <a:gridCol w="1062035">
+                  <a:extLst>
+                    <a:ext uri="{9D8B030D-6E8A-4147-A177-3AD203B41FA5}">
+                      <a16:colId xmlns:a16="http://schemas.microsoft.com/office/drawing/2014/main" val="2638018289"/>
+                    </a:ext>
+                  </a:extLst>
+                </a:gridCol>
+              </a:tblGrid>
+              <a:tr h="370840">
+                <a:tc>
+                  <a:txBody>
+                    <a:bodyPr/>
+                    <a:lstStyle/>
+                    <a:p>
+                      <a:pPr algn="l" fontAlgn="b"/>
+                      <a:r>
+                        <a:rPr lang="en-US" sz="1200" b="1" i="0" u="none" strike="noStrike">
+                          <a:solidFill>
+                            <a:schemeClr val="bg1"/>
+                          </a:solidFill>
+                          <a:effectLst/>
+                          <a:latin typeface="Calibri" panose="020F0502020204030204" pitchFamily="34" charset="0"/>
+                        </a:rPr>
+                        <a:t>customerid</a:t>
+                      </a:r>
+                    </a:p>
+                  </a:txBody>
+                  <a:tcPr marL="9525" marR="9525" marT="9525" marB="0" anchor="b"/>
+                </a:tc>
+                <a:tc>
+                  <a:txBody>
+                    <a:bodyPr/>
+                    <a:lstStyle/>
+                    <a:p>
+                      <a:pPr algn="l" fontAlgn="b"/>
+                      <a:r>
+                        <a:rPr lang="en-US" sz="1200" b="1" i="0" u="none" strike="noStrike">
+                          <a:solidFill>
+                            <a:schemeClr val="bg1"/>
+                          </a:solidFill>
+                          <a:effectLst/>
+                          <a:latin typeface="Calibri" panose="020F0502020204030204" pitchFamily="34" charset="0"/>
+                        </a:rPr>
+                        <a:t>customername</a:t>
+                      </a:r>
+                    </a:p>
+                  </a:txBody>
+                  <a:tcPr marL="9525" marR="9525" marT="9525" marB="0" anchor="b"/>
+                </a:tc>
+                <a:tc>
+                  <a:txBody>
+                    <a:bodyPr/>
+                    <a:lstStyle/>
+                    <a:p>
+                      <a:pPr algn="l" fontAlgn="b"/>
+                      <a:r>
+                        <a:rPr lang="en-US" sz="1200" b="1" i="0" u="none" strike="noStrike">
+                          <a:solidFill>
+                            <a:schemeClr val="bg1"/>
+                          </a:solidFill>
+                          <a:effectLst/>
+                          <a:latin typeface="Calibri" panose="020F0502020204030204" pitchFamily="34" charset="0"/>
+                        </a:rPr>
+                        <a:t>address</a:t>
+                      </a:r>
+                    </a:p>
+                  </a:txBody>
+                  <a:tcPr marL="9525" marR="9525" marT="9525" marB="0" anchor="b"/>
+                </a:tc>
+                <a:tc>
+                  <a:txBody>
+                    <a:bodyPr/>
+                    <a:lstStyle/>
+                    <a:p>
+                      <a:pPr algn="l" fontAlgn="b"/>
+                      <a:r>
+                        <a:rPr lang="en-US" sz="1200" b="1" i="0" u="none" strike="noStrike">
+                          <a:solidFill>
+                            <a:schemeClr val="bg1"/>
+                          </a:solidFill>
+                          <a:effectLst/>
+                          <a:latin typeface="Calibri" panose="020F0502020204030204" pitchFamily="34" charset="0"/>
+                        </a:rPr>
+                        <a:t>city</a:t>
+                      </a:r>
+                    </a:p>
+                  </a:txBody>
+                  <a:tcPr marL="9525" marR="9525" marT="9525" marB="0" anchor="b"/>
+                </a:tc>
+                <a:tc>
+                  <a:txBody>
+                    <a:bodyPr/>
+                    <a:lstStyle/>
+                    <a:p>
+                      <a:pPr algn="l" fontAlgn="b"/>
+                      <a:r>
+                        <a:rPr lang="en-US" sz="1200" b="1" i="0" u="none" strike="noStrike">
+                          <a:solidFill>
+                            <a:schemeClr val="bg1"/>
+                          </a:solidFill>
+                          <a:effectLst/>
+                          <a:latin typeface="Calibri" panose="020F0502020204030204" pitchFamily="34" charset="0"/>
+                        </a:rPr>
+                        <a:t>postalcode</a:t>
+                      </a:r>
+                    </a:p>
+                  </a:txBody>
+                  <a:tcPr marL="9525" marR="9525" marT="9525" marB="0" anchor="b"/>
+                </a:tc>
+                <a:tc>
+                  <a:txBody>
+                    <a:bodyPr/>
+                    <a:lstStyle/>
+                    <a:p>
+                      <a:pPr algn="l" fontAlgn="b"/>
+                      <a:r>
+                        <a:rPr lang="en-US" sz="1200" b="1" i="0" u="none" strike="noStrike" dirty="0">
+                          <a:solidFill>
+                            <a:schemeClr val="bg1"/>
+                          </a:solidFill>
+                          <a:effectLst/>
+                          <a:latin typeface="Calibri" panose="020F0502020204030204" pitchFamily="34" charset="0"/>
+                        </a:rPr>
+                        <a:t>country</a:t>
+                      </a:r>
+                    </a:p>
+                  </a:txBody>
+                  <a:tcPr marL="9525" marR="9525" marT="9525" marB="0" anchor="b"/>
+                </a:tc>
+                <a:extLst>
+                  <a:ext uri="{0D108BD9-81ED-4DB2-BD59-A6C34878D82A}">
+                    <a16:rowId xmlns:a16="http://schemas.microsoft.com/office/drawing/2014/main" val="3810522630"/>
+                  </a:ext>
+                </a:extLst>
+              </a:tr>
+              <a:tr h="370840">
+                <a:tc>
+                  <a:txBody>
+                    <a:bodyPr/>
+                    <a:lstStyle/>
+                    <a:p>
+                      <a:pPr algn="ctr" fontAlgn="b"/>
+                      <a:r>
+                        <a:rPr lang="en-US" sz="1100" b="0" i="0" u="none" strike="noStrike" dirty="0">
+                          <a:solidFill>
+                            <a:srgbClr val="000000"/>
+                          </a:solidFill>
+                          <a:effectLst/>
+                          <a:latin typeface="Calibri" panose="020F0502020204030204" pitchFamily="34" charset="0"/>
+                        </a:rPr>
+                        <a:t>1</a:t>
+                      </a:r>
+                    </a:p>
+                  </a:txBody>
+                  <a:tcPr marL="9525" marR="9525" marT="9525" marB="0" anchor="b"/>
+                </a:tc>
+                <a:tc>
+                  <a:txBody>
+                    <a:bodyPr/>
+                    <a:lstStyle/>
+                    <a:p>
+                      <a:pPr algn="ctr" fontAlgn="b"/>
+                      <a:r>
+                        <a:rPr lang="en-US" sz="1100" b="0" i="0" u="none" strike="noStrike" dirty="0">
+                          <a:solidFill>
+                            <a:srgbClr val="000000"/>
+                          </a:solidFill>
+                          <a:effectLst/>
+                          <a:latin typeface="Calibri" panose="020F0502020204030204" pitchFamily="34" charset="0"/>
+                        </a:rPr>
+                        <a:t>Mario</a:t>
+                      </a:r>
+                    </a:p>
+                  </a:txBody>
+                  <a:tcPr marL="9525" marR="9525" marT="9525" marB="0" anchor="b"/>
+                </a:tc>
+                <a:tc>
+                  <a:txBody>
+                    <a:bodyPr/>
+                    <a:lstStyle/>
+                    <a:p>
+                      <a:pPr algn="ctr" fontAlgn="b"/>
+                      <a:r>
+                        <a:rPr lang="en-US" sz="1100" b="0" i="0" u="none" strike="noStrike">
+                          <a:solidFill>
+                            <a:srgbClr val="000000"/>
+                          </a:solidFill>
+                          <a:effectLst/>
+                          <a:latin typeface="Calibri" panose="020F0502020204030204" pitchFamily="34" charset="0"/>
+                        </a:rPr>
+                        <a:t>Flager ave. 107</a:t>
+                      </a:r>
+                    </a:p>
+                  </a:txBody>
+                  <a:tcPr marL="9525" marR="9525" marT="9525" marB="0" anchor="b"/>
+                </a:tc>
+                <a:tc>
+                  <a:txBody>
+                    <a:bodyPr/>
+                    <a:lstStyle/>
+                    <a:p>
+                      <a:pPr algn="ctr" fontAlgn="b"/>
+                      <a:r>
+                        <a:rPr lang="en-US" sz="1100" b="0" i="0" u="none" strike="noStrike">
+                          <a:solidFill>
+                            <a:srgbClr val="000000"/>
+                          </a:solidFill>
+                          <a:effectLst/>
+                          <a:latin typeface="Calibri" panose="020F0502020204030204" pitchFamily="34" charset="0"/>
+                        </a:rPr>
+                        <a:t>Doral</a:t>
+                      </a:r>
+                    </a:p>
+                  </a:txBody>
+                  <a:tcPr marL="9525" marR="9525" marT="9525" marB="0" anchor="b"/>
+                </a:tc>
+                <a:tc>
+                  <a:txBody>
+                    <a:bodyPr/>
+                    <a:lstStyle/>
+                    <a:p>
+                      <a:pPr algn="ctr" fontAlgn="b"/>
+                      <a:r>
+                        <a:rPr lang="en-US" sz="1100" b="0" i="0" u="none" strike="noStrike">
+                          <a:solidFill>
+                            <a:srgbClr val="000000"/>
+                          </a:solidFill>
+                          <a:effectLst/>
+                          <a:latin typeface="Calibri" panose="020F0502020204030204" pitchFamily="34" charset="0"/>
+                        </a:rPr>
+                        <a:t>33176</a:t>
+                      </a:r>
+                    </a:p>
+                  </a:txBody>
+                  <a:tcPr marL="9525" marR="9525" marT="9525" marB="0" anchor="b"/>
+                </a:tc>
+                <a:tc>
+                  <a:txBody>
+                    <a:bodyPr/>
+                    <a:lstStyle/>
+                    <a:p>
+                      <a:pPr algn="ctr" fontAlgn="b"/>
+                      <a:r>
+                        <a:rPr lang="en-US" sz="1100" b="0" i="0" u="none" strike="noStrike" dirty="0">
+                          <a:solidFill>
+                            <a:srgbClr val="000000"/>
+                          </a:solidFill>
+                          <a:effectLst/>
+                          <a:latin typeface="Calibri" panose="020F0502020204030204" pitchFamily="34" charset="0"/>
+                        </a:rPr>
+                        <a:t>United States</a:t>
+                      </a:r>
+                    </a:p>
+                  </a:txBody>
+                  <a:tcPr marL="9525" marR="9525" marT="9525" marB="0" anchor="b"/>
+                </a:tc>
+                <a:extLst>
+                  <a:ext uri="{0D108BD9-81ED-4DB2-BD59-A6C34878D82A}">
+                    <a16:rowId xmlns:a16="http://schemas.microsoft.com/office/drawing/2014/main" val="554250934"/>
+                  </a:ext>
+                </a:extLst>
+              </a:tr>
+              <a:tr h="370840">
+                <a:tc>
+                  <a:txBody>
+                    <a:bodyPr/>
+                    <a:lstStyle/>
+                    <a:p>
+                      <a:pPr algn="ctr" fontAlgn="b"/>
+                      <a:r>
+                        <a:rPr lang="en-US" sz="1100" b="0" i="0" u="none" strike="noStrike">
+                          <a:solidFill>
+                            <a:srgbClr val="000000"/>
+                          </a:solidFill>
+                          <a:effectLst/>
+                          <a:latin typeface="Calibri" panose="020F0502020204030204" pitchFamily="34" charset="0"/>
+                        </a:rPr>
+                        <a:t>2</a:t>
+                      </a:r>
+                    </a:p>
+                  </a:txBody>
+                  <a:tcPr marL="9525" marR="9525" marT="9525" marB="0" anchor="b"/>
+                </a:tc>
+                <a:tc>
+                  <a:txBody>
+                    <a:bodyPr/>
+                    <a:lstStyle/>
+                    <a:p>
+                      <a:pPr algn="ctr" fontAlgn="b"/>
+                      <a:r>
+                        <a:rPr lang="en-US" sz="1100" b="0" i="0" u="none" strike="noStrike" dirty="0">
+                          <a:solidFill>
+                            <a:srgbClr val="000000"/>
+                          </a:solidFill>
+                          <a:effectLst/>
+                          <a:latin typeface="Calibri" panose="020F0502020204030204" pitchFamily="34" charset="0"/>
+                        </a:rPr>
+                        <a:t>Luis</a:t>
+                      </a:r>
+                    </a:p>
+                  </a:txBody>
+                  <a:tcPr marL="9525" marR="9525" marT="9525" marB="0" anchor="b"/>
+                </a:tc>
+                <a:tc>
+                  <a:txBody>
+                    <a:bodyPr/>
+                    <a:lstStyle/>
+                    <a:p>
+                      <a:pPr algn="ctr" fontAlgn="b"/>
+                      <a:r>
+                        <a:rPr lang="en-US" sz="1100" b="0" i="0" u="none" strike="noStrike">
+                          <a:solidFill>
+                            <a:srgbClr val="000000"/>
+                          </a:solidFill>
+                          <a:effectLst/>
+                          <a:latin typeface="Calibri" panose="020F0502020204030204" pitchFamily="34" charset="0"/>
+                        </a:rPr>
+                        <a:t>Calle 8 Str. 8</a:t>
+                      </a:r>
+                    </a:p>
+                  </a:txBody>
+                  <a:tcPr marL="9525" marR="9525" marT="9525" marB="0" anchor="b"/>
+                </a:tc>
+                <a:tc>
+                  <a:txBody>
+                    <a:bodyPr/>
+                    <a:lstStyle/>
+                    <a:p>
+                      <a:pPr algn="ctr" fontAlgn="b"/>
+                      <a:r>
+                        <a:rPr lang="en-US" sz="1100" b="0" i="0" u="none" strike="noStrike">
+                          <a:solidFill>
+                            <a:srgbClr val="000000"/>
+                          </a:solidFill>
+                          <a:effectLst/>
+                          <a:latin typeface="Calibri" panose="020F0502020204030204" pitchFamily="34" charset="0"/>
+                        </a:rPr>
+                        <a:t>Miami</a:t>
+                      </a:r>
+                    </a:p>
+                  </a:txBody>
+                  <a:tcPr marL="9525" marR="9525" marT="9525" marB="0" anchor="b"/>
+                </a:tc>
+                <a:tc>
+                  <a:txBody>
+                    <a:bodyPr/>
+                    <a:lstStyle/>
+                    <a:p>
+                      <a:pPr algn="ctr" fontAlgn="b"/>
+                      <a:r>
+                        <a:rPr lang="en-US" sz="1100" b="0" i="0" u="none" strike="noStrike">
+                          <a:solidFill>
+                            <a:srgbClr val="000000"/>
+                          </a:solidFill>
+                          <a:effectLst/>
+                          <a:latin typeface="Calibri" panose="020F0502020204030204" pitchFamily="34" charset="0"/>
+                        </a:rPr>
+                        <a:t>33172</a:t>
+                      </a:r>
+                    </a:p>
+                  </a:txBody>
+                  <a:tcPr marL="9525" marR="9525" marT="9525" marB="0" anchor="b"/>
+                </a:tc>
+                <a:tc>
+                  <a:txBody>
+                    <a:bodyPr/>
+                    <a:lstStyle/>
+                    <a:p>
+                      <a:pPr algn="ctr" fontAlgn="b"/>
+                      <a:r>
+                        <a:rPr lang="en-US" sz="1100" b="0" i="0" u="none" strike="noStrike">
+                          <a:solidFill>
+                            <a:srgbClr val="000000"/>
+                          </a:solidFill>
+                          <a:effectLst/>
+                          <a:latin typeface="Calibri" panose="020F0502020204030204" pitchFamily="34" charset="0"/>
+                        </a:rPr>
+                        <a:t>United States</a:t>
+                      </a:r>
+                    </a:p>
+                  </a:txBody>
+                  <a:tcPr marL="9525" marR="9525" marT="9525" marB="0" anchor="b"/>
+                </a:tc>
+                <a:extLst>
+                  <a:ext uri="{0D108BD9-81ED-4DB2-BD59-A6C34878D82A}">
+                    <a16:rowId xmlns:a16="http://schemas.microsoft.com/office/drawing/2014/main" val="564404678"/>
+                  </a:ext>
+                </a:extLst>
+              </a:tr>
+              <a:tr h="370840">
+                <a:tc>
+                  <a:txBody>
+                    <a:bodyPr/>
+                    <a:lstStyle/>
+                    <a:p>
+                      <a:pPr algn="ctr" fontAlgn="b"/>
+                      <a:r>
+                        <a:rPr lang="en-US" sz="1100" b="0" i="0" u="none" strike="noStrike">
+                          <a:solidFill>
+                            <a:srgbClr val="000000"/>
+                          </a:solidFill>
+                          <a:effectLst/>
+                          <a:latin typeface="Calibri" panose="020F0502020204030204" pitchFamily="34" charset="0"/>
+                        </a:rPr>
+                        <a:t>3</a:t>
+                      </a:r>
+                    </a:p>
+                  </a:txBody>
+                  <a:tcPr marL="9525" marR="9525" marT="9525" marB="0" anchor="b"/>
+                </a:tc>
+                <a:tc>
+                  <a:txBody>
+                    <a:bodyPr/>
+                    <a:lstStyle/>
+                    <a:p>
+                      <a:pPr algn="ctr" fontAlgn="b"/>
+                      <a:r>
+                        <a:rPr lang="en-US" sz="1100" b="0" i="0" u="none" strike="noStrike" dirty="0">
+                          <a:solidFill>
+                            <a:srgbClr val="000000"/>
+                          </a:solidFill>
+                          <a:effectLst/>
+                          <a:latin typeface="Calibri" panose="020F0502020204030204" pitchFamily="34" charset="0"/>
+                        </a:rPr>
+                        <a:t>John</a:t>
+                      </a:r>
+                    </a:p>
+                  </a:txBody>
+                  <a:tcPr marL="9525" marR="9525" marT="9525" marB="0" anchor="b"/>
+                </a:tc>
+                <a:tc>
+                  <a:txBody>
+                    <a:bodyPr/>
+                    <a:lstStyle/>
+                    <a:p>
+                      <a:pPr algn="ctr" fontAlgn="b"/>
+                      <a:r>
+                        <a:rPr lang="en-US" sz="1100" b="0" i="0" u="none" strike="noStrike" dirty="0">
+                          <a:solidFill>
+                            <a:srgbClr val="000000"/>
+                          </a:solidFill>
+                          <a:effectLst/>
+                          <a:latin typeface="Calibri" panose="020F0502020204030204" pitchFamily="34" charset="0"/>
+                        </a:rPr>
+                        <a:t>Coral Gables Str. 8</a:t>
+                      </a:r>
+                    </a:p>
+                  </a:txBody>
+                  <a:tcPr marL="9525" marR="9525" marT="9525" marB="0" anchor="b"/>
+                </a:tc>
+                <a:tc>
+                  <a:txBody>
+                    <a:bodyPr/>
+                    <a:lstStyle/>
+                    <a:p>
+                      <a:pPr algn="ctr" fontAlgn="b"/>
+                      <a:r>
+                        <a:rPr lang="en-US" sz="1100" b="0" i="0" u="none" strike="noStrike" dirty="0">
+                          <a:solidFill>
+                            <a:srgbClr val="000000"/>
+                          </a:solidFill>
+                          <a:effectLst/>
+                          <a:latin typeface="Calibri" panose="020F0502020204030204" pitchFamily="34" charset="0"/>
+                        </a:rPr>
+                        <a:t>Miami</a:t>
+                      </a:r>
+                    </a:p>
+                  </a:txBody>
+                  <a:tcPr marL="9525" marR="9525" marT="9525" marB="0" anchor="b"/>
+                </a:tc>
+                <a:tc>
+                  <a:txBody>
+                    <a:bodyPr/>
+                    <a:lstStyle/>
+                    <a:p>
+                      <a:pPr algn="ctr" fontAlgn="b"/>
+                      <a:r>
+                        <a:rPr lang="en-US" sz="1100" b="0" i="0" u="none" strike="noStrike" dirty="0">
+                          <a:solidFill>
+                            <a:srgbClr val="000000"/>
+                          </a:solidFill>
+                          <a:effectLst/>
+                          <a:latin typeface="Calibri" panose="020F0502020204030204" pitchFamily="34" charset="0"/>
+                        </a:rPr>
+                        <a:t>33174</a:t>
+                      </a:r>
+                    </a:p>
+                  </a:txBody>
+                  <a:tcPr marL="9525" marR="9525" marT="9525" marB="0" anchor="b"/>
+                </a:tc>
+                <a:tc>
+                  <a:txBody>
+                    <a:bodyPr/>
+                    <a:lstStyle/>
+                    <a:p>
+                      <a:pPr algn="ctr" fontAlgn="b"/>
+                      <a:r>
+                        <a:rPr lang="en-US" sz="1100" b="0" i="0" u="none" strike="noStrike" dirty="0">
+                          <a:solidFill>
+                            <a:srgbClr val="000000"/>
+                          </a:solidFill>
+                          <a:effectLst/>
+                          <a:latin typeface="Calibri" panose="020F0502020204030204" pitchFamily="34" charset="0"/>
+                        </a:rPr>
+                        <a:t>United States</a:t>
+                      </a:r>
+                    </a:p>
+                  </a:txBody>
+                  <a:tcPr marL="9525" marR="9525" marT="9525" marB="0" anchor="b"/>
+                </a:tc>
+                <a:extLst>
+                  <a:ext uri="{0D108BD9-81ED-4DB2-BD59-A6C34878D82A}">
+                    <a16:rowId xmlns:a16="http://schemas.microsoft.com/office/drawing/2014/main" val="2796835647"/>
+                  </a:ext>
+                </a:extLst>
+              </a:tr>
+            </a:tbl>
+          </a:graphicData>
+        </a:graphic>
+      </p:graphicFrame>
+      <p:graphicFrame>
+        <p:nvGraphicFramePr>
+          <p:cNvPr id="9" name="Table 9">
+            <a:extLst>
+              <a:ext uri="{FF2B5EF4-FFF2-40B4-BE49-F238E27FC236}">
+                <a16:creationId xmlns:a16="http://schemas.microsoft.com/office/drawing/2014/main" id="{A479586B-DE8A-452A-9911-3938EA611CBA}"/>
+              </a:ext>
+            </a:extLst>
+          </p:cNvPr>
+          <p:cNvGraphicFramePr>
+            <a:graphicFrameLocks noGrp="1"/>
+          </p:cNvGraphicFramePr>
+          <p:nvPr>
+            <p:extLst>
+              <p:ext uri="{D42A27DB-BD31-4B8C-83A1-F6EECF244321}">
+                <p14:modId xmlns:p14="http://schemas.microsoft.com/office/powerpoint/2010/main" val="2467988783"/>
+              </p:ext>
+            </p:extLst>
+          </p:nvPr>
+        </p:nvGraphicFramePr>
+        <p:xfrm>
+          <a:off x="2428875" y="5528734"/>
+          <a:ext cx="3131151" cy="990952"/>
+        </p:xfrm>
+        <a:graphic>
+          <a:graphicData uri="http://schemas.openxmlformats.org/drawingml/2006/table">
+            <a:tbl>
+              <a:tblPr firstRow="1" bandRow="1">
+                <a:tableStyleId>{5C22544A-7EE6-4342-B048-85BDC9FD1C3A}</a:tableStyleId>
+              </a:tblPr>
+              <a:tblGrid>
+                <a:gridCol w="1043717">
+                  <a:extLst>
+                    <a:ext uri="{9D8B030D-6E8A-4147-A177-3AD203B41FA5}">
+                      <a16:colId xmlns:a16="http://schemas.microsoft.com/office/drawing/2014/main" val="163925341"/>
+                    </a:ext>
+                  </a:extLst>
+                </a:gridCol>
+                <a:gridCol w="1043717">
+                  <a:extLst>
+                    <a:ext uri="{9D8B030D-6E8A-4147-A177-3AD203B41FA5}">
+                      <a16:colId xmlns:a16="http://schemas.microsoft.com/office/drawing/2014/main" val="2215573359"/>
+                    </a:ext>
+                  </a:extLst>
+                </a:gridCol>
+                <a:gridCol w="1043717">
+                  <a:extLst>
+                    <a:ext uri="{9D8B030D-6E8A-4147-A177-3AD203B41FA5}">
+                      <a16:colId xmlns:a16="http://schemas.microsoft.com/office/drawing/2014/main" val="2379891263"/>
+                    </a:ext>
+                  </a:extLst>
+                </a:gridCol>
+              </a:tblGrid>
+              <a:tr h="247738">
+                <a:tc>
+                  <a:txBody>
+                    <a:bodyPr/>
+                    <a:lstStyle/>
+                    <a:p>
+                      <a:pPr algn="ctr" fontAlgn="b"/>
+                      <a:r>
+                        <a:rPr lang="en-US" sz="1200" b="1" i="0" u="none" strike="noStrike">
+                          <a:solidFill>
+                            <a:schemeClr val="bg1"/>
+                          </a:solidFill>
+                          <a:effectLst/>
+                          <a:latin typeface="Calibri" panose="020F0502020204030204" pitchFamily="34" charset="0"/>
+                        </a:rPr>
+                        <a:t>orderid</a:t>
+                      </a:r>
+                    </a:p>
+                  </a:txBody>
+                  <a:tcPr marL="9525" marR="9525" marT="9525" marB="0" anchor="b"/>
+                </a:tc>
+                <a:tc>
+                  <a:txBody>
+                    <a:bodyPr/>
+                    <a:lstStyle/>
+                    <a:p>
+                      <a:pPr algn="ctr" fontAlgn="b"/>
+                      <a:r>
+                        <a:rPr lang="en-US" sz="1200" b="1" i="0" u="none" strike="noStrike">
+                          <a:solidFill>
+                            <a:schemeClr val="bg1"/>
+                          </a:solidFill>
+                          <a:effectLst/>
+                          <a:latin typeface="Calibri" panose="020F0502020204030204" pitchFamily="34" charset="0"/>
+                        </a:rPr>
+                        <a:t>customername</a:t>
+                      </a:r>
+                    </a:p>
+                  </a:txBody>
+                  <a:tcPr marL="9525" marR="9525" marT="9525" marB="0" anchor="b"/>
+                </a:tc>
+                <a:tc>
+                  <a:txBody>
+                    <a:bodyPr/>
+                    <a:lstStyle/>
+                    <a:p>
+                      <a:pPr algn="ctr" fontAlgn="b"/>
+                      <a:r>
+                        <a:rPr lang="en-US" sz="1200" b="1" i="0" u="none" strike="noStrike" dirty="0">
+                          <a:solidFill>
+                            <a:schemeClr val="bg1"/>
+                          </a:solidFill>
+                          <a:effectLst/>
+                          <a:latin typeface="Calibri" panose="020F0502020204030204" pitchFamily="34" charset="0"/>
+                        </a:rPr>
+                        <a:t>price</a:t>
+                      </a:r>
+                    </a:p>
+                  </a:txBody>
+                  <a:tcPr marL="9525" marR="9525" marT="9525" marB="0" anchor="b"/>
+                </a:tc>
+                <a:extLst>
+                  <a:ext uri="{0D108BD9-81ED-4DB2-BD59-A6C34878D82A}">
+                    <a16:rowId xmlns:a16="http://schemas.microsoft.com/office/drawing/2014/main" val="3351867503"/>
+                  </a:ext>
+                </a:extLst>
+              </a:tr>
+              <a:tr h="247738">
+                <a:tc>
+                  <a:txBody>
+                    <a:bodyPr/>
+                    <a:lstStyle/>
+                    <a:p>
+                      <a:pPr algn="ctr" fontAlgn="b"/>
+                      <a:r>
+                        <a:rPr lang="en-US" sz="1200" b="0" i="0" u="none" strike="noStrike">
+                          <a:solidFill>
+                            <a:srgbClr val="000000"/>
+                          </a:solidFill>
+                          <a:effectLst/>
+                          <a:latin typeface="Calibri" panose="020F0502020204030204" pitchFamily="34" charset="0"/>
+                        </a:rPr>
+                        <a:t>10408</a:t>
+                      </a:r>
+                    </a:p>
+                  </a:txBody>
+                  <a:tcPr marL="9525" marR="9525" marT="9525" marB="0" anchor="b"/>
+                </a:tc>
+                <a:tc>
+                  <a:txBody>
+                    <a:bodyPr/>
+                    <a:lstStyle/>
+                    <a:p>
+                      <a:pPr algn="ctr" fontAlgn="b"/>
+                      <a:r>
+                        <a:rPr lang="en-US" sz="1200" b="0" i="0" u="none" strike="noStrike">
+                          <a:solidFill>
+                            <a:srgbClr val="000000"/>
+                          </a:solidFill>
+                          <a:effectLst/>
+                          <a:latin typeface="Calibri" panose="020F0502020204030204" pitchFamily="34" charset="0"/>
+                        </a:rPr>
+                        <a:t>Luis</a:t>
+                      </a:r>
+                    </a:p>
+                  </a:txBody>
+                  <a:tcPr marL="9525" marR="9525" marT="9525" marB="0" anchor="b"/>
+                </a:tc>
+                <a:tc>
+                  <a:txBody>
+                    <a:bodyPr/>
+                    <a:lstStyle/>
+                    <a:p>
+                      <a:pPr algn="ctr" fontAlgn="b"/>
+                      <a:r>
+                        <a:rPr lang="en-US" sz="1200" b="0" i="0" u="none" strike="noStrike">
+                          <a:solidFill>
+                            <a:srgbClr val="000000"/>
+                          </a:solidFill>
+                          <a:effectLst/>
+                          <a:latin typeface="Calibri" panose="020F0502020204030204" pitchFamily="34" charset="0"/>
+                        </a:rPr>
+                        <a:t>164.78</a:t>
+                      </a:r>
+                    </a:p>
+                  </a:txBody>
+                  <a:tcPr marL="9525" marR="9525" marT="9525" marB="0" anchor="b"/>
+                </a:tc>
+                <a:extLst>
+                  <a:ext uri="{0D108BD9-81ED-4DB2-BD59-A6C34878D82A}">
+                    <a16:rowId xmlns:a16="http://schemas.microsoft.com/office/drawing/2014/main" val="908513807"/>
+                  </a:ext>
+                </a:extLst>
+              </a:tr>
+              <a:tr h="247738">
+                <a:tc>
+                  <a:txBody>
+                    <a:bodyPr/>
+                    <a:lstStyle/>
+                    <a:p>
+                      <a:pPr algn="ctr" fontAlgn="b"/>
+                      <a:r>
+                        <a:rPr lang="en-US" sz="1200" b="0" i="0" u="none" strike="noStrike">
+                          <a:solidFill>
+                            <a:srgbClr val="000000"/>
+                          </a:solidFill>
+                          <a:effectLst/>
+                          <a:latin typeface="Calibri" panose="020F0502020204030204" pitchFamily="34" charset="0"/>
+                        </a:rPr>
+                        <a:t>10409</a:t>
+                      </a:r>
+                    </a:p>
+                  </a:txBody>
+                  <a:tcPr marL="9525" marR="9525" marT="9525" marB="0" anchor="b"/>
+                </a:tc>
+                <a:tc>
+                  <a:txBody>
+                    <a:bodyPr/>
+                    <a:lstStyle/>
+                    <a:p>
+                      <a:pPr algn="ctr" fontAlgn="b"/>
+                      <a:r>
+                        <a:rPr lang="en-US" sz="1200" b="0" i="0" u="none" strike="noStrike">
+                          <a:solidFill>
+                            <a:srgbClr val="000000"/>
+                          </a:solidFill>
+                          <a:effectLst/>
+                          <a:latin typeface="Calibri" panose="020F0502020204030204" pitchFamily="34" charset="0"/>
+                        </a:rPr>
+                        <a:t>Luis</a:t>
+                      </a:r>
+                    </a:p>
+                  </a:txBody>
+                  <a:tcPr marL="9525" marR="9525" marT="9525" marB="0" anchor="b"/>
+                </a:tc>
+                <a:tc>
+                  <a:txBody>
+                    <a:bodyPr/>
+                    <a:lstStyle/>
+                    <a:p>
+                      <a:pPr algn="ctr" fontAlgn="b"/>
+                      <a:r>
+                        <a:rPr lang="en-US" sz="1200" b="0" i="0" u="none" strike="noStrike">
+                          <a:solidFill>
+                            <a:srgbClr val="000000"/>
+                          </a:solidFill>
+                          <a:effectLst/>
+                          <a:latin typeface="Calibri" panose="020F0502020204030204" pitchFamily="34" charset="0"/>
+                        </a:rPr>
+                        <a:t>200.78</a:t>
+                      </a:r>
+                    </a:p>
+                  </a:txBody>
+                  <a:tcPr marL="9525" marR="9525" marT="9525" marB="0" anchor="b"/>
+                </a:tc>
+                <a:extLst>
+                  <a:ext uri="{0D108BD9-81ED-4DB2-BD59-A6C34878D82A}">
+                    <a16:rowId xmlns:a16="http://schemas.microsoft.com/office/drawing/2014/main" val="3723539422"/>
+                  </a:ext>
+                </a:extLst>
+              </a:tr>
+              <a:tr h="247738">
+                <a:tc>
+                  <a:txBody>
+                    <a:bodyPr/>
+                    <a:lstStyle/>
+                    <a:p>
+                      <a:pPr algn="ctr" fontAlgn="b"/>
+                      <a:r>
+                        <a:rPr lang="en-US" sz="1200" b="0" i="0" u="none" strike="noStrike">
+                          <a:solidFill>
+                            <a:srgbClr val="000000"/>
+                          </a:solidFill>
+                          <a:effectLst/>
+                          <a:latin typeface="Calibri" panose="020F0502020204030204" pitchFamily="34" charset="0"/>
+                        </a:rPr>
+                        <a:t>1010</a:t>
+                      </a:r>
+                    </a:p>
+                  </a:txBody>
+                  <a:tcPr marL="9525" marR="9525" marT="9525" marB="0" anchor="b"/>
+                </a:tc>
+                <a:tc>
+                  <a:txBody>
+                    <a:bodyPr/>
+                    <a:lstStyle/>
+                    <a:p>
+                      <a:pPr algn="ctr" fontAlgn="b"/>
+                      <a:r>
+                        <a:rPr lang="en-US" sz="1200" b="0" i="0" u="none" strike="noStrike">
+                          <a:solidFill>
+                            <a:srgbClr val="000000"/>
+                          </a:solidFill>
+                          <a:effectLst/>
+                          <a:latin typeface="Calibri" panose="020F0502020204030204" pitchFamily="34" charset="0"/>
+                        </a:rPr>
+                        <a:t>Mario</a:t>
+                      </a:r>
+                    </a:p>
+                  </a:txBody>
+                  <a:tcPr marL="9525" marR="9525" marT="9525" marB="0" anchor="b"/>
+                </a:tc>
+                <a:tc>
+                  <a:txBody>
+                    <a:bodyPr/>
+                    <a:lstStyle/>
+                    <a:p>
+                      <a:pPr algn="ctr" fontAlgn="b"/>
+                      <a:r>
+                        <a:rPr lang="en-US" sz="1200" b="0" i="0" u="none" strike="noStrike" dirty="0">
+                          <a:solidFill>
+                            <a:srgbClr val="000000"/>
+                          </a:solidFill>
+                          <a:effectLst/>
+                          <a:latin typeface="Calibri" panose="020F0502020204030204" pitchFamily="34" charset="0"/>
+                        </a:rPr>
+                        <a:t>300.78</a:t>
+                      </a:r>
+                    </a:p>
+                  </a:txBody>
+                  <a:tcPr marL="9525" marR="9525" marT="9525" marB="0" anchor="b"/>
+                </a:tc>
+                <a:extLst>
+                  <a:ext uri="{0D108BD9-81ED-4DB2-BD59-A6C34878D82A}">
+                    <a16:rowId xmlns:a16="http://schemas.microsoft.com/office/drawing/2014/main" val="3647957397"/>
+                  </a:ext>
+                </a:extLst>
+              </a:tr>
+            </a:tbl>
+          </a:graphicData>
+        </a:graphic>
+      </p:graphicFrame>
+    </p:spTree>
+    <p:extLst>
+      <p:ext uri="{BB962C8B-B14F-4D97-AF65-F5344CB8AC3E}">
+        <p14:creationId xmlns:p14="http://schemas.microsoft.com/office/powerpoint/2010/main" val="3385484890"/>
+      </p:ext>
+    </p:extLst>
+  </p:cSld>
+  <p:clrMapOvr>
+    <a:masterClrMapping/>
+  </p:clrMapOvr>
+</p:sld>
+</file>
+
+<file path=ppt/slides/slide11.xml><?xml version="1.0" encoding="utf-8"?>
+<p:sld xmlns:a="http://schemas.openxmlformats.org/drawingml/2006/main" xmlns:r="http://schemas.openxmlformats.org/officeDocument/2006/relationships" xmlns:p="http://schemas.openxmlformats.org/presentationml/2006/main">
+  <p:cSld>
+    <p:spTree>
+      <p:nvGrpSpPr>
+        <p:cNvPr id="1" name=""/>
+        <p:cNvGrpSpPr/>
+        <p:nvPr/>
+      </p:nvGrpSpPr>
+      <p:grpSpPr>
+        <a:xfrm>
+          <a:off x="0" y="0"/>
+          <a:ext cx="0" cy="0"/>
+          <a:chOff x="0" y="0"/>
+          <a:chExt cx="0" cy="0"/>
+        </a:xfrm>
+      </p:grpSpPr>
+      <p:sp>
+        <p:nvSpPr>
+          <p:cNvPr id="2" name="Title 1">
+            <a:extLst>
+              <a:ext uri="{FF2B5EF4-FFF2-40B4-BE49-F238E27FC236}">
+                <a16:creationId xmlns:a16="http://schemas.microsoft.com/office/drawing/2014/main" id="{BA375E09-571E-7FCE-C65F-3EE63E40A813}"/>
+              </a:ext>
+            </a:extLst>
+          </p:cNvPr>
+          <p:cNvSpPr>
+            <a:spLocks noGrp="1"/>
+          </p:cNvSpPr>
+          <p:nvPr>
+            <p:ph type="ctrTitle"/>
+          </p:nvPr>
+        </p:nvSpPr>
+        <p:spPr>
+          <a:xfrm>
+            <a:off x="1524000" y="1122363"/>
+            <a:ext cx="9144000" cy="333904"/>
+          </a:xfrm>
+        </p:spPr>
+        <p:txBody>
+          <a:bodyPr>
+            <a:normAutofit fontScale="90000"/>
+          </a:bodyPr>
+          <a:lstStyle/>
+          <a:p>
+            <a:endParaRPr lang="en-US" dirty="0"/>
+          </a:p>
+        </p:txBody>
+      </p:sp>
+      <p:sp>
+        <p:nvSpPr>
+          <p:cNvPr id="3" name="Subtitle 2">
+            <a:extLst>
+              <a:ext uri="{FF2B5EF4-FFF2-40B4-BE49-F238E27FC236}">
+                <a16:creationId xmlns:a16="http://schemas.microsoft.com/office/drawing/2014/main" id="{C4A32862-0F11-2C12-1762-3474CB26F26C}"/>
+              </a:ext>
+            </a:extLst>
+          </p:cNvPr>
+          <p:cNvSpPr>
+            <a:spLocks noGrp="1"/>
+          </p:cNvSpPr>
+          <p:nvPr>
+            <p:ph type="subTitle" idx="1"/>
+          </p:nvPr>
+        </p:nvSpPr>
+        <p:spPr>
+          <a:xfrm>
+            <a:off x="2212848" y="1858963"/>
+            <a:ext cx="7808976" cy="4578413"/>
+          </a:xfrm>
+        </p:spPr>
+        <p:txBody>
+          <a:bodyPr>
+            <a:normAutofit/>
+          </a:bodyPr>
+          <a:lstStyle/>
+          <a:p>
+            <a:pPr algn="l"/>
+            <a:r>
+              <a:rPr lang="en-US" dirty="0"/>
+              <a:t>ORDERS  </a:t>
+            </a:r>
+          </a:p>
+          <a:p>
+            <a:pPr algn="l"/>
+            <a:endParaRPr lang="en-US" dirty="0"/>
+          </a:p>
+          <a:p>
+            <a:pPr algn="l"/>
+            <a:r>
+              <a:rPr lang="en-US" dirty="0"/>
+              <a:t>                                                              CUSTOMER</a:t>
+            </a:r>
+          </a:p>
+          <a:p>
+            <a:pPr algn="l"/>
+            <a:r>
+              <a:rPr lang="en-US" dirty="0"/>
+              <a:t>                                                              </a:t>
+            </a:r>
+          </a:p>
+          <a:p>
+            <a:pPr marL="342900" indent="-342900" algn="l">
+              <a:buFont typeface="Arial" panose="020B0604020202020204" pitchFamily="34" charset="0"/>
+              <a:buChar char="•"/>
+            </a:pPr>
+            <a:endParaRPr lang="en-US" dirty="0"/>
+          </a:p>
+        </p:txBody>
+      </p:sp>
+      <p:graphicFrame>
+        <p:nvGraphicFramePr>
+          <p:cNvPr id="8" name="Table 8">
+            <a:extLst>
+              <a:ext uri="{FF2B5EF4-FFF2-40B4-BE49-F238E27FC236}">
+                <a16:creationId xmlns:a16="http://schemas.microsoft.com/office/drawing/2014/main" id="{88512CF6-2C5B-059C-C47E-EEB757CC2B3B}"/>
+              </a:ext>
+            </a:extLst>
+          </p:cNvPr>
+          <p:cNvGraphicFramePr>
+            <a:graphicFrameLocks noGrp="1"/>
+          </p:cNvGraphicFramePr>
+          <p:nvPr/>
+        </p:nvGraphicFramePr>
+        <p:xfrm>
+          <a:off x="1524000" y="719666"/>
+          <a:ext cx="9144000" cy="457200"/>
+        </p:xfrm>
+        <a:graphic>
+          <a:graphicData uri="http://schemas.openxmlformats.org/drawingml/2006/table">
+            <a:tbl>
+              <a:tblPr firstRow="1" bandRow="1">
+                <a:tableStyleId>{6E25E649-3F16-4E02-A733-19D2CDBF48F0}</a:tableStyleId>
+              </a:tblPr>
+              <a:tblGrid>
+                <a:gridCol w="9144000">
+                  <a:extLst>
+                    <a:ext uri="{9D8B030D-6E8A-4147-A177-3AD203B41FA5}">
+                      <a16:colId xmlns:a16="http://schemas.microsoft.com/office/drawing/2014/main" val="4251934507"/>
+                    </a:ext>
+                  </a:extLst>
+                </a:gridCol>
+              </a:tblGrid>
+              <a:tr h="370840">
+                <a:tc>
+                  <a:txBody>
+                    <a:bodyPr/>
+                    <a:lstStyle/>
+                    <a:p>
+                      <a:pPr algn="ctr"/>
+                      <a:r>
+                        <a:rPr lang="en-US" sz="2400" b="1" i="0" kern="1200" dirty="0">
+                          <a:solidFill>
+                            <a:schemeClr val="lt1"/>
+                          </a:solidFill>
+                          <a:effectLst/>
+                          <a:latin typeface="+mn-lt"/>
+                          <a:ea typeface="+mn-ea"/>
+                          <a:cs typeface="+mn-cs"/>
+                        </a:rPr>
+                        <a:t>The Venn diagram representation of INNER JOIN is shown below.</a:t>
+                      </a:r>
+                      <a:endParaRPr lang="en-US" sz="2400" b="1" dirty="0"/>
+                    </a:p>
+                  </a:txBody>
+                  <a:tcPr/>
+                </a:tc>
+                <a:extLst>
+                  <a:ext uri="{0D108BD9-81ED-4DB2-BD59-A6C34878D82A}">
+                    <a16:rowId xmlns:a16="http://schemas.microsoft.com/office/drawing/2014/main" val="428078644"/>
+                  </a:ext>
+                </a:extLst>
+              </a:tr>
+            </a:tbl>
+          </a:graphicData>
+        </a:graphic>
+      </p:graphicFrame>
+      <p:sp>
+        <p:nvSpPr>
+          <p:cNvPr id="7" name="TextBox 6">
+            <a:extLst>
+              <a:ext uri="{FF2B5EF4-FFF2-40B4-BE49-F238E27FC236}">
+                <a16:creationId xmlns:a16="http://schemas.microsoft.com/office/drawing/2014/main" id="{E66C5DC4-79D8-10C4-9178-3C52E1E83A3E}"/>
+              </a:ext>
+            </a:extLst>
+          </p:cNvPr>
+          <p:cNvSpPr txBox="1"/>
+          <p:nvPr/>
+        </p:nvSpPr>
+        <p:spPr>
+          <a:xfrm>
+            <a:off x="1430915" y="3870297"/>
+            <a:ext cx="9654180" cy="2585323"/>
+          </a:xfrm>
+          <a:prstGeom prst="rect">
+            <a:avLst/>
+          </a:prstGeom>
+          <a:noFill/>
+        </p:spPr>
+        <p:txBody>
+          <a:bodyPr wrap="square">
+            <a:spAutoFit/>
+          </a:bodyPr>
+          <a:lstStyle/>
+          <a:p>
+            <a:br>
+              <a:rPr lang="en-US" dirty="0"/>
+            </a:br>
+            <a:endParaRPr lang="en-US" dirty="0"/>
+          </a:p>
+          <a:p>
+            <a:pPr rtl="0">
+              <a:spcBef>
+                <a:spcPts val="0"/>
+              </a:spcBef>
+              <a:spcAft>
+                <a:spcPts val="0"/>
+              </a:spcAft>
+            </a:pPr>
+            <a:r>
+              <a:rPr lang="en-US" sz="1600" dirty="0"/>
+              <a:t> </a:t>
+            </a:r>
+            <a:r>
+              <a:rPr lang="en-US" sz="1600" b="0" i="0" u="none" strike="noStrike" dirty="0">
+                <a:solidFill>
+                  <a:srgbClr val="1A202C"/>
+                </a:solidFill>
+                <a:effectLst/>
+                <a:latin typeface="Arial" panose="020B0604020202020204" pitchFamily="34" charset="0"/>
+              </a:rPr>
+              <a:t>SELECT OrderID, CustomerName, Price </a:t>
+            </a:r>
+          </a:p>
+          <a:p>
+            <a:pPr rtl="0">
+              <a:spcBef>
+                <a:spcPts val="0"/>
+              </a:spcBef>
+              <a:spcAft>
+                <a:spcPts val="0"/>
+              </a:spcAft>
+            </a:pPr>
+            <a:r>
+              <a:rPr lang="en-US" sz="1600" b="0" i="0" u="none" strike="noStrike" dirty="0">
+                <a:solidFill>
+                  <a:srgbClr val="1A202C"/>
+                </a:solidFill>
+                <a:effectLst/>
+                <a:latin typeface="Arial" panose="020B0604020202020204" pitchFamily="34" charset="0"/>
+              </a:rPr>
+              <a:t>	FROM Orders</a:t>
+            </a:r>
+          </a:p>
+          <a:p>
+            <a:pPr rtl="0">
+              <a:spcBef>
+                <a:spcPts val="0"/>
+              </a:spcBef>
+              <a:spcAft>
+                <a:spcPts val="0"/>
+              </a:spcAft>
+            </a:pPr>
+            <a:r>
+              <a:rPr lang="en-US" sz="1600" b="0" i="0" u="none" strike="noStrike" dirty="0">
+                <a:solidFill>
+                  <a:srgbClr val="1A202C"/>
+                </a:solidFill>
+                <a:effectLst/>
+                <a:latin typeface="Arial" panose="020B0604020202020204" pitchFamily="34" charset="0"/>
+              </a:rPr>
+              <a:t>	INNER JOIN Customer</a:t>
+            </a:r>
+          </a:p>
+          <a:p>
+            <a:r>
+              <a:rPr lang="en-US" sz="1600" b="0" i="0" u="none" strike="noStrike" dirty="0">
+                <a:solidFill>
+                  <a:srgbClr val="1A202C"/>
+                </a:solidFill>
+                <a:effectLst/>
+                <a:latin typeface="Arial" panose="020B0604020202020204" pitchFamily="34" charset="0"/>
+              </a:rPr>
+              <a:t>	ON Orders.CustomerID = Customer.CustomerID;     </a:t>
+            </a:r>
+          </a:p>
+          <a:p>
+            <a:r>
+              <a:rPr lang="en-US" sz="1600" b="0" i="0" u="none" strike="noStrike" dirty="0">
+                <a:solidFill>
+                  <a:srgbClr val="1A202C"/>
+                </a:solidFill>
+                <a:effectLst/>
+                <a:latin typeface="Arial" panose="020B0604020202020204" pitchFamily="34" charset="0"/>
+              </a:rPr>
+              <a:t> </a:t>
+            </a:r>
+          </a:p>
+          <a:p>
+            <a:r>
+              <a:rPr lang="en-US" sz="1600" b="0" i="0" u="none" strike="noStrike" dirty="0">
+                <a:solidFill>
+                  <a:srgbClr val="1A202C"/>
+                </a:solidFill>
+                <a:effectLst/>
+                <a:latin typeface="Arial" panose="020B0604020202020204" pitchFamily="34" charset="0"/>
+              </a:rPr>
+              <a:t>RESULT:</a:t>
+            </a:r>
+          </a:p>
+          <a:p>
+            <a:r>
+              <a:rPr lang="en-US" sz="1600" b="0" i="0" u="none" strike="noStrike" dirty="0">
+                <a:solidFill>
+                  <a:srgbClr val="1A202C"/>
+                </a:solidFill>
+                <a:effectLst/>
+                <a:latin typeface="Arial" panose="020B0604020202020204" pitchFamily="34" charset="0"/>
+              </a:rPr>
+              <a:t>                </a:t>
+            </a:r>
+            <a:endParaRPr lang="en-US" sz="2000" dirty="0"/>
+          </a:p>
+          <a:p>
+            <a:pPr rtl="0">
+              <a:spcBef>
+                <a:spcPts val="0"/>
+              </a:spcBef>
+              <a:spcAft>
+                <a:spcPts val="0"/>
+              </a:spcAft>
+            </a:pPr>
+            <a:endParaRPr lang="en-US" sz="1400" dirty="0"/>
+          </a:p>
+        </p:txBody>
+      </p:sp>
+      <p:pic>
+        <p:nvPicPr>
+          <p:cNvPr id="13" name="Picture 12">
+            <a:extLst>
+              <a:ext uri="{FF2B5EF4-FFF2-40B4-BE49-F238E27FC236}">
+                <a16:creationId xmlns:a16="http://schemas.microsoft.com/office/drawing/2014/main" id="{FACEBB91-5380-B613-8527-7FD973B76228}"/>
+              </a:ext>
+            </a:extLst>
+          </p:cNvPr>
+          <p:cNvPicPr>
+            <a:picLocks noChangeAspect="1"/>
+          </p:cNvPicPr>
+          <p:nvPr/>
+        </p:nvPicPr>
+        <p:blipFill>
+          <a:blip r:embed="rId2"/>
+          <a:stretch>
+            <a:fillRect/>
+          </a:stretch>
+        </p:blipFill>
+        <p:spPr>
+          <a:xfrm>
+            <a:off x="5226847" y="1257300"/>
+            <a:ext cx="1780978" cy="1100888"/>
+          </a:xfrm>
+          <a:prstGeom prst="rect">
+            <a:avLst/>
+          </a:prstGeom>
+        </p:spPr>
+      </p:pic>
+      <p:graphicFrame>
+        <p:nvGraphicFramePr>
+          <p:cNvPr id="4" name="Table 4">
+            <a:extLst>
+              <a:ext uri="{FF2B5EF4-FFF2-40B4-BE49-F238E27FC236}">
+                <a16:creationId xmlns:a16="http://schemas.microsoft.com/office/drawing/2014/main" id="{D6C729C4-396D-D3B7-842F-EECCEF693A3A}"/>
+              </a:ext>
+            </a:extLst>
+          </p:cNvPr>
+          <p:cNvGraphicFramePr>
+            <a:graphicFrameLocks noGrp="1"/>
+          </p:cNvGraphicFramePr>
+          <p:nvPr>
+            <p:extLst>
+              <p:ext uri="{D42A27DB-BD31-4B8C-83A1-F6EECF244321}">
+                <p14:modId xmlns:p14="http://schemas.microsoft.com/office/powerpoint/2010/main" val="1598530835"/>
+              </p:ext>
+            </p:extLst>
+          </p:nvPr>
+        </p:nvGraphicFramePr>
+        <p:xfrm>
+          <a:off x="1609342" y="2438622"/>
+          <a:ext cx="4053077" cy="1304925"/>
+        </p:xfrm>
+        <a:graphic>
+          <a:graphicData uri="http://schemas.openxmlformats.org/drawingml/2006/table">
+            <a:tbl>
+              <a:tblPr firstRow="1" bandRow="1">
+                <a:tableStyleId>{5C22544A-7EE6-4342-B048-85BDC9FD1C3A}</a:tableStyleId>
+              </a:tblPr>
+              <a:tblGrid>
+                <a:gridCol w="655275">
+                  <a:extLst>
+                    <a:ext uri="{9D8B030D-6E8A-4147-A177-3AD203B41FA5}">
+                      <a16:colId xmlns:a16="http://schemas.microsoft.com/office/drawing/2014/main" val="4281797432"/>
+                    </a:ext>
+                  </a:extLst>
+                </a:gridCol>
+                <a:gridCol w="1001233">
+                  <a:extLst>
+                    <a:ext uri="{9D8B030D-6E8A-4147-A177-3AD203B41FA5}">
+                      <a16:colId xmlns:a16="http://schemas.microsoft.com/office/drawing/2014/main" val="237440901"/>
+                    </a:ext>
+                  </a:extLst>
+                </a:gridCol>
+                <a:gridCol w="1022536">
+                  <a:extLst>
+                    <a:ext uri="{9D8B030D-6E8A-4147-A177-3AD203B41FA5}">
+                      <a16:colId xmlns:a16="http://schemas.microsoft.com/office/drawing/2014/main" val="3447409254"/>
+                    </a:ext>
+                  </a:extLst>
+                </a:gridCol>
+                <a:gridCol w="862765">
+                  <a:extLst>
+                    <a:ext uri="{9D8B030D-6E8A-4147-A177-3AD203B41FA5}">
+                      <a16:colId xmlns:a16="http://schemas.microsoft.com/office/drawing/2014/main" val="888093024"/>
+                    </a:ext>
+                  </a:extLst>
+                </a:gridCol>
+                <a:gridCol w="511268">
+                  <a:extLst>
+                    <a:ext uri="{9D8B030D-6E8A-4147-A177-3AD203B41FA5}">
+                      <a16:colId xmlns:a16="http://schemas.microsoft.com/office/drawing/2014/main" val="4218543662"/>
+                    </a:ext>
+                  </a:extLst>
+                </a:gridCol>
+              </a:tblGrid>
+              <a:tr h="0">
+                <a:tc>
+                  <a:txBody>
+                    <a:bodyPr/>
+                    <a:lstStyle/>
+                    <a:p>
+                      <a:pPr algn="l" fontAlgn="b"/>
+                      <a:r>
+                        <a:rPr lang="en-US" sz="1200" b="1" i="0" u="none" strike="noStrike">
+                          <a:solidFill>
+                            <a:schemeClr val="bg1"/>
+                          </a:solidFill>
+                          <a:effectLst/>
+                          <a:latin typeface="Calibri" panose="020F0502020204030204" pitchFamily="34" charset="0"/>
+                        </a:rPr>
+                        <a:t>orderid</a:t>
+                      </a:r>
+                    </a:p>
+                  </a:txBody>
+                  <a:tcPr marL="9525" marR="9525" marT="9525" marB="0" anchor="b"/>
+                </a:tc>
+                <a:tc>
+                  <a:txBody>
+                    <a:bodyPr/>
+                    <a:lstStyle/>
+                    <a:p>
+                      <a:pPr algn="l" fontAlgn="b"/>
+                      <a:r>
+                        <a:rPr lang="en-US" sz="1200" b="1" i="0" u="none" strike="noStrike">
+                          <a:solidFill>
+                            <a:schemeClr val="bg1"/>
+                          </a:solidFill>
+                          <a:effectLst/>
+                          <a:latin typeface="Calibri" panose="020F0502020204030204" pitchFamily="34" charset="0"/>
+                        </a:rPr>
+                        <a:t>customerid</a:t>
+                      </a:r>
+                    </a:p>
+                  </a:txBody>
+                  <a:tcPr marL="9525" marR="9525" marT="9525" marB="0" anchor="b"/>
+                </a:tc>
+                <a:tc>
+                  <a:txBody>
+                    <a:bodyPr/>
+                    <a:lstStyle/>
+                    <a:p>
+                      <a:pPr algn="l" fontAlgn="b"/>
+                      <a:r>
+                        <a:rPr lang="en-US" sz="1200" b="1" i="0" u="none" strike="noStrike" dirty="0">
+                          <a:solidFill>
+                            <a:schemeClr val="bg1"/>
+                          </a:solidFill>
+                          <a:effectLst/>
+                          <a:latin typeface="Calibri" panose="020F0502020204030204" pitchFamily="34" charset="0"/>
+                        </a:rPr>
+                        <a:t>employeeid</a:t>
+                      </a:r>
+                    </a:p>
+                  </a:txBody>
+                  <a:tcPr marL="9525" marR="9525" marT="9525" marB="0" anchor="b"/>
+                </a:tc>
+                <a:tc>
+                  <a:txBody>
+                    <a:bodyPr/>
+                    <a:lstStyle/>
+                    <a:p>
+                      <a:pPr algn="l" fontAlgn="b"/>
+                      <a:r>
+                        <a:rPr lang="en-US" sz="1200" b="1" i="0" u="none" strike="noStrike">
+                          <a:solidFill>
+                            <a:schemeClr val="bg1"/>
+                          </a:solidFill>
+                          <a:effectLst/>
+                          <a:latin typeface="Calibri" panose="020F0502020204030204" pitchFamily="34" charset="0"/>
+                        </a:rPr>
+                        <a:t>orderdate</a:t>
+                      </a:r>
+                    </a:p>
+                  </a:txBody>
+                  <a:tcPr marL="9525" marR="9525" marT="9525" marB="0" anchor="b"/>
+                </a:tc>
+                <a:tc>
+                  <a:txBody>
+                    <a:bodyPr/>
+                    <a:lstStyle/>
+                    <a:p>
+                      <a:pPr algn="l" fontAlgn="b"/>
+                      <a:r>
+                        <a:rPr lang="en-US" sz="1200" b="1" i="0" u="none" strike="noStrike" dirty="0">
+                          <a:solidFill>
+                            <a:schemeClr val="bg1"/>
+                          </a:solidFill>
+                          <a:effectLst/>
+                          <a:latin typeface="Calibri" panose="020F0502020204030204" pitchFamily="34" charset="0"/>
+                        </a:rPr>
+                        <a:t>price</a:t>
+                      </a:r>
+                    </a:p>
+                  </a:txBody>
+                  <a:tcPr marL="9525" marR="9525" marT="9525" marB="0" anchor="b"/>
+                </a:tc>
+                <a:extLst>
+                  <a:ext uri="{0D108BD9-81ED-4DB2-BD59-A6C34878D82A}">
+                    <a16:rowId xmlns:a16="http://schemas.microsoft.com/office/drawing/2014/main" val="594612673"/>
+                  </a:ext>
+                </a:extLst>
+              </a:tr>
+              <a:tr h="370840">
+                <a:tc>
+                  <a:txBody>
+                    <a:bodyPr/>
+                    <a:lstStyle/>
+                    <a:p>
+                      <a:pPr algn="ctr" fontAlgn="b"/>
+                      <a:r>
+                        <a:rPr lang="en-US" sz="1100" b="0" i="0" u="none" strike="noStrike" dirty="0">
+                          <a:solidFill>
+                            <a:srgbClr val="000000"/>
+                          </a:solidFill>
+                          <a:effectLst/>
+                          <a:latin typeface="Calibri" panose="020F0502020204030204" pitchFamily="34" charset="0"/>
+                        </a:rPr>
+                        <a:t>10408</a:t>
+                      </a:r>
+                    </a:p>
+                  </a:txBody>
+                  <a:tcPr marL="9525" marR="9525" marT="9525" marB="0" anchor="b"/>
+                </a:tc>
+                <a:tc>
+                  <a:txBody>
+                    <a:bodyPr/>
+                    <a:lstStyle/>
+                    <a:p>
+                      <a:pPr algn="ctr" fontAlgn="b"/>
+                      <a:r>
+                        <a:rPr lang="en-US" sz="1100" b="0" i="0" u="none" strike="noStrike" dirty="0">
+                          <a:solidFill>
+                            <a:srgbClr val="000000"/>
+                          </a:solidFill>
+                          <a:effectLst/>
+                          <a:latin typeface="Calibri" panose="020F0502020204030204" pitchFamily="34" charset="0"/>
+                        </a:rPr>
+                        <a:t>2</a:t>
+                      </a:r>
+                    </a:p>
+                  </a:txBody>
+                  <a:tcPr marL="9525" marR="9525" marT="9525" marB="0" anchor="b">
+                    <a:solidFill>
+                      <a:srgbClr val="FFC000"/>
+                    </a:solidFill>
+                  </a:tcPr>
+                </a:tc>
+                <a:tc>
+                  <a:txBody>
+                    <a:bodyPr/>
+                    <a:lstStyle/>
+                    <a:p>
+                      <a:pPr algn="ctr" fontAlgn="b"/>
+                      <a:r>
+                        <a:rPr lang="en-US" sz="1100" b="0" i="0" u="none" strike="noStrike">
+                          <a:solidFill>
+                            <a:srgbClr val="000000"/>
+                          </a:solidFill>
+                          <a:effectLst/>
+                          <a:latin typeface="Calibri" panose="020F0502020204030204" pitchFamily="34" charset="0"/>
+                        </a:rPr>
+                        <a:t>7</a:t>
+                      </a:r>
+                    </a:p>
+                  </a:txBody>
+                  <a:tcPr marL="9525" marR="9525" marT="9525" marB="0" anchor="b"/>
+                </a:tc>
+                <a:tc>
+                  <a:txBody>
+                    <a:bodyPr/>
+                    <a:lstStyle/>
+                    <a:p>
+                      <a:pPr algn="ctr" fontAlgn="b"/>
+                      <a:r>
+                        <a:rPr lang="en-US" sz="1100" b="0" i="0" u="none" strike="noStrike">
+                          <a:solidFill>
+                            <a:srgbClr val="000000"/>
+                          </a:solidFill>
+                          <a:effectLst/>
+                          <a:latin typeface="Calibri" panose="020F0502020204030204" pitchFamily="34" charset="0"/>
+                        </a:rPr>
+                        <a:t>10/19/2022</a:t>
+                      </a:r>
+                    </a:p>
+                  </a:txBody>
+                  <a:tcPr marL="9525" marR="9525" marT="9525" marB="0" anchor="b"/>
+                </a:tc>
+                <a:tc>
+                  <a:txBody>
+                    <a:bodyPr/>
+                    <a:lstStyle/>
+                    <a:p>
+                      <a:pPr algn="ctr" fontAlgn="b"/>
+                      <a:r>
+                        <a:rPr lang="en-US" sz="1100" b="0" i="0" u="none" strike="noStrike">
+                          <a:solidFill>
+                            <a:srgbClr val="000000"/>
+                          </a:solidFill>
+                          <a:effectLst/>
+                          <a:latin typeface="Calibri" panose="020F0502020204030204" pitchFamily="34" charset="0"/>
+                        </a:rPr>
+                        <a:t>164.78</a:t>
+                      </a:r>
+                    </a:p>
+                  </a:txBody>
+                  <a:tcPr marL="9525" marR="9525" marT="9525" marB="0" anchor="b"/>
+                </a:tc>
+                <a:extLst>
+                  <a:ext uri="{0D108BD9-81ED-4DB2-BD59-A6C34878D82A}">
+                    <a16:rowId xmlns:a16="http://schemas.microsoft.com/office/drawing/2014/main" val="3284073844"/>
+                  </a:ext>
+                </a:extLst>
+              </a:tr>
+              <a:tr h="370840">
+                <a:tc>
+                  <a:txBody>
+                    <a:bodyPr/>
+                    <a:lstStyle/>
+                    <a:p>
+                      <a:pPr algn="ctr" fontAlgn="b"/>
+                      <a:r>
+                        <a:rPr lang="en-US" sz="1100" b="0" i="0" u="none" strike="noStrike">
+                          <a:solidFill>
+                            <a:srgbClr val="000000"/>
+                          </a:solidFill>
+                          <a:effectLst/>
+                          <a:latin typeface="Calibri" panose="020F0502020204030204" pitchFamily="34" charset="0"/>
+                        </a:rPr>
+                        <a:t>10409</a:t>
+                      </a:r>
+                    </a:p>
+                  </a:txBody>
+                  <a:tcPr marL="9525" marR="9525" marT="9525" marB="0" anchor="b"/>
+                </a:tc>
+                <a:tc>
+                  <a:txBody>
+                    <a:bodyPr/>
+                    <a:lstStyle/>
+                    <a:p>
+                      <a:pPr algn="ctr" fontAlgn="b"/>
+                      <a:r>
+                        <a:rPr lang="en-US" sz="1100" b="0" i="0" u="none" strike="noStrike" dirty="0">
+                          <a:solidFill>
+                            <a:srgbClr val="000000"/>
+                          </a:solidFill>
+                          <a:effectLst/>
+                          <a:latin typeface="Calibri" panose="020F0502020204030204" pitchFamily="34" charset="0"/>
+                        </a:rPr>
+                        <a:t>2</a:t>
+                      </a:r>
+                    </a:p>
+                  </a:txBody>
+                  <a:tcPr marL="9525" marR="9525" marT="9525" marB="0" anchor="b">
+                    <a:solidFill>
+                      <a:srgbClr val="FFC000"/>
+                    </a:solidFill>
+                  </a:tcPr>
+                </a:tc>
+                <a:tc>
+                  <a:txBody>
+                    <a:bodyPr/>
+                    <a:lstStyle/>
+                    <a:p>
+                      <a:pPr algn="ctr" fontAlgn="b"/>
+                      <a:r>
+                        <a:rPr lang="en-US" sz="1100" b="0" i="0" u="none" strike="noStrike" dirty="0">
+                          <a:solidFill>
+                            <a:srgbClr val="000000"/>
+                          </a:solidFill>
+                          <a:effectLst/>
+                          <a:latin typeface="Calibri" panose="020F0502020204030204" pitchFamily="34" charset="0"/>
+                        </a:rPr>
+                        <a:t>5</a:t>
+                      </a:r>
+                    </a:p>
+                  </a:txBody>
+                  <a:tcPr marL="9525" marR="9525" marT="9525" marB="0" anchor="b"/>
+                </a:tc>
+                <a:tc>
+                  <a:txBody>
+                    <a:bodyPr/>
+                    <a:lstStyle/>
+                    <a:p>
+                      <a:pPr algn="ctr" fontAlgn="b"/>
+                      <a:r>
+                        <a:rPr lang="en-US" sz="1100" b="0" i="0" u="none" strike="noStrike" dirty="0">
+                          <a:solidFill>
+                            <a:srgbClr val="000000"/>
+                          </a:solidFill>
+                          <a:effectLst/>
+                          <a:latin typeface="Calibri" panose="020F0502020204030204" pitchFamily="34" charset="0"/>
+                        </a:rPr>
+                        <a:t>10/20/2022</a:t>
+                      </a:r>
+                    </a:p>
+                  </a:txBody>
+                  <a:tcPr marL="9525" marR="9525" marT="9525" marB="0" anchor="b"/>
+                </a:tc>
+                <a:tc>
+                  <a:txBody>
+                    <a:bodyPr/>
+                    <a:lstStyle/>
+                    <a:p>
+                      <a:pPr algn="ctr" fontAlgn="b"/>
+                      <a:r>
+                        <a:rPr lang="en-US" sz="1100" b="0" i="0" u="none" strike="noStrike" dirty="0">
+                          <a:solidFill>
+                            <a:srgbClr val="000000"/>
+                          </a:solidFill>
+                          <a:effectLst/>
+                          <a:latin typeface="Calibri" panose="020F0502020204030204" pitchFamily="34" charset="0"/>
+                        </a:rPr>
+                        <a:t>200.78</a:t>
+                      </a:r>
+                    </a:p>
+                  </a:txBody>
+                  <a:tcPr marL="9525" marR="9525" marT="9525" marB="0" anchor="b"/>
+                </a:tc>
+                <a:extLst>
+                  <a:ext uri="{0D108BD9-81ED-4DB2-BD59-A6C34878D82A}">
+                    <a16:rowId xmlns:a16="http://schemas.microsoft.com/office/drawing/2014/main" val="3253801685"/>
+                  </a:ext>
+                </a:extLst>
+              </a:tr>
+              <a:tr h="370840">
+                <a:tc>
+                  <a:txBody>
+                    <a:bodyPr/>
+                    <a:lstStyle/>
+                    <a:p>
+                      <a:pPr algn="ctr" fontAlgn="b"/>
+                      <a:r>
+                        <a:rPr lang="en-US" sz="1100" b="0" i="0" u="none" strike="noStrike">
+                          <a:solidFill>
+                            <a:srgbClr val="000000"/>
+                          </a:solidFill>
+                          <a:effectLst/>
+                          <a:latin typeface="Calibri" panose="020F0502020204030204" pitchFamily="34" charset="0"/>
+                        </a:rPr>
+                        <a:t>1010</a:t>
+                      </a:r>
+                    </a:p>
+                  </a:txBody>
+                  <a:tcPr marL="9525" marR="9525" marT="9525" marB="0" anchor="b"/>
+                </a:tc>
+                <a:tc>
+                  <a:txBody>
+                    <a:bodyPr/>
+                    <a:lstStyle/>
+                    <a:p>
+                      <a:pPr algn="ctr" fontAlgn="b"/>
+                      <a:r>
+                        <a:rPr lang="en-US" sz="1100" b="0" i="0" u="none" strike="noStrike" dirty="0">
+                          <a:solidFill>
+                            <a:srgbClr val="000000"/>
+                          </a:solidFill>
+                          <a:effectLst/>
+                          <a:latin typeface="Calibri" panose="020F0502020204030204" pitchFamily="34" charset="0"/>
+                        </a:rPr>
+                        <a:t>1</a:t>
+                      </a:r>
+                    </a:p>
+                  </a:txBody>
+                  <a:tcPr marL="9525" marR="9525" marT="9525" marB="0" anchor="b">
+                    <a:solidFill>
+                      <a:srgbClr val="FFC000"/>
+                    </a:solidFill>
+                  </a:tcPr>
+                </a:tc>
+                <a:tc>
+                  <a:txBody>
+                    <a:bodyPr/>
+                    <a:lstStyle/>
+                    <a:p>
+                      <a:pPr algn="ctr" fontAlgn="b"/>
+                      <a:r>
+                        <a:rPr lang="en-US" sz="1100" b="0" i="0" u="none" strike="noStrike" dirty="0">
+                          <a:solidFill>
+                            <a:srgbClr val="000000"/>
+                          </a:solidFill>
+                          <a:effectLst/>
+                          <a:latin typeface="Calibri" panose="020F0502020204030204" pitchFamily="34" charset="0"/>
+                        </a:rPr>
+                        <a:t>6</a:t>
+                      </a:r>
+                    </a:p>
+                  </a:txBody>
+                  <a:tcPr marL="9525" marR="9525" marT="9525" marB="0" anchor="b"/>
+                </a:tc>
+                <a:tc>
+                  <a:txBody>
+                    <a:bodyPr/>
+                    <a:lstStyle/>
+                    <a:p>
+                      <a:pPr algn="ctr" fontAlgn="b"/>
+                      <a:r>
+                        <a:rPr lang="en-US" sz="1100" b="0" i="0" u="none" strike="noStrike">
+                          <a:solidFill>
+                            <a:srgbClr val="000000"/>
+                          </a:solidFill>
+                          <a:effectLst/>
+                          <a:latin typeface="Calibri" panose="020F0502020204030204" pitchFamily="34" charset="0"/>
+                        </a:rPr>
+                        <a:t>10/21/2020</a:t>
+                      </a:r>
+                    </a:p>
+                  </a:txBody>
+                  <a:tcPr marL="9525" marR="9525" marT="9525" marB="0" anchor="b"/>
+                </a:tc>
+                <a:tc>
+                  <a:txBody>
+                    <a:bodyPr/>
+                    <a:lstStyle/>
+                    <a:p>
+                      <a:pPr algn="ctr" fontAlgn="b"/>
+                      <a:r>
+                        <a:rPr lang="en-US" sz="1100" b="0" i="0" u="none" strike="noStrike" dirty="0">
+                          <a:solidFill>
+                            <a:srgbClr val="000000"/>
+                          </a:solidFill>
+                          <a:effectLst/>
+                          <a:latin typeface="Calibri" panose="020F0502020204030204" pitchFamily="34" charset="0"/>
+                        </a:rPr>
+                        <a:t>300.78</a:t>
+                      </a:r>
+                    </a:p>
+                  </a:txBody>
+                  <a:tcPr marL="9525" marR="9525" marT="9525" marB="0" anchor="b"/>
+                </a:tc>
+                <a:extLst>
+                  <a:ext uri="{0D108BD9-81ED-4DB2-BD59-A6C34878D82A}">
+                    <a16:rowId xmlns:a16="http://schemas.microsoft.com/office/drawing/2014/main" val="2983064871"/>
+                  </a:ext>
+                </a:extLst>
+              </a:tr>
+            </a:tbl>
+          </a:graphicData>
+        </a:graphic>
+      </p:graphicFrame>
+      <p:graphicFrame>
+        <p:nvGraphicFramePr>
+          <p:cNvPr id="5" name="Table 5">
+            <a:extLst>
+              <a:ext uri="{FF2B5EF4-FFF2-40B4-BE49-F238E27FC236}">
+                <a16:creationId xmlns:a16="http://schemas.microsoft.com/office/drawing/2014/main" id="{C1B7487F-F43C-DF62-049D-2842B9DF3048}"/>
+              </a:ext>
+            </a:extLst>
+          </p:cNvPr>
+          <p:cNvGraphicFramePr>
+            <a:graphicFrameLocks noGrp="1"/>
+          </p:cNvGraphicFramePr>
+          <p:nvPr>
+            <p:extLst>
+              <p:ext uri="{D42A27DB-BD31-4B8C-83A1-F6EECF244321}">
+                <p14:modId xmlns:p14="http://schemas.microsoft.com/office/powerpoint/2010/main" val="711368590"/>
+              </p:ext>
+            </p:extLst>
+          </p:nvPr>
+        </p:nvGraphicFramePr>
+        <p:xfrm>
+          <a:off x="5934075" y="3188200"/>
+          <a:ext cx="4691255" cy="1624965"/>
+        </p:xfrm>
+        <a:graphic>
+          <a:graphicData uri="http://schemas.openxmlformats.org/drawingml/2006/table">
+            <a:tbl>
+              <a:tblPr firstRow="1" bandRow="1">
+                <a:tableStyleId>{5C22544A-7EE6-4342-B048-85BDC9FD1C3A}</a:tableStyleId>
+              </a:tblPr>
+              <a:tblGrid>
+                <a:gridCol w="781876">
+                  <a:extLst>
+                    <a:ext uri="{9D8B030D-6E8A-4147-A177-3AD203B41FA5}">
+                      <a16:colId xmlns:a16="http://schemas.microsoft.com/office/drawing/2014/main" val="804572549"/>
+                    </a:ext>
+                  </a:extLst>
+                </a:gridCol>
+                <a:gridCol w="1025547">
+                  <a:extLst>
+                    <a:ext uri="{9D8B030D-6E8A-4147-A177-3AD203B41FA5}">
+                      <a16:colId xmlns:a16="http://schemas.microsoft.com/office/drawing/2014/main" val="690705410"/>
+                    </a:ext>
+                  </a:extLst>
+                </a:gridCol>
+                <a:gridCol w="538204">
+                  <a:extLst>
+                    <a:ext uri="{9D8B030D-6E8A-4147-A177-3AD203B41FA5}">
+                      <a16:colId xmlns:a16="http://schemas.microsoft.com/office/drawing/2014/main" val="1451036570"/>
+                    </a:ext>
+                  </a:extLst>
+                </a:gridCol>
+                <a:gridCol w="539782">
+                  <a:extLst>
+                    <a:ext uri="{9D8B030D-6E8A-4147-A177-3AD203B41FA5}">
+                      <a16:colId xmlns:a16="http://schemas.microsoft.com/office/drawing/2014/main" val="1919614046"/>
+                    </a:ext>
+                  </a:extLst>
+                </a:gridCol>
+                <a:gridCol w="743811">
+                  <a:extLst>
+                    <a:ext uri="{9D8B030D-6E8A-4147-A177-3AD203B41FA5}">
+                      <a16:colId xmlns:a16="http://schemas.microsoft.com/office/drawing/2014/main" val="3603661983"/>
+                    </a:ext>
+                  </a:extLst>
+                </a:gridCol>
+                <a:gridCol w="1062035">
+                  <a:extLst>
+                    <a:ext uri="{9D8B030D-6E8A-4147-A177-3AD203B41FA5}">
+                      <a16:colId xmlns:a16="http://schemas.microsoft.com/office/drawing/2014/main" val="2638018289"/>
+                    </a:ext>
+                  </a:extLst>
+                </a:gridCol>
+              </a:tblGrid>
+              <a:tr h="370840">
+                <a:tc>
+                  <a:txBody>
+                    <a:bodyPr/>
+                    <a:lstStyle/>
+                    <a:p>
+                      <a:pPr algn="l" fontAlgn="b"/>
+                      <a:r>
+                        <a:rPr lang="en-US" sz="1200" b="1" i="0" u="none" strike="noStrike">
+                          <a:solidFill>
+                            <a:schemeClr val="bg1"/>
+                          </a:solidFill>
+                          <a:effectLst/>
+                          <a:latin typeface="Calibri" panose="020F0502020204030204" pitchFamily="34" charset="0"/>
+                        </a:rPr>
+                        <a:t>customerid</a:t>
+                      </a:r>
+                    </a:p>
+                  </a:txBody>
+                  <a:tcPr marL="9525" marR="9525" marT="9525" marB="0" anchor="b"/>
+                </a:tc>
+                <a:tc>
+                  <a:txBody>
+                    <a:bodyPr/>
+                    <a:lstStyle/>
+                    <a:p>
+                      <a:pPr algn="l" fontAlgn="b"/>
+                      <a:r>
+                        <a:rPr lang="en-US" sz="1200" b="1" i="0" u="none" strike="noStrike">
+                          <a:solidFill>
+                            <a:schemeClr val="bg1"/>
+                          </a:solidFill>
+                          <a:effectLst/>
+                          <a:latin typeface="Calibri" panose="020F0502020204030204" pitchFamily="34" charset="0"/>
+                        </a:rPr>
+                        <a:t>customername</a:t>
+                      </a:r>
+                    </a:p>
+                  </a:txBody>
+                  <a:tcPr marL="9525" marR="9525" marT="9525" marB="0" anchor="b"/>
+                </a:tc>
+                <a:tc>
+                  <a:txBody>
+                    <a:bodyPr/>
+                    <a:lstStyle/>
+                    <a:p>
+                      <a:pPr algn="l" fontAlgn="b"/>
+                      <a:r>
+                        <a:rPr lang="en-US" sz="1200" b="1" i="0" u="none" strike="noStrike">
+                          <a:solidFill>
+                            <a:schemeClr val="bg1"/>
+                          </a:solidFill>
+                          <a:effectLst/>
+                          <a:latin typeface="Calibri" panose="020F0502020204030204" pitchFamily="34" charset="0"/>
+                        </a:rPr>
+                        <a:t>address</a:t>
+                      </a:r>
+                    </a:p>
+                  </a:txBody>
+                  <a:tcPr marL="9525" marR="9525" marT="9525" marB="0" anchor="b"/>
+                </a:tc>
+                <a:tc>
+                  <a:txBody>
+                    <a:bodyPr/>
+                    <a:lstStyle/>
+                    <a:p>
+                      <a:pPr algn="l" fontAlgn="b"/>
+                      <a:r>
+                        <a:rPr lang="en-US" sz="1200" b="1" i="0" u="none" strike="noStrike">
+                          <a:solidFill>
+                            <a:schemeClr val="bg1"/>
+                          </a:solidFill>
+                          <a:effectLst/>
+                          <a:latin typeface="Calibri" panose="020F0502020204030204" pitchFamily="34" charset="0"/>
+                        </a:rPr>
+                        <a:t>city</a:t>
+                      </a:r>
+                    </a:p>
+                  </a:txBody>
+                  <a:tcPr marL="9525" marR="9525" marT="9525" marB="0" anchor="b"/>
+                </a:tc>
+                <a:tc>
+                  <a:txBody>
+                    <a:bodyPr/>
+                    <a:lstStyle/>
+                    <a:p>
+                      <a:pPr algn="l" fontAlgn="b"/>
+                      <a:r>
+                        <a:rPr lang="en-US" sz="1200" b="1" i="0" u="none" strike="noStrike">
+                          <a:solidFill>
+                            <a:schemeClr val="bg1"/>
+                          </a:solidFill>
+                          <a:effectLst/>
+                          <a:latin typeface="Calibri" panose="020F0502020204030204" pitchFamily="34" charset="0"/>
+                        </a:rPr>
+                        <a:t>postalcode</a:t>
+                      </a:r>
+                    </a:p>
+                  </a:txBody>
+                  <a:tcPr marL="9525" marR="9525" marT="9525" marB="0" anchor="b"/>
+                </a:tc>
+                <a:tc>
+                  <a:txBody>
+                    <a:bodyPr/>
+                    <a:lstStyle/>
+                    <a:p>
+                      <a:pPr algn="l" fontAlgn="b"/>
+                      <a:r>
+                        <a:rPr lang="en-US" sz="1200" b="1" i="0" u="none" strike="noStrike" dirty="0">
+                          <a:solidFill>
+                            <a:schemeClr val="bg1"/>
+                          </a:solidFill>
+                          <a:effectLst/>
+                          <a:latin typeface="Calibri" panose="020F0502020204030204" pitchFamily="34" charset="0"/>
+                        </a:rPr>
+                        <a:t>country</a:t>
+                      </a:r>
+                    </a:p>
+                  </a:txBody>
+                  <a:tcPr marL="9525" marR="9525" marT="9525" marB="0" anchor="b"/>
+                </a:tc>
+                <a:extLst>
+                  <a:ext uri="{0D108BD9-81ED-4DB2-BD59-A6C34878D82A}">
+                    <a16:rowId xmlns:a16="http://schemas.microsoft.com/office/drawing/2014/main" val="3810522630"/>
+                  </a:ext>
+                </a:extLst>
+              </a:tr>
+              <a:tr h="370840">
+                <a:tc>
+                  <a:txBody>
+                    <a:bodyPr/>
+                    <a:lstStyle/>
+                    <a:p>
+                      <a:pPr algn="ctr" fontAlgn="b"/>
+                      <a:r>
+                        <a:rPr lang="en-US" sz="1100" b="0" i="0" u="none" strike="noStrike" dirty="0">
+                          <a:solidFill>
+                            <a:srgbClr val="000000"/>
+                          </a:solidFill>
+                          <a:effectLst/>
+                          <a:latin typeface="Calibri" panose="020F0502020204030204" pitchFamily="34" charset="0"/>
+                        </a:rPr>
+                        <a:t>1</a:t>
+                      </a:r>
+                    </a:p>
+                  </a:txBody>
+                  <a:tcPr marL="9525" marR="9525" marT="9525" marB="0" anchor="b">
+                    <a:solidFill>
+                      <a:srgbClr val="FFC000"/>
+                    </a:solidFill>
+                  </a:tcPr>
+                </a:tc>
+                <a:tc>
+                  <a:txBody>
+                    <a:bodyPr/>
+                    <a:lstStyle/>
+                    <a:p>
+                      <a:pPr algn="ctr" fontAlgn="b"/>
+                      <a:r>
+                        <a:rPr lang="en-US" sz="1100" b="0" i="0" u="none" strike="noStrike" dirty="0">
+                          <a:solidFill>
+                            <a:srgbClr val="000000"/>
+                          </a:solidFill>
+                          <a:effectLst/>
+                          <a:latin typeface="Calibri" panose="020F0502020204030204" pitchFamily="34" charset="0"/>
+                        </a:rPr>
+                        <a:t>Mario</a:t>
+                      </a:r>
+                    </a:p>
+                  </a:txBody>
+                  <a:tcPr marL="9525" marR="9525" marT="9525" marB="0" anchor="b"/>
+                </a:tc>
+                <a:tc>
+                  <a:txBody>
+                    <a:bodyPr/>
+                    <a:lstStyle/>
+                    <a:p>
+                      <a:pPr algn="ctr" fontAlgn="b"/>
+                      <a:r>
+                        <a:rPr lang="en-US" sz="1100" b="0" i="0" u="none" strike="noStrike">
+                          <a:solidFill>
+                            <a:srgbClr val="000000"/>
+                          </a:solidFill>
+                          <a:effectLst/>
+                          <a:latin typeface="Calibri" panose="020F0502020204030204" pitchFamily="34" charset="0"/>
+                        </a:rPr>
+                        <a:t>Flager ave. 107</a:t>
+                      </a:r>
+                    </a:p>
+                  </a:txBody>
+                  <a:tcPr marL="9525" marR="9525" marT="9525" marB="0" anchor="b"/>
+                </a:tc>
+                <a:tc>
+                  <a:txBody>
+                    <a:bodyPr/>
+                    <a:lstStyle/>
+                    <a:p>
+                      <a:pPr algn="ctr" fontAlgn="b"/>
+                      <a:r>
+                        <a:rPr lang="en-US" sz="1100" b="0" i="0" u="none" strike="noStrike">
+                          <a:solidFill>
+                            <a:srgbClr val="000000"/>
+                          </a:solidFill>
+                          <a:effectLst/>
+                          <a:latin typeface="Calibri" panose="020F0502020204030204" pitchFamily="34" charset="0"/>
+                        </a:rPr>
+                        <a:t>Doral</a:t>
+                      </a:r>
+                    </a:p>
+                  </a:txBody>
+                  <a:tcPr marL="9525" marR="9525" marT="9525" marB="0" anchor="b"/>
+                </a:tc>
+                <a:tc>
+                  <a:txBody>
+                    <a:bodyPr/>
+                    <a:lstStyle/>
+                    <a:p>
+                      <a:pPr algn="ctr" fontAlgn="b"/>
+                      <a:r>
+                        <a:rPr lang="en-US" sz="1100" b="0" i="0" u="none" strike="noStrike">
+                          <a:solidFill>
+                            <a:srgbClr val="000000"/>
+                          </a:solidFill>
+                          <a:effectLst/>
+                          <a:latin typeface="Calibri" panose="020F0502020204030204" pitchFamily="34" charset="0"/>
+                        </a:rPr>
+                        <a:t>33176</a:t>
+                      </a:r>
+                    </a:p>
+                  </a:txBody>
+                  <a:tcPr marL="9525" marR="9525" marT="9525" marB="0" anchor="b"/>
+                </a:tc>
+                <a:tc>
+                  <a:txBody>
+                    <a:bodyPr/>
+                    <a:lstStyle/>
+                    <a:p>
+                      <a:pPr algn="ctr" fontAlgn="b"/>
+                      <a:r>
+                        <a:rPr lang="en-US" sz="1100" b="0" i="0" u="none" strike="noStrike" dirty="0">
+                          <a:solidFill>
+                            <a:srgbClr val="000000"/>
+                          </a:solidFill>
+                          <a:effectLst/>
+                          <a:latin typeface="Calibri" panose="020F0502020204030204" pitchFamily="34" charset="0"/>
+                        </a:rPr>
+                        <a:t>United States</a:t>
+                      </a:r>
+                    </a:p>
+                  </a:txBody>
+                  <a:tcPr marL="9525" marR="9525" marT="9525" marB="0" anchor="b"/>
+                </a:tc>
+                <a:extLst>
+                  <a:ext uri="{0D108BD9-81ED-4DB2-BD59-A6C34878D82A}">
+                    <a16:rowId xmlns:a16="http://schemas.microsoft.com/office/drawing/2014/main" val="554250934"/>
+                  </a:ext>
+                </a:extLst>
+              </a:tr>
+              <a:tr h="370840">
+                <a:tc>
+                  <a:txBody>
+                    <a:bodyPr/>
+                    <a:lstStyle/>
+                    <a:p>
+                      <a:pPr algn="ctr" fontAlgn="b"/>
+                      <a:r>
+                        <a:rPr lang="en-US" sz="1100" b="0" i="0" u="none" strike="noStrike" dirty="0">
+                          <a:solidFill>
+                            <a:srgbClr val="000000"/>
+                          </a:solidFill>
+                          <a:effectLst/>
+                          <a:latin typeface="Calibri" panose="020F0502020204030204" pitchFamily="34" charset="0"/>
+                        </a:rPr>
+                        <a:t>2</a:t>
+                      </a:r>
+                    </a:p>
+                  </a:txBody>
+                  <a:tcPr marL="9525" marR="9525" marT="9525" marB="0" anchor="b">
+                    <a:solidFill>
+                      <a:srgbClr val="FFC000"/>
+                    </a:solidFill>
+                  </a:tcPr>
+                </a:tc>
+                <a:tc>
+                  <a:txBody>
+                    <a:bodyPr/>
+                    <a:lstStyle/>
+                    <a:p>
+                      <a:pPr algn="ctr" fontAlgn="b"/>
+                      <a:r>
+                        <a:rPr lang="en-US" sz="1100" b="0" i="0" u="none" strike="noStrike" dirty="0">
+                          <a:solidFill>
+                            <a:srgbClr val="000000"/>
+                          </a:solidFill>
+                          <a:effectLst/>
+                          <a:latin typeface="Calibri" panose="020F0502020204030204" pitchFamily="34" charset="0"/>
+                        </a:rPr>
+                        <a:t>Luis</a:t>
+                      </a:r>
+                    </a:p>
+                  </a:txBody>
+                  <a:tcPr marL="9525" marR="9525" marT="9525" marB="0" anchor="b"/>
+                </a:tc>
+                <a:tc>
+                  <a:txBody>
+                    <a:bodyPr/>
+                    <a:lstStyle/>
+                    <a:p>
+                      <a:pPr algn="ctr" fontAlgn="b"/>
+                      <a:r>
+                        <a:rPr lang="en-US" sz="1100" b="0" i="0" u="none" strike="noStrike">
+                          <a:solidFill>
+                            <a:srgbClr val="000000"/>
+                          </a:solidFill>
+                          <a:effectLst/>
+                          <a:latin typeface="Calibri" panose="020F0502020204030204" pitchFamily="34" charset="0"/>
+                        </a:rPr>
+                        <a:t>Calle 8 Str. 8</a:t>
+                      </a:r>
+                    </a:p>
+                  </a:txBody>
+                  <a:tcPr marL="9525" marR="9525" marT="9525" marB="0" anchor="b"/>
+                </a:tc>
+                <a:tc>
+                  <a:txBody>
+                    <a:bodyPr/>
+                    <a:lstStyle/>
+                    <a:p>
+                      <a:pPr algn="ctr" fontAlgn="b"/>
+                      <a:r>
+                        <a:rPr lang="en-US" sz="1100" b="0" i="0" u="none" strike="noStrike">
+                          <a:solidFill>
+                            <a:srgbClr val="000000"/>
+                          </a:solidFill>
+                          <a:effectLst/>
+                          <a:latin typeface="Calibri" panose="020F0502020204030204" pitchFamily="34" charset="0"/>
+                        </a:rPr>
+                        <a:t>Miami</a:t>
+                      </a:r>
+                    </a:p>
+                  </a:txBody>
+                  <a:tcPr marL="9525" marR="9525" marT="9525" marB="0" anchor="b"/>
+                </a:tc>
+                <a:tc>
+                  <a:txBody>
+                    <a:bodyPr/>
+                    <a:lstStyle/>
+                    <a:p>
+                      <a:pPr algn="ctr" fontAlgn="b"/>
+                      <a:r>
+                        <a:rPr lang="en-US" sz="1100" b="0" i="0" u="none" strike="noStrike">
+                          <a:solidFill>
+                            <a:srgbClr val="000000"/>
+                          </a:solidFill>
+                          <a:effectLst/>
+                          <a:latin typeface="Calibri" panose="020F0502020204030204" pitchFamily="34" charset="0"/>
+                        </a:rPr>
+                        <a:t>33172</a:t>
+                      </a:r>
+                    </a:p>
+                  </a:txBody>
+                  <a:tcPr marL="9525" marR="9525" marT="9525" marB="0" anchor="b"/>
+                </a:tc>
+                <a:tc>
+                  <a:txBody>
+                    <a:bodyPr/>
+                    <a:lstStyle/>
+                    <a:p>
+                      <a:pPr algn="ctr" fontAlgn="b"/>
+                      <a:r>
+                        <a:rPr lang="en-US" sz="1100" b="0" i="0" u="none" strike="noStrike">
+                          <a:solidFill>
+                            <a:srgbClr val="000000"/>
+                          </a:solidFill>
+                          <a:effectLst/>
+                          <a:latin typeface="Calibri" panose="020F0502020204030204" pitchFamily="34" charset="0"/>
+                        </a:rPr>
+                        <a:t>United States</a:t>
+                      </a:r>
+                    </a:p>
+                  </a:txBody>
+                  <a:tcPr marL="9525" marR="9525" marT="9525" marB="0" anchor="b"/>
+                </a:tc>
+                <a:extLst>
+                  <a:ext uri="{0D108BD9-81ED-4DB2-BD59-A6C34878D82A}">
+                    <a16:rowId xmlns:a16="http://schemas.microsoft.com/office/drawing/2014/main" val="564404678"/>
+                  </a:ext>
+                </a:extLst>
+              </a:tr>
+              <a:tr h="370840">
+                <a:tc>
+                  <a:txBody>
+                    <a:bodyPr/>
+                    <a:lstStyle/>
+                    <a:p>
+                      <a:pPr algn="ctr" fontAlgn="b"/>
+                      <a:r>
+                        <a:rPr lang="en-US" sz="1100" b="0" i="0" u="none" strike="noStrike">
+                          <a:solidFill>
+                            <a:srgbClr val="000000"/>
+                          </a:solidFill>
+                          <a:effectLst/>
+                          <a:latin typeface="Calibri" panose="020F0502020204030204" pitchFamily="34" charset="0"/>
+                        </a:rPr>
+                        <a:t>3</a:t>
+                      </a:r>
+                    </a:p>
+                  </a:txBody>
+                  <a:tcPr marL="9525" marR="9525" marT="9525" marB="0" anchor="b"/>
+                </a:tc>
+                <a:tc>
+                  <a:txBody>
+                    <a:bodyPr/>
+                    <a:lstStyle/>
+                    <a:p>
+                      <a:pPr algn="ctr" fontAlgn="b"/>
+                      <a:r>
+                        <a:rPr lang="en-US" sz="1100" b="0" i="0" u="none" strike="noStrike" dirty="0">
+                          <a:solidFill>
+                            <a:srgbClr val="000000"/>
+                          </a:solidFill>
+                          <a:effectLst/>
+                          <a:latin typeface="Calibri" panose="020F0502020204030204" pitchFamily="34" charset="0"/>
+                        </a:rPr>
+                        <a:t>John</a:t>
+                      </a:r>
+                    </a:p>
+                  </a:txBody>
+                  <a:tcPr marL="9525" marR="9525" marT="9525" marB="0" anchor="b"/>
+                </a:tc>
+                <a:tc>
+                  <a:txBody>
+                    <a:bodyPr/>
+                    <a:lstStyle/>
+                    <a:p>
+                      <a:pPr algn="ctr" fontAlgn="b"/>
+                      <a:r>
+                        <a:rPr lang="en-US" sz="1100" b="0" i="0" u="none" strike="noStrike" dirty="0">
+                          <a:solidFill>
+                            <a:srgbClr val="000000"/>
+                          </a:solidFill>
+                          <a:effectLst/>
+                          <a:latin typeface="Calibri" panose="020F0502020204030204" pitchFamily="34" charset="0"/>
+                        </a:rPr>
+                        <a:t>Coral Gables Str. 8</a:t>
+                      </a:r>
+                    </a:p>
+                  </a:txBody>
+                  <a:tcPr marL="9525" marR="9525" marT="9525" marB="0" anchor="b"/>
+                </a:tc>
+                <a:tc>
+                  <a:txBody>
+                    <a:bodyPr/>
+                    <a:lstStyle/>
+                    <a:p>
+                      <a:pPr algn="ctr" fontAlgn="b"/>
+                      <a:r>
+                        <a:rPr lang="en-US" sz="1100" b="0" i="0" u="none" strike="noStrike" dirty="0">
+                          <a:solidFill>
+                            <a:srgbClr val="000000"/>
+                          </a:solidFill>
+                          <a:effectLst/>
+                          <a:latin typeface="Calibri" panose="020F0502020204030204" pitchFamily="34" charset="0"/>
+                        </a:rPr>
+                        <a:t>Miami</a:t>
+                      </a:r>
+                    </a:p>
+                  </a:txBody>
+                  <a:tcPr marL="9525" marR="9525" marT="9525" marB="0" anchor="b"/>
+                </a:tc>
+                <a:tc>
+                  <a:txBody>
+                    <a:bodyPr/>
+                    <a:lstStyle/>
+                    <a:p>
+                      <a:pPr algn="ctr" fontAlgn="b"/>
+                      <a:r>
+                        <a:rPr lang="en-US" sz="1100" b="0" i="0" u="none" strike="noStrike" dirty="0">
+                          <a:solidFill>
+                            <a:srgbClr val="000000"/>
+                          </a:solidFill>
+                          <a:effectLst/>
+                          <a:latin typeface="Calibri" panose="020F0502020204030204" pitchFamily="34" charset="0"/>
+                        </a:rPr>
+                        <a:t>33174</a:t>
+                      </a:r>
+                    </a:p>
+                  </a:txBody>
+                  <a:tcPr marL="9525" marR="9525" marT="9525" marB="0" anchor="b"/>
+                </a:tc>
+                <a:tc>
+                  <a:txBody>
+                    <a:bodyPr/>
+                    <a:lstStyle/>
+                    <a:p>
+                      <a:pPr algn="ctr" fontAlgn="b"/>
+                      <a:r>
+                        <a:rPr lang="en-US" sz="1100" b="0" i="0" u="none" strike="noStrike" dirty="0">
+                          <a:solidFill>
+                            <a:srgbClr val="000000"/>
+                          </a:solidFill>
+                          <a:effectLst/>
+                          <a:latin typeface="Calibri" panose="020F0502020204030204" pitchFamily="34" charset="0"/>
+                        </a:rPr>
+                        <a:t>United States</a:t>
+                      </a:r>
+                    </a:p>
+                  </a:txBody>
+                  <a:tcPr marL="9525" marR="9525" marT="9525" marB="0" anchor="b"/>
+                </a:tc>
+                <a:extLst>
+                  <a:ext uri="{0D108BD9-81ED-4DB2-BD59-A6C34878D82A}">
+                    <a16:rowId xmlns:a16="http://schemas.microsoft.com/office/drawing/2014/main" val="2796835647"/>
+                  </a:ext>
+                </a:extLst>
+              </a:tr>
+            </a:tbl>
+          </a:graphicData>
+        </a:graphic>
+      </p:graphicFrame>
+      <p:graphicFrame>
+        <p:nvGraphicFramePr>
+          <p:cNvPr id="9" name="Table 9">
+            <a:extLst>
+              <a:ext uri="{FF2B5EF4-FFF2-40B4-BE49-F238E27FC236}">
+                <a16:creationId xmlns:a16="http://schemas.microsoft.com/office/drawing/2014/main" id="{A479586B-DE8A-452A-9911-3938EA611CBA}"/>
+              </a:ext>
+            </a:extLst>
+          </p:cNvPr>
+          <p:cNvGraphicFramePr>
+            <a:graphicFrameLocks noGrp="1"/>
+          </p:cNvGraphicFramePr>
+          <p:nvPr/>
+        </p:nvGraphicFramePr>
+        <p:xfrm>
+          <a:off x="2428875" y="5528734"/>
+          <a:ext cx="3131151" cy="990952"/>
+        </p:xfrm>
+        <a:graphic>
+          <a:graphicData uri="http://schemas.openxmlformats.org/drawingml/2006/table">
+            <a:tbl>
+              <a:tblPr firstRow="1" bandRow="1">
+                <a:tableStyleId>{5C22544A-7EE6-4342-B048-85BDC9FD1C3A}</a:tableStyleId>
+              </a:tblPr>
+              <a:tblGrid>
+                <a:gridCol w="1043717">
+                  <a:extLst>
+                    <a:ext uri="{9D8B030D-6E8A-4147-A177-3AD203B41FA5}">
+                      <a16:colId xmlns:a16="http://schemas.microsoft.com/office/drawing/2014/main" val="163925341"/>
+                    </a:ext>
+                  </a:extLst>
+                </a:gridCol>
+                <a:gridCol w="1043717">
+                  <a:extLst>
+                    <a:ext uri="{9D8B030D-6E8A-4147-A177-3AD203B41FA5}">
+                      <a16:colId xmlns:a16="http://schemas.microsoft.com/office/drawing/2014/main" val="2215573359"/>
+                    </a:ext>
+                  </a:extLst>
+                </a:gridCol>
+                <a:gridCol w="1043717">
+                  <a:extLst>
+                    <a:ext uri="{9D8B030D-6E8A-4147-A177-3AD203B41FA5}">
+                      <a16:colId xmlns:a16="http://schemas.microsoft.com/office/drawing/2014/main" val="2379891263"/>
+                    </a:ext>
+                  </a:extLst>
+                </a:gridCol>
+              </a:tblGrid>
+              <a:tr h="247738">
+                <a:tc>
+                  <a:txBody>
+                    <a:bodyPr/>
+                    <a:lstStyle/>
+                    <a:p>
+                      <a:pPr algn="ctr" fontAlgn="b"/>
+                      <a:r>
+                        <a:rPr lang="en-US" sz="1200" b="1" i="0" u="none" strike="noStrike">
+                          <a:solidFill>
+                            <a:schemeClr val="bg1"/>
+                          </a:solidFill>
+                          <a:effectLst/>
+                          <a:latin typeface="Calibri" panose="020F0502020204030204" pitchFamily="34" charset="0"/>
+                        </a:rPr>
+                        <a:t>orderid</a:t>
+                      </a:r>
+                    </a:p>
+                  </a:txBody>
+                  <a:tcPr marL="9525" marR="9525" marT="9525" marB="0" anchor="b"/>
+                </a:tc>
+                <a:tc>
+                  <a:txBody>
+                    <a:bodyPr/>
+                    <a:lstStyle/>
+                    <a:p>
+                      <a:pPr algn="ctr" fontAlgn="b"/>
+                      <a:r>
+                        <a:rPr lang="en-US" sz="1200" b="1" i="0" u="none" strike="noStrike">
+                          <a:solidFill>
+                            <a:schemeClr val="bg1"/>
+                          </a:solidFill>
+                          <a:effectLst/>
+                          <a:latin typeface="Calibri" panose="020F0502020204030204" pitchFamily="34" charset="0"/>
+                        </a:rPr>
+                        <a:t>customername</a:t>
+                      </a:r>
+                    </a:p>
+                  </a:txBody>
+                  <a:tcPr marL="9525" marR="9525" marT="9525" marB="0" anchor="b"/>
+                </a:tc>
+                <a:tc>
+                  <a:txBody>
+                    <a:bodyPr/>
+                    <a:lstStyle/>
+                    <a:p>
+                      <a:pPr algn="ctr" fontAlgn="b"/>
+                      <a:r>
+                        <a:rPr lang="en-US" sz="1200" b="1" i="0" u="none" strike="noStrike" dirty="0">
+                          <a:solidFill>
+                            <a:schemeClr val="bg1"/>
+                          </a:solidFill>
+                          <a:effectLst/>
+                          <a:latin typeface="Calibri" panose="020F0502020204030204" pitchFamily="34" charset="0"/>
+                        </a:rPr>
+                        <a:t>price</a:t>
+                      </a:r>
+                    </a:p>
+                  </a:txBody>
+                  <a:tcPr marL="9525" marR="9525" marT="9525" marB="0" anchor="b"/>
+                </a:tc>
+                <a:extLst>
+                  <a:ext uri="{0D108BD9-81ED-4DB2-BD59-A6C34878D82A}">
+                    <a16:rowId xmlns:a16="http://schemas.microsoft.com/office/drawing/2014/main" val="3351867503"/>
+                  </a:ext>
+                </a:extLst>
+              </a:tr>
+              <a:tr h="247738">
+                <a:tc>
+                  <a:txBody>
+                    <a:bodyPr/>
+                    <a:lstStyle/>
+                    <a:p>
+                      <a:pPr algn="ctr" fontAlgn="b"/>
+                      <a:r>
+                        <a:rPr lang="en-US" sz="1200" b="0" i="0" u="none" strike="noStrike">
+                          <a:solidFill>
+                            <a:srgbClr val="000000"/>
+                          </a:solidFill>
+                          <a:effectLst/>
+                          <a:latin typeface="Calibri" panose="020F0502020204030204" pitchFamily="34" charset="0"/>
+                        </a:rPr>
+                        <a:t>10408</a:t>
+                      </a:r>
+                    </a:p>
+                  </a:txBody>
+                  <a:tcPr marL="9525" marR="9525" marT="9525" marB="0" anchor="b"/>
+                </a:tc>
+                <a:tc>
+                  <a:txBody>
+                    <a:bodyPr/>
+                    <a:lstStyle/>
+                    <a:p>
+                      <a:pPr algn="ctr" fontAlgn="b"/>
+                      <a:r>
+                        <a:rPr lang="en-US" sz="1200" b="0" i="0" u="none" strike="noStrike">
+                          <a:solidFill>
+                            <a:srgbClr val="000000"/>
+                          </a:solidFill>
+                          <a:effectLst/>
+                          <a:latin typeface="Calibri" panose="020F0502020204030204" pitchFamily="34" charset="0"/>
+                        </a:rPr>
+                        <a:t>Luis</a:t>
+                      </a:r>
+                    </a:p>
+                  </a:txBody>
+                  <a:tcPr marL="9525" marR="9525" marT="9525" marB="0" anchor="b"/>
+                </a:tc>
+                <a:tc>
+                  <a:txBody>
+                    <a:bodyPr/>
+                    <a:lstStyle/>
+                    <a:p>
+                      <a:pPr algn="ctr" fontAlgn="b"/>
+                      <a:r>
+                        <a:rPr lang="en-US" sz="1200" b="0" i="0" u="none" strike="noStrike">
+                          <a:solidFill>
+                            <a:srgbClr val="000000"/>
+                          </a:solidFill>
+                          <a:effectLst/>
+                          <a:latin typeface="Calibri" panose="020F0502020204030204" pitchFamily="34" charset="0"/>
+                        </a:rPr>
+                        <a:t>164.78</a:t>
+                      </a:r>
+                    </a:p>
+                  </a:txBody>
+                  <a:tcPr marL="9525" marR="9525" marT="9525" marB="0" anchor="b"/>
+                </a:tc>
+                <a:extLst>
+                  <a:ext uri="{0D108BD9-81ED-4DB2-BD59-A6C34878D82A}">
+                    <a16:rowId xmlns:a16="http://schemas.microsoft.com/office/drawing/2014/main" val="908513807"/>
+                  </a:ext>
+                </a:extLst>
+              </a:tr>
+              <a:tr h="247738">
+                <a:tc>
+                  <a:txBody>
+                    <a:bodyPr/>
+                    <a:lstStyle/>
+                    <a:p>
+                      <a:pPr algn="ctr" fontAlgn="b"/>
+                      <a:r>
+                        <a:rPr lang="en-US" sz="1200" b="0" i="0" u="none" strike="noStrike">
+                          <a:solidFill>
+                            <a:srgbClr val="000000"/>
+                          </a:solidFill>
+                          <a:effectLst/>
+                          <a:latin typeface="Calibri" panose="020F0502020204030204" pitchFamily="34" charset="0"/>
+                        </a:rPr>
+                        <a:t>10409</a:t>
+                      </a:r>
+                    </a:p>
+                  </a:txBody>
+                  <a:tcPr marL="9525" marR="9525" marT="9525" marB="0" anchor="b"/>
+                </a:tc>
+                <a:tc>
+                  <a:txBody>
+                    <a:bodyPr/>
+                    <a:lstStyle/>
+                    <a:p>
+                      <a:pPr algn="ctr" fontAlgn="b"/>
+                      <a:r>
+                        <a:rPr lang="en-US" sz="1200" b="0" i="0" u="none" strike="noStrike">
+                          <a:solidFill>
+                            <a:srgbClr val="000000"/>
+                          </a:solidFill>
+                          <a:effectLst/>
+                          <a:latin typeface="Calibri" panose="020F0502020204030204" pitchFamily="34" charset="0"/>
+                        </a:rPr>
+                        <a:t>Luis</a:t>
+                      </a:r>
+                    </a:p>
+                  </a:txBody>
+                  <a:tcPr marL="9525" marR="9525" marT="9525" marB="0" anchor="b"/>
+                </a:tc>
+                <a:tc>
+                  <a:txBody>
+                    <a:bodyPr/>
+                    <a:lstStyle/>
+                    <a:p>
+                      <a:pPr algn="ctr" fontAlgn="b"/>
+                      <a:r>
+                        <a:rPr lang="en-US" sz="1200" b="0" i="0" u="none" strike="noStrike">
+                          <a:solidFill>
+                            <a:srgbClr val="000000"/>
+                          </a:solidFill>
+                          <a:effectLst/>
+                          <a:latin typeface="Calibri" panose="020F0502020204030204" pitchFamily="34" charset="0"/>
+                        </a:rPr>
+                        <a:t>200.78</a:t>
+                      </a:r>
+                    </a:p>
+                  </a:txBody>
+                  <a:tcPr marL="9525" marR="9525" marT="9525" marB="0" anchor="b"/>
+                </a:tc>
+                <a:extLst>
+                  <a:ext uri="{0D108BD9-81ED-4DB2-BD59-A6C34878D82A}">
+                    <a16:rowId xmlns:a16="http://schemas.microsoft.com/office/drawing/2014/main" val="3723539422"/>
+                  </a:ext>
+                </a:extLst>
+              </a:tr>
+              <a:tr h="247738">
+                <a:tc>
+                  <a:txBody>
+                    <a:bodyPr/>
+                    <a:lstStyle/>
+                    <a:p>
+                      <a:pPr algn="ctr" fontAlgn="b"/>
+                      <a:r>
+                        <a:rPr lang="en-US" sz="1200" b="0" i="0" u="none" strike="noStrike">
+                          <a:solidFill>
+                            <a:srgbClr val="000000"/>
+                          </a:solidFill>
+                          <a:effectLst/>
+                          <a:latin typeface="Calibri" panose="020F0502020204030204" pitchFamily="34" charset="0"/>
+                        </a:rPr>
+                        <a:t>1010</a:t>
+                      </a:r>
+                    </a:p>
+                  </a:txBody>
+                  <a:tcPr marL="9525" marR="9525" marT="9525" marB="0" anchor="b"/>
+                </a:tc>
+                <a:tc>
+                  <a:txBody>
+                    <a:bodyPr/>
+                    <a:lstStyle/>
+                    <a:p>
+                      <a:pPr algn="ctr" fontAlgn="b"/>
+                      <a:r>
+                        <a:rPr lang="en-US" sz="1200" b="0" i="0" u="none" strike="noStrike">
+                          <a:solidFill>
+                            <a:srgbClr val="000000"/>
+                          </a:solidFill>
+                          <a:effectLst/>
+                          <a:latin typeface="Calibri" panose="020F0502020204030204" pitchFamily="34" charset="0"/>
+                        </a:rPr>
+                        <a:t>Mario</a:t>
+                      </a:r>
+                    </a:p>
+                  </a:txBody>
+                  <a:tcPr marL="9525" marR="9525" marT="9525" marB="0" anchor="b"/>
+                </a:tc>
+                <a:tc>
+                  <a:txBody>
+                    <a:bodyPr/>
+                    <a:lstStyle/>
+                    <a:p>
+                      <a:pPr algn="ctr" fontAlgn="b"/>
+                      <a:r>
+                        <a:rPr lang="en-US" sz="1200" b="0" i="0" u="none" strike="noStrike" dirty="0">
+                          <a:solidFill>
+                            <a:srgbClr val="000000"/>
+                          </a:solidFill>
+                          <a:effectLst/>
+                          <a:latin typeface="Calibri" panose="020F0502020204030204" pitchFamily="34" charset="0"/>
+                        </a:rPr>
+                        <a:t>300.78</a:t>
+                      </a:r>
+                    </a:p>
+                  </a:txBody>
+                  <a:tcPr marL="9525" marR="9525" marT="9525" marB="0" anchor="b"/>
+                </a:tc>
+                <a:extLst>
+                  <a:ext uri="{0D108BD9-81ED-4DB2-BD59-A6C34878D82A}">
+                    <a16:rowId xmlns:a16="http://schemas.microsoft.com/office/drawing/2014/main" val="3647957397"/>
+                  </a:ext>
+                </a:extLst>
+              </a:tr>
+            </a:tbl>
+          </a:graphicData>
+        </a:graphic>
+      </p:graphicFrame>
+    </p:spTree>
+    <p:extLst>
+      <p:ext uri="{BB962C8B-B14F-4D97-AF65-F5344CB8AC3E}">
+        <p14:creationId xmlns:p14="http://schemas.microsoft.com/office/powerpoint/2010/main" val="169465625"/>
+      </p:ext>
+    </p:extLst>
+  </p:cSld>
+  <p:clrMapOvr>
+    <a:masterClrMapping/>
+  </p:clrMapOvr>
+</p:sld>
+</file>
+
+<file path=ppt/slides/slide12.xml><?xml version="1.0" encoding="utf-8"?>
+<p:sld xmlns:a="http://schemas.openxmlformats.org/drawingml/2006/main" xmlns:r="http://schemas.openxmlformats.org/officeDocument/2006/relationships" xmlns:p="http://schemas.openxmlformats.org/presentationml/2006/main">
+  <p:cSld>
+    <p:spTree>
+      <p:nvGrpSpPr>
+        <p:cNvPr id="1" name=""/>
+        <p:cNvGrpSpPr/>
+        <p:nvPr/>
+      </p:nvGrpSpPr>
+      <p:grpSpPr>
+        <a:xfrm>
+          <a:off x="0" y="0"/>
+          <a:ext cx="0" cy="0"/>
+          <a:chOff x="0" y="0"/>
+          <a:chExt cx="0" cy="0"/>
+        </a:xfrm>
+      </p:grpSpPr>
+      <p:sp>
+        <p:nvSpPr>
+          <p:cNvPr id="2" name="Title 1">
+            <a:extLst>
+              <a:ext uri="{FF2B5EF4-FFF2-40B4-BE49-F238E27FC236}">
+                <a16:creationId xmlns:a16="http://schemas.microsoft.com/office/drawing/2014/main" id="{BA375E09-571E-7FCE-C65F-3EE63E40A813}"/>
+              </a:ext>
+            </a:extLst>
+          </p:cNvPr>
+          <p:cNvSpPr>
+            <a:spLocks noGrp="1"/>
+          </p:cNvSpPr>
+          <p:nvPr>
+            <p:ph type="ctrTitle"/>
+          </p:nvPr>
+        </p:nvSpPr>
+        <p:spPr>
+          <a:xfrm>
+            <a:off x="1524000" y="1122363"/>
+            <a:ext cx="9144000" cy="333904"/>
+          </a:xfrm>
+        </p:spPr>
+        <p:txBody>
+          <a:bodyPr>
+            <a:normAutofit fontScale="90000"/>
+          </a:bodyPr>
+          <a:lstStyle/>
+          <a:p>
+            <a:endParaRPr lang="en-US" dirty="0"/>
+          </a:p>
+        </p:txBody>
+      </p:sp>
+      <p:sp>
+        <p:nvSpPr>
+          <p:cNvPr id="3" name="Subtitle 2">
+            <a:extLst>
+              <a:ext uri="{FF2B5EF4-FFF2-40B4-BE49-F238E27FC236}">
+                <a16:creationId xmlns:a16="http://schemas.microsoft.com/office/drawing/2014/main" id="{C4A32862-0F11-2C12-1762-3474CB26F26C}"/>
+              </a:ext>
+            </a:extLst>
+          </p:cNvPr>
+          <p:cNvSpPr>
+            <a:spLocks noGrp="1"/>
+          </p:cNvSpPr>
+          <p:nvPr>
+            <p:ph type="subTitle" idx="1"/>
+          </p:nvPr>
+        </p:nvSpPr>
+        <p:spPr>
+          <a:xfrm>
+            <a:off x="2212848" y="1858963"/>
+            <a:ext cx="7808976" cy="4578413"/>
+          </a:xfrm>
+        </p:spPr>
+        <p:txBody>
+          <a:bodyPr>
+            <a:normAutofit/>
+          </a:bodyPr>
+          <a:lstStyle/>
+          <a:p>
+            <a:pPr algn="l"/>
+            <a:r>
+              <a:rPr lang="en-US" dirty="0"/>
+              <a:t>ORDERS  </a:t>
+            </a:r>
+          </a:p>
+          <a:p>
+            <a:pPr algn="l"/>
+            <a:endParaRPr lang="en-US" dirty="0"/>
+          </a:p>
+          <a:p>
+            <a:pPr algn="l"/>
+            <a:r>
+              <a:rPr lang="en-US" dirty="0"/>
+              <a:t>                                                              CUSTOMER</a:t>
+            </a:r>
+          </a:p>
+          <a:p>
+            <a:pPr algn="l"/>
+            <a:r>
+              <a:rPr lang="en-US" dirty="0"/>
+              <a:t>                                                              </a:t>
+            </a:r>
+          </a:p>
+          <a:p>
+            <a:pPr marL="342900" indent="-342900" algn="l">
+              <a:buFont typeface="Arial" panose="020B0604020202020204" pitchFamily="34" charset="0"/>
+              <a:buChar char="•"/>
+            </a:pPr>
+            <a:endParaRPr lang="en-US" dirty="0"/>
+          </a:p>
+        </p:txBody>
+      </p:sp>
+      <p:graphicFrame>
+        <p:nvGraphicFramePr>
+          <p:cNvPr id="8" name="Table 8">
+            <a:extLst>
+              <a:ext uri="{FF2B5EF4-FFF2-40B4-BE49-F238E27FC236}">
+                <a16:creationId xmlns:a16="http://schemas.microsoft.com/office/drawing/2014/main" id="{88512CF6-2C5B-059C-C47E-EEB757CC2B3B}"/>
+              </a:ext>
+            </a:extLst>
+          </p:cNvPr>
+          <p:cNvGraphicFramePr>
+            <a:graphicFrameLocks noGrp="1"/>
+          </p:cNvGraphicFramePr>
+          <p:nvPr/>
+        </p:nvGraphicFramePr>
+        <p:xfrm>
+          <a:off x="1524000" y="719666"/>
+          <a:ext cx="9144000" cy="457200"/>
+        </p:xfrm>
+        <a:graphic>
+          <a:graphicData uri="http://schemas.openxmlformats.org/drawingml/2006/table">
+            <a:tbl>
+              <a:tblPr firstRow="1" bandRow="1">
+                <a:tableStyleId>{6E25E649-3F16-4E02-A733-19D2CDBF48F0}</a:tableStyleId>
+              </a:tblPr>
+              <a:tblGrid>
+                <a:gridCol w="9144000">
+                  <a:extLst>
+                    <a:ext uri="{9D8B030D-6E8A-4147-A177-3AD203B41FA5}">
+                      <a16:colId xmlns:a16="http://schemas.microsoft.com/office/drawing/2014/main" val="4251934507"/>
+                    </a:ext>
+                  </a:extLst>
+                </a:gridCol>
+              </a:tblGrid>
+              <a:tr h="370840">
+                <a:tc>
+                  <a:txBody>
+                    <a:bodyPr/>
+                    <a:lstStyle/>
+                    <a:p>
+                      <a:pPr algn="ctr"/>
+                      <a:r>
+                        <a:rPr lang="en-US" sz="2400" b="1" i="0" kern="1200" dirty="0">
+                          <a:solidFill>
+                            <a:schemeClr val="lt1"/>
+                          </a:solidFill>
+                          <a:effectLst/>
+                          <a:latin typeface="+mn-lt"/>
+                          <a:ea typeface="+mn-ea"/>
+                          <a:cs typeface="+mn-cs"/>
+                        </a:rPr>
+                        <a:t>The Venn diagram representation of INNER JOIN is shown below.</a:t>
+                      </a:r>
+                      <a:endParaRPr lang="en-US" sz="2400" b="1" dirty="0"/>
+                    </a:p>
+                  </a:txBody>
+                  <a:tcPr/>
+                </a:tc>
+                <a:extLst>
+                  <a:ext uri="{0D108BD9-81ED-4DB2-BD59-A6C34878D82A}">
+                    <a16:rowId xmlns:a16="http://schemas.microsoft.com/office/drawing/2014/main" val="428078644"/>
+                  </a:ext>
+                </a:extLst>
+              </a:tr>
+            </a:tbl>
+          </a:graphicData>
+        </a:graphic>
+      </p:graphicFrame>
+      <p:sp>
+        <p:nvSpPr>
+          <p:cNvPr id="7" name="TextBox 6">
+            <a:extLst>
+              <a:ext uri="{FF2B5EF4-FFF2-40B4-BE49-F238E27FC236}">
+                <a16:creationId xmlns:a16="http://schemas.microsoft.com/office/drawing/2014/main" id="{E66C5DC4-79D8-10C4-9178-3C52E1E83A3E}"/>
+              </a:ext>
+            </a:extLst>
+          </p:cNvPr>
+          <p:cNvSpPr txBox="1"/>
+          <p:nvPr/>
+        </p:nvSpPr>
+        <p:spPr>
+          <a:xfrm>
+            <a:off x="1430915" y="3870297"/>
+            <a:ext cx="9654180" cy="2585323"/>
+          </a:xfrm>
+          <a:prstGeom prst="rect">
+            <a:avLst/>
+          </a:prstGeom>
+          <a:noFill/>
+        </p:spPr>
+        <p:txBody>
+          <a:bodyPr wrap="square">
+            <a:spAutoFit/>
+          </a:bodyPr>
+          <a:lstStyle/>
+          <a:p>
+            <a:br>
+              <a:rPr lang="en-US" dirty="0"/>
+            </a:br>
+            <a:endParaRPr lang="en-US" dirty="0"/>
+          </a:p>
+          <a:p>
+            <a:pPr rtl="0">
+              <a:spcBef>
+                <a:spcPts val="0"/>
+              </a:spcBef>
+              <a:spcAft>
+                <a:spcPts val="0"/>
+              </a:spcAft>
+            </a:pPr>
+            <a:r>
+              <a:rPr lang="en-US" sz="1600" dirty="0"/>
+              <a:t> </a:t>
+            </a:r>
+            <a:r>
+              <a:rPr lang="en-US" sz="1600" b="0" i="0" u="none" strike="noStrike" dirty="0">
+                <a:solidFill>
+                  <a:srgbClr val="1A202C"/>
+                </a:solidFill>
+                <a:effectLst/>
+                <a:latin typeface="Arial" panose="020B0604020202020204" pitchFamily="34" charset="0"/>
+              </a:rPr>
+              <a:t>SELECT OrderID, CustomerName, Price </a:t>
+            </a:r>
+          </a:p>
+          <a:p>
+            <a:pPr rtl="0">
+              <a:spcBef>
+                <a:spcPts val="0"/>
+              </a:spcBef>
+              <a:spcAft>
+                <a:spcPts val="0"/>
+              </a:spcAft>
+            </a:pPr>
+            <a:r>
+              <a:rPr lang="en-US" sz="1600" b="0" i="0" u="none" strike="noStrike" dirty="0">
+                <a:solidFill>
+                  <a:srgbClr val="1A202C"/>
+                </a:solidFill>
+                <a:effectLst/>
+                <a:latin typeface="Arial" panose="020B0604020202020204" pitchFamily="34" charset="0"/>
+              </a:rPr>
+              <a:t>	FROM Orders</a:t>
+            </a:r>
+          </a:p>
+          <a:p>
+            <a:pPr rtl="0">
+              <a:spcBef>
+                <a:spcPts val="0"/>
+              </a:spcBef>
+              <a:spcAft>
+                <a:spcPts val="0"/>
+              </a:spcAft>
+            </a:pPr>
+            <a:r>
+              <a:rPr lang="en-US" sz="1600" b="0" i="0" u="none" strike="noStrike" dirty="0">
+                <a:solidFill>
+                  <a:srgbClr val="1A202C"/>
+                </a:solidFill>
+                <a:effectLst/>
+                <a:latin typeface="Arial" panose="020B0604020202020204" pitchFamily="34" charset="0"/>
+              </a:rPr>
+              <a:t>	INNER JOIN Customer</a:t>
+            </a:r>
+          </a:p>
+          <a:p>
+            <a:r>
+              <a:rPr lang="en-US" sz="1600" b="0" i="0" u="none" strike="noStrike" dirty="0">
+                <a:solidFill>
+                  <a:srgbClr val="1A202C"/>
+                </a:solidFill>
+                <a:effectLst/>
+                <a:latin typeface="Arial" panose="020B0604020202020204" pitchFamily="34" charset="0"/>
+              </a:rPr>
+              <a:t>	ON </a:t>
+            </a:r>
+            <a:r>
+              <a:rPr lang="en-US" sz="1600" b="0" i="0" u="none" strike="noStrike" dirty="0" err="1">
+                <a:solidFill>
+                  <a:srgbClr val="1A202C"/>
+                </a:solidFill>
+                <a:effectLst/>
+                <a:latin typeface="Arial" panose="020B0604020202020204" pitchFamily="34" charset="0"/>
+              </a:rPr>
+              <a:t>Orders.CustomerID</a:t>
+            </a:r>
+            <a:r>
+              <a:rPr lang="en-US" sz="1600" b="0" i="0" u="none" strike="noStrike" dirty="0">
+                <a:solidFill>
+                  <a:srgbClr val="1A202C"/>
+                </a:solidFill>
+                <a:effectLst/>
+                <a:latin typeface="Arial" panose="020B0604020202020204" pitchFamily="34" charset="0"/>
+              </a:rPr>
+              <a:t> = </a:t>
+            </a:r>
+            <a:r>
+              <a:rPr lang="en-US" sz="1600" b="0" i="0" u="none" strike="noStrike" dirty="0" err="1">
+                <a:solidFill>
+                  <a:srgbClr val="1A202C"/>
+                </a:solidFill>
+                <a:effectLst/>
+                <a:latin typeface="Arial" panose="020B0604020202020204" pitchFamily="34" charset="0"/>
+              </a:rPr>
+              <a:t>Customer.CustomerID</a:t>
+            </a:r>
+            <a:r>
+              <a:rPr lang="en-US" sz="1600" b="0" i="0" u="none" strike="noStrike" dirty="0">
+                <a:solidFill>
+                  <a:srgbClr val="1A202C"/>
+                </a:solidFill>
+                <a:effectLst/>
+                <a:latin typeface="Arial" panose="020B0604020202020204" pitchFamily="34" charset="0"/>
+              </a:rPr>
+              <a:t>;     </a:t>
+            </a:r>
+          </a:p>
+          <a:p>
+            <a:r>
+              <a:rPr lang="en-US" sz="1600" b="0" i="0" u="none" strike="noStrike" dirty="0">
+                <a:solidFill>
+                  <a:srgbClr val="1A202C"/>
+                </a:solidFill>
+                <a:effectLst/>
+                <a:latin typeface="Arial" panose="020B0604020202020204" pitchFamily="34" charset="0"/>
+              </a:rPr>
+              <a:t> </a:t>
+            </a:r>
+          </a:p>
+          <a:p>
+            <a:r>
+              <a:rPr lang="en-US" sz="1600" b="0" i="0" u="none" strike="noStrike" dirty="0">
+                <a:solidFill>
+                  <a:srgbClr val="1A202C"/>
+                </a:solidFill>
+                <a:effectLst/>
+                <a:latin typeface="Arial" panose="020B0604020202020204" pitchFamily="34" charset="0"/>
+              </a:rPr>
+              <a:t>RESULT:</a:t>
+            </a:r>
+          </a:p>
+          <a:p>
+            <a:r>
+              <a:rPr lang="en-US" sz="1600" b="0" i="0" u="none" strike="noStrike" dirty="0">
+                <a:solidFill>
+                  <a:srgbClr val="1A202C"/>
+                </a:solidFill>
+                <a:effectLst/>
+                <a:latin typeface="Arial" panose="020B0604020202020204" pitchFamily="34" charset="0"/>
+              </a:rPr>
+              <a:t>                </a:t>
+            </a:r>
+            <a:endParaRPr lang="en-US" sz="2000" dirty="0"/>
+          </a:p>
+          <a:p>
+            <a:pPr rtl="0">
+              <a:spcBef>
+                <a:spcPts val="0"/>
+              </a:spcBef>
+              <a:spcAft>
+                <a:spcPts val="0"/>
+              </a:spcAft>
+            </a:pPr>
+            <a:endParaRPr lang="en-US" sz="1400" dirty="0"/>
+          </a:p>
+        </p:txBody>
+      </p:sp>
+      <p:pic>
+        <p:nvPicPr>
+          <p:cNvPr id="13" name="Picture 12">
+            <a:extLst>
+              <a:ext uri="{FF2B5EF4-FFF2-40B4-BE49-F238E27FC236}">
+                <a16:creationId xmlns:a16="http://schemas.microsoft.com/office/drawing/2014/main" id="{FACEBB91-5380-B613-8527-7FD973B76228}"/>
+              </a:ext>
+            </a:extLst>
+          </p:cNvPr>
+          <p:cNvPicPr>
+            <a:picLocks noChangeAspect="1"/>
+          </p:cNvPicPr>
+          <p:nvPr/>
+        </p:nvPicPr>
+        <p:blipFill>
+          <a:blip r:embed="rId2"/>
+          <a:stretch>
+            <a:fillRect/>
+          </a:stretch>
+        </p:blipFill>
+        <p:spPr>
+          <a:xfrm>
+            <a:off x="5226847" y="1257300"/>
+            <a:ext cx="1780978" cy="1100888"/>
+          </a:xfrm>
+          <a:prstGeom prst="rect">
+            <a:avLst/>
+          </a:prstGeom>
+        </p:spPr>
+      </p:pic>
+      <p:graphicFrame>
+        <p:nvGraphicFramePr>
+          <p:cNvPr id="4" name="Table 4">
+            <a:extLst>
+              <a:ext uri="{FF2B5EF4-FFF2-40B4-BE49-F238E27FC236}">
+                <a16:creationId xmlns:a16="http://schemas.microsoft.com/office/drawing/2014/main" id="{D6C729C4-396D-D3B7-842F-EECCEF693A3A}"/>
+              </a:ext>
+            </a:extLst>
+          </p:cNvPr>
+          <p:cNvGraphicFramePr>
+            <a:graphicFrameLocks noGrp="1"/>
+          </p:cNvGraphicFramePr>
+          <p:nvPr>
+            <p:extLst>
+              <p:ext uri="{D42A27DB-BD31-4B8C-83A1-F6EECF244321}">
+                <p14:modId xmlns:p14="http://schemas.microsoft.com/office/powerpoint/2010/main" val="1508302484"/>
+              </p:ext>
+            </p:extLst>
+          </p:nvPr>
+        </p:nvGraphicFramePr>
+        <p:xfrm>
+          <a:off x="1609342" y="2438622"/>
+          <a:ext cx="4053077" cy="1304925"/>
+        </p:xfrm>
+        <a:graphic>
+          <a:graphicData uri="http://schemas.openxmlformats.org/drawingml/2006/table">
+            <a:tbl>
+              <a:tblPr firstRow="1" bandRow="1">
+                <a:tableStyleId>{5C22544A-7EE6-4342-B048-85BDC9FD1C3A}</a:tableStyleId>
+              </a:tblPr>
+              <a:tblGrid>
+                <a:gridCol w="655275">
+                  <a:extLst>
+                    <a:ext uri="{9D8B030D-6E8A-4147-A177-3AD203B41FA5}">
+                      <a16:colId xmlns:a16="http://schemas.microsoft.com/office/drawing/2014/main" val="4281797432"/>
+                    </a:ext>
+                  </a:extLst>
+                </a:gridCol>
+                <a:gridCol w="1001233">
+                  <a:extLst>
+                    <a:ext uri="{9D8B030D-6E8A-4147-A177-3AD203B41FA5}">
+                      <a16:colId xmlns:a16="http://schemas.microsoft.com/office/drawing/2014/main" val="237440901"/>
+                    </a:ext>
+                  </a:extLst>
+                </a:gridCol>
+                <a:gridCol w="1022536">
+                  <a:extLst>
+                    <a:ext uri="{9D8B030D-6E8A-4147-A177-3AD203B41FA5}">
+                      <a16:colId xmlns:a16="http://schemas.microsoft.com/office/drawing/2014/main" val="3447409254"/>
+                    </a:ext>
+                  </a:extLst>
+                </a:gridCol>
+                <a:gridCol w="862765">
+                  <a:extLst>
+                    <a:ext uri="{9D8B030D-6E8A-4147-A177-3AD203B41FA5}">
+                      <a16:colId xmlns:a16="http://schemas.microsoft.com/office/drawing/2014/main" val="888093024"/>
+                    </a:ext>
+                  </a:extLst>
+                </a:gridCol>
+                <a:gridCol w="511268">
+                  <a:extLst>
+                    <a:ext uri="{9D8B030D-6E8A-4147-A177-3AD203B41FA5}">
+                      <a16:colId xmlns:a16="http://schemas.microsoft.com/office/drawing/2014/main" val="4218543662"/>
+                    </a:ext>
+                  </a:extLst>
+                </a:gridCol>
+              </a:tblGrid>
+              <a:tr h="0">
+                <a:tc>
+                  <a:txBody>
+                    <a:bodyPr/>
+                    <a:lstStyle/>
+                    <a:p>
+                      <a:pPr algn="l" fontAlgn="b"/>
+                      <a:r>
+                        <a:rPr lang="en-US" sz="1200" b="1" i="0" u="none" strike="noStrike">
+                          <a:solidFill>
+                            <a:schemeClr val="bg1"/>
+                          </a:solidFill>
+                          <a:effectLst/>
+                          <a:latin typeface="Calibri" panose="020F0502020204030204" pitchFamily="34" charset="0"/>
+                        </a:rPr>
+                        <a:t>orderid</a:t>
+                      </a:r>
+                    </a:p>
+                  </a:txBody>
+                  <a:tcPr marL="9525" marR="9525" marT="9525" marB="0" anchor="b"/>
+                </a:tc>
+                <a:tc>
+                  <a:txBody>
+                    <a:bodyPr/>
+                    <a:lstStyle/>
+                    <a:p>
+                      <a:pPr algn="l" fontAlgn="b"/>
+                      <a:r>
+                        <a:rPr lang="en-US" sz="1200" b="1" i="0" u="none" strike="noStrike">
+                          <a:solidFill>
+                            <a:schemeClr val="bg1"/>
+                          </a:solidFill>
+                          <a:effectLst/>
+                          <a:latin typeface="Calibri" panose="020F0502020204030204" pitchFamily="34" charset="0"/>
+                        </a:rPr>
+                        <a:t>customerid</a:t>
+                      </a:r>
+                    </a:p>
+                  </a:txBody>
+                  <a:tcPr marL="9525" marR="9525" marT="9525" marB="0" anchor="b"/>
+                </a:tc>
+                <a:tc>
+                  <a:txBody>
+                    <a:bodyPr/>
+                    <a:lstStyle/>
+                    <a:p>
+                      <a:pPr algn="l" fontAlgn="b"/>
+                      <a:r>
+                        <a:rPr lang="en-US" sz="1200" b="1" i="0" u="none" strike="noStrike" dirty="0">
+                          <a:solidFill>
+                            <a:schemeClr val="bg1"/>
+                          </a:solidFill>
+                          <a:effectLst/>
+                          <a:latin typeface="Calibri" panose="020F0502020204030204" pitchFamily="34" charset="0"/>
+                        </a:rPr>
+                        <a:t>employeeid</a:t>
+                      </a:r>
+                    </a:p>
+                  </a:txBody>
+                  <a:tcPr marL="9525" marR="9525" marT="9525" marB="0" anchor="b"/>
+                </a:tc>
+                <a:tc>
+                  <a:txBody>
+                    <a:bodyPr/>
+                    <a:lstStyle/>
+                    <a:p>
+                      <a:pPr algn="l" fontAlgn="b"/>
+                      <a:r>
+                        <a:rPr lang="en-US" sz="1200" b="1" i="0" u="none" strike="noStrike">
+                          <a:solidFill>
+                            <a:schemeClr val="bg1"/>
+                          </a:solidFill>
+                          <a:effectLst/>
+                          <a:latin typeface="Calibri" panose="020F0502020204030204" pitchFamily="34" charset="0"/>
+                        </a:rPr>
+                        <a:t>orderdate</a:t>
+                      </a:r>
+                    </a:p>
+                  </a:txBody>
+                  <a:tcPr marL="9525" marR="9525" marT="9525" marB="0" anchor="b"/>
+                </a:tc>
+                <a:tc>
+                  <a:txBody>
+                    <a:bodyPr/>
+                    <a:lstStyle/>
+                    <a:p>
+                      <a:pPr algn="l" fontAlgn="b"/>
+                      <a:r>
+                        <a:rPr lang="en-US" sz="1200" b="1" i="0" u="none" strike="noStrike" dirty="0">
+                          <a:solidFill>
+                            <a:schemeClr val="bg1"/>
+                          </a:solidFill>
+                          <a:effectLst/>
+                          <a:latin typeface="Calibri" panose="020F0502020204030204" pitchFamily="34" charset="0"/>
+                        </a:rPr>
+                        <a:t>price</a:t>
+                      </a:r>
+                    </a:p>
+                  </a:txBody>
+                  <a:tcPr marL="9525" marR="9525" marT="9525" marB="0" anchor="b"/>
+                </a:tc>
+                <a:extLst>
+                  <a:ext uri="{0D108BD9-81ED-4DB2-BD59-A6C34878D82A}">
+                    <a16:rowId xmlns:a16="http://schemas.microsoft.com/office/drawing/2014/main" val="594612673"/>
+                  </a:ext>
+                </a:extLst>
+              </a:tr>
+              <a:tr h="370840">
+                <a:tc>
+                  <a:txBody>
+                    <a:bodyPr/>
+                    <a:lstStyle/>
+                    <a:p>
+                      <a:pPr algn="ctr" fontAlgn="b"/>
+                      <a:r>
+                        <a:rPr lang="en-US" sz="1100" b="0" i="0" u="none" strike="noStrike" dirty="0">
+                          <a:solidFill>
+                            <a:srgbClr val="000000"/>
+                          </a:solidFill>
+                          <a:effectLst/>
+                          <a:latin typeface="Calibri" panose="020F0502020204030204" pitchFamily="34" charset="0"/>
+                        </a:rPr>
+                        <a:t>10408</a:t>
+                      </a:r>
+                    </a:p>
+                  </a:txBody>
+                  <a:tcPr marL="9525" marR="9525" marT="9525" marB="0" anchor="b">
+                    <a:solidFill>
+                      <a:srgbClr val="92D050"/>
+                    </a:solidFill>
+                  </a:tcPr>
+                </a:tc>
+                <a:tc>
+                  <a:txBody>
+                    <a:bodyPr/>
+                    <a:lstStyle/>
+                    <a:p>
+                      <a:pPr algn="ctr" fontAlgn="b"/>
+                      <a:r>
+                        <a:rPr lang="en-US" sz="1100" b="0" i="0" u="none" strike="noStrike" dirty="0">
+                          <a:solidFill>
+                            <a:srgbClr val="000000"/>
+                          </a:solidFill>
+                          <a:effectLst/>
+                          <a:latin typeface="Calibri" panose="020F0502020204030204" pitchFamily="34" charset="0"/>
+                        </a:rPr>
+                        <a:t>2</a:t>
+                      </a:r>
+                    </a:p>
+                  </a:txBody>
+                  <a:tcPr marL="9525" marR="9525" marT="9525" marB="0" anchor="b">
+                    <a:solidFill>
+                      <a:srgbClr val="FFC000"/>
+                    </a:solidFill>
+                  </a:tcPr>
+                </a:tc>
+                <a:tc>
+                  <a:txBody>
+                    <a:bodyPr/>
+                    <a:lstStyle/>
+                    <a:p>
+                      <a:pPr algn="ctr" fontAlgn="b"/>
+                      <a:r>
+                        <a:rPr lang="en-US" sz="1100" b="0" i="0" u="none" strike="noStrike">
+                          <a:solidFill>
+                            <a:srgbClr val="000000"/>
+                          </a:solidFill>
+                          <a:effectLst/>
+                          <a:latin typeface="Calibri" panose="020F0502020204030204" pitchFamily="34" charset="0"/>
+                        </a:rPr>
+                        <a:t>7</a:t>
+                      </a:r>
+                    </a:p>
+                  </a:txBody>
+                  <a:tcPr marL="9525" marR="9525" marT="9525" marB="0" anchor="b"/>
+                </a:tc>
+                <a:tc>
+                  <a:txBody>
+                    <a:bodyPr/>
+                    <a:lstStyle/>
+                    <a:p>
+                      <a:pPr algn="ctr" fontAlgn="b"/>
+                      <a:r>
+                        <a:rPr lang="en-US" sz="1100" b="0" i="0" u="none" strike="noStrike">
+                          <a:solidFill>
+                            <a:srgbClr val="000000"/>
+                          </a:solidFill>
+                          <a:effectLst/>
+                          <a:latin typeface="Calibri" panose="020F0502020204030204" pitchFamily="34" charset="0"/>
+                        </a:rPr>
+                        <a:t>10/19/2022</a:t>
+                      </a:r>
+                    </a:p>
+                  </a:txBody>
+                  <a:tcPr marL="9525" marR="9525" marT="9525" marB="0" anchor="b"/>
+                </a:tc>
+                <a:tc>
+                  <a:txBody>
+                    <a:bodyPr/>
+                    <a:lstStyle/>
+                    <a:p>
+                      <a:pPr algn="ctr" fontAlgn="b"/>
+                      <a:r>
+                        <a:rPr lang="en-US" sz="1100" b="0" i="0" u="none" strike="noStrike" dirty="0">
+                          <a:solidFill>
+                            <a:srgbClr val="000000"/>
+                          </a:solidFill>
+                          <a:effectLst/>
+                          <a:latin typeface="Calibri" panose="020F0502020204030204" pitchFamily="34" charset="0"/>
+                        </a:rPr>
+                        <a:t>164.78</a:t>
+                      </a:r>
+                    </a:p>
+                  </a:txBody>
+                  <a:tcPr marL="9525" marR="9525" marT="9525" marB="0" anchor="b">
+                    <a:solidFill>
+                      <a:srgbClr val="92D050"/>
+                    </a:solidFill>
+                  </a:tcPr>
+                </a:tc>
+                <a:extLst>
+                  <a:ext uri="{0D108BD9-81ED-4DB2-BD59-A6C34878D82A}">
+                    <a16:rowId xmlns:a16="http://schemas.microsoft.com/office/drawing/2014/main" val="3284073844"/>
+                  </a:ext>
+                </a:extLst>
+              </a:tr>
+              <a:tr h="370840">
+                <a:tc>
+                  <a:txBody>
+                    <a:bodyPr/>
+                    <a:lstStyle/>
+                    <a:p>
+                      <a:pPr algn="ctr" fontAlgn="b"/>
+                      <a:r>
+                        <a:rPr lang="en-US" sz="1100" b="0" i="0" u="none" strike="noStrike" dirty="0">
+                          <a:solidFill>
+                            <a:srgbClr val="000000"/>
+                          </a:solidFill>
+                          <a:effectLst/>
+                          <a:latin typeface="Calibri" panose="020F0502020204030204" pitchFamily="34" charset="0"/>
+                        </a:rPr>
+                        <a:t>10409</a:t>
+                      </a:r>
+                    </a:p>
+                  </a:txBody>
+                  <a:tcPr marL="9525" marR="9525" marT="9525" marB="0" anchor="b">
+                    <a:solidFill>
+                      <a:srgbClr val="92D050"/>
+                    </a:solidFill>
+                  </a:tcPr>
+                </a:tc>
+                <a:tc>
+                  <a:txBody>
+                    <a:bodyPr/>
+                    <a:lstStyle/>
+                    <a:p>
+                      <a:pPr algn="ctr" fontAlgn="b"/>
+                      <a:r>
+                        <a:rPr lang="en-US" sz="1100" b="0" i="0" u="none" strike="noStrike" dirty="0">
+                          <a:solidFill>
+                            <a:srgbClr val="000000"/>
+                          </a:solidFill>
+                          <a:effectLst/>
+                          <a:latin typeface="Calibri" panose="020F0502020204030204" pitchFamily="34" charset="0"/>
+                        </a:rPr>
+                        <a:t>2</a:t>
+                      </a:r>
+                    </a:p>
+                  </a:txBody>
+                  <a:tcPr marL="9525" marR="9525" marT="9525" marB="0" anchor="b">
+                    <a:solidFill>
+                      <a:srgbClr val="FFC000"/>
+                    </a:solidFill>
+                  </a:tcPr>
+                </a:tc>
+                <a:tc>
+                  <a:txBody>
+                    <a:bodyPr/>
+                    <a:lstStyle/>
+                    <a:p>
+                      <a:pPr algn="ctr" fontAlgn="b"/>
+                      <a:r>
+                        <a:rPr lang="en-US" sz="1100" b="0" i="0" u="none" strike="noStrike" dirty="0">
+                          <a:solidFill>
+                            <a:srgbClr val="000000"/>
+                          </a:solidFill>
+                          <a:effectLst/>
+                          <a:latin typeface="Calibri" panose="020F0502020204030204" pitchFamily="34" charset="0"/>
+                        </a:rPr>
+                        <a:t>5</a:t>
+                      </a:r>
+                    </a:p>
+                  </a:txBody>
+                  <a:tcPr marL="9525" marR="9525" marT="9525" marB="0" anchor="b"/>
+                </a:tc>
+                <a:tc>
+                  <a:txBody>
+                    <a:bodyPr/>
+                    <a:lstStyle/>
+                    <a:p>
+                      <a:pPr algn="ctr" fontAlgn="b"/>
+                      <a:r>
+                        <a:rPr lang="en-US" sz="1100" b="0" i="0" u="none" strike="noStrike" dirty="0">
+                          <a:solidFill>
+                            <a:srgbClr val="000000"/>
+                          </a:solidFill>
+                          <a:effectLst/>
+                          <a:latin typeface="Calibri" panose="020F0502020204030204" pitchFamily="34" charset="0"/>
+                        </a:rPr>
+                        <a:t>10/20/2022</a:t>
+                      </a:r>
+                    </a:p>
+                  </a:txBody>
+                  <a:tcPr marL="9525" marR="9525" marT="9525" marB="0" anchor="b"/>
+                </a:tc>
+                <a:tc>
+                  <a:txBody>
+                    <a:bodyPr/>
+                    <a:lstStyle/>
+                    <a:p>
+                      <a:pPr algn="ctr" fontAlgn="b"/>
+                      <a:r>
+                        <a:rPr lang="en-US" sz="1100" b="0" i="0" u="none" strike="noStrike" dirty="0">
+                          <a:solidFill>
+                            <a:srgbClr val="000000"/>
+                          </a:solidFill>
+                          <a:effectLst/>
+                          <a:latin typeface="Calibri" panose="020F0502020204030204" pitchFamily="34" charset="0"/>
+                        </a:rPr>
+                        <a:t>200.78</a:t>
+                      </a:r>
+                    </a:p>
+                  </a:txBody>
+                  <a:tcPr marL="9525" marR="9525" marT="9525" marB="0" anchor="b">
+                    <a:solidFill>
+                      <a:srgbClr val="92D050"/>
+                    </a:solidFill>
+                  </a:tcPr>
+                </a:tc>
+                <a:extLst>
+                  <a:ext uri="{0D108BD9-81ED-4DB2-BD59-A6C34878D82A}">
+                    <a16:rowId xmlns:a16="http://schemas.microsoft.com/office/drawing/2014/main" val="3253801685"/>
+                  </a:ext>
+                </a:extLst>
+              </a:tr>
+              <a:tr h="370840">
+                <a:tc>
+                  <a:txBody>
+                    <a:bodyPr/>
+                    <a:lstStyle/>
+                    <a:p>
+                      <a:pPr algn="ctr" fontAlgn="b"/>
+                      <a:r>
+                        <a:rPr lang="en-US" sz="1100" b="0" i="0" u="none" strike="noStrike" dirty="0">
+                          <a:solidFill>
+                            <a:srgbClr val="000000"/>
+                          </a:solidFill>
+                          <a:effectLst/>
+                          <a:latin typeface="Calibri" panose="020F0502020204030204" pitchFamily="34" charset="0"/>
+                        </a:rPr>
+                        <a:t>1010</a:t>
+                      </a:r>
+                    </a:p>
+                  </a:txBody>
+                  <a:tcPr marL="9525" marR="9525" marT="9525" marB="0" anchor="b">
+                    <a:solidFill>
+                      <a:srgbClr val="92D050"/>
+                    </a:solidFill>
+                  </a:tcPr>
+                </a:tc>
+                <a:tc>
+                  <a:txBody>
+                    <a:bodyPr/>
+                    <a:lstStyle/>
+                    <a:p>
+                      <a:pPr algn="ctr" fontAlgn="b"/>
+                      <a:r>
+                        <a:rPr lang="en-US" sz="1100" b="0" i="0" u="none" strike="noStrike" dirty="0">
+                          <a:solidFill>
+                            <a:srgbClr val="000000"/>
+                          </a:solidFill>
+                          <a:effectLst/>
+                          <a:latin typeface="Calibri" panose="020F0502020204030204" pitchFamily="34" charset="0"/>
+                        </a:rPr>
+                        <a:t>1</a:t>
+                      </a:r>
+                    </a:p>
+                  </a:txBody>
+                  <a:tcPr marL="9525" marR="9525" marT="9525" marB="0" anchor="b">
+                    <a:solidFill>
+                      <a:srgbClr val="FFC000"/>
+                    </a:solidFill>
+                  </a:tcPr>
+                </a:tc>
+                <a:tc>
+                  <a:txBody>
+                    <a:bodyPr/>
+                    <a:lstStyle/>
+                    <a:p>
+                      <a:pPr algn="ctr" fontAlgn="b"/>
+                      <a:r>
+                        <a:rPr lang="en-US" sz="1100" b="0" i="0" u="none" strike="noStrike" dirty="0">
+                          <a:solidFill>
+                            <a:srgbClr val="000000"/>
+                          </a:solidFill>
+                          <a:effectLst/>
+                          <a:latin typeface="Calibri" panose="020F0502020204030204" pitchFamily="34" charset="0"/>
+                        </a:rPr>
+                        <a:t>6</a:t>
+                      </a:r>
+                    </a:p>
+                  </a:txBody>
+                  <a:tcPr marL="9525" marR="9525" marT="9525" marB="0" anchor="b"/>
+                </a:tc>
+                <a:tc>
+                  <a:txBody>
+                    <a:bodyPr/>
+                    <a:lstStyle/>
+                    <a:p>
+                      <a:pPr algn="ctr" fontAlgn="b"/>
+                      <a:r>
+                        <a:rPr lang="en-US" sz="1100" b="0" i="0" u="none" strike="noStrike">
+                          <a:solidFill>
+                            <a:srgbClr val="000000"/>
+                          </a:solidFill>
+                          <a:effectLst/>
+                          <a:latin typeface="Calibri" panose="020F0502020204030204" pitchFamily="34" charset="0"/>
+                        </a:rPr>
+                        <a:t>10/21/2020</a:t>
+                      </a:r>
+                    </a:p>
+                  </a:txBody>
+                  <a:tcPr marL="9525" marR="9525" marT="9525" marB="0" anchor="b"/>
+                </a:tc>
+                <a:tc>
+                  <a:txBody>
+                    <a:bodyPr/>
+                    <a:lstStyle/>
+                    <a:p>
+                      <a:pPr algn="ctr" fontAlgn="b"/>
+                      <a:r>
+                        <a:rPr lang="en-US" sz="1100" b="0" i="0" u="none" strike="noStrike" dirty="0">
+                          <a:solidFill>
+                            <a:srgbClr val="000000"/>
+                          </a:solidFill>
+                          <a:effectLst/>
+                          <a:latin typeface="Calibri" panose="020F0502020204030204" pitchFamily="34" charset="0"/>
+                        </a:rPr>
+                        <a:t>300.78</a:t>
+                      </a:r>
+                    </a:p>
+                  </a:txBody>
+                  <a:tcPr marL="9525" marR="9525" marT="9525" marB="0" anchor="b">
+                    <a:solidFill>
+                      <a:srgbClr val="92D050"/>
+                    </a:solidFill>
+                  </a:tcPr>
+                </a:tc>
+                <a:extLst>
+                  <a:ext uri="{0D108BD9-81ED-4DB2-BD59-A6C34878D82A}">
+                    <a16:rowId xmlns:a16="http://schemas.microsoft.com/office/drawing/2014/main" val="2983064871"/>
+                  </a:ext>
+                </a:extLst>
+              </a:tr>
+            </a:tbl>
+          </a:graphicData>
+        </a:graphic>
+      </p:graphicFrame>
+      <p:graphicFrame>
+        <p:nvGraphicFramePr>
+          <p:cNvPr id="5" name="Table 5">
+            <a:extLst>
+              <a:ext uri="{FF2B5EF4-FFF2-40B4-BE49-F238E27FC236}">
+                <a16:creationId xmlns:a16="http://schemas.microsoft.com/office/drawing/2014/main" id="{C1B7487F-F43C-DF62-049D-2842B9DF3048}"/>
+              </a:ext>
+            </a:extLst>
+          </p:cNvPr>
+          <p:cNvGraphicFramePr>
+            <a:graphicFrameLocks noGrp="1"/>
+          </p:cNvGraphicFramePr>
+          <p:nvPr>
+            <p:extLst>
+              <p:ext uri="{D42A27DB-BD31-4B8C-83A1-F6EECF244321}">
+                <p14:modId xmlns:p14="http://schemas.microsoft.com/office/powerpoint/2010/main" val="1850977550"/>
+              </p:ext>
+            </p:extLst>
+          </p:nvPr>
+        </p:nvGraphicFramePr>
+        <p:xfrm>
+          <a:off x="5934075" y="3188200"/>
+          <a:ext cx="4691255" cy="1624965"/>
+        </p:xfrm>
+        <a:graphic>
+          <a:graphicData uri="http://schemas.openxmlformats.org/drawingml/2006/table">
+            <a:tbl>
+              <a:tblPr firstRow="1" bandRow="1">
+                <a:tableStyleId>{5C22544A-7EE6-4342-B048-85BDC9FD1C3A}</a:tableStyleId>
+              </a:tblPr>
+              <a:tblGrid>
+                <a:gridCol w="781876">
+                  <a:extLst>
+                    <a:ext uri="{9D8B030D-6E8A-4147-A177-3AD203B41FA5}">
+                      <a16:colId xmlns:a16="http://schemas.microsoft.com/office/drawing/2014/main" val="804572549"/>
+                    </a:ext>
+                  </a:extLst>
+                </a:gridCol>
+                <a:gridCol w="1025547">
+                  <a:extLst>
+                    <a:ext uri="{9D8B030D-6E8A-4147-A177-3AD203B41FA5}">
+                      <a16:colId xmlns:a16="http://schemas.microsoft.com/office/drawing/2014/main" val="690705410"/>
+                    </a:ext>
+                  </a:extLst>
+                </a:gridCol>
+                <a:gridCol w="538204">
+                  <a:extLst>
+                    <a:ext uri="{9D8B030D-6E8A-4147-A177-3AD203B41FA5}">
+                      <a16:colId xmlns:a16="http://schemas.microsoft.com/office/drawing/2014/main" val="1451036570"/>
+                    </a:ext>
+                  </a:extLst>
+                </a:gridCol>
+                <a:gridCol w="539782">
+                  <a:extLst>
+                    <a:ext uri="{9D8B030D-6E8A-4147-A177-3AD203B41FA5}">
+                      <a16:colId xmlns:a16="http://schemas.microsoft.com/office/drawing/2014/main" val="1919614046"/>
+                    </a:ext>
+                  </a:extLst>
+                </a:gridCol>
+                <a:gridCol w="743811">
+                  <a:extLst>
+                    <a:ext uri="{9D8B030D-6E8A-4147-A177-3AD203B41FA5}">
+                      <a16:colId xmlns:a16="http://schemas.microsoft.com/office/drawing/2014/main" val="3603661983"/>
+                    </a:ext>
+                  </a:extLst>
+                </a:gridCol>
+                <a:gridCol w="1062035">
+                  <a:extLst>
+                    <a:ext uri="{9D8B030D-6E8A-4147-A177-3AD203B41FA5}">
+                      <a16:colId xmlns:a16="http://schemas.microsoft.com/office/drawing/2014/main" val="2638018289"/>
+                    </a:ext>
+                  </a:extLst>
+                </a:gridCol>
+              </a:tblGrid>
+              <a:tr h="370840">
+                <a:tc>
+                  <a:txBody>
+                    <a:bodyPr/>
+                    <a:lstStyle/>
+                    <a:p>
+                      <a:pPr algn="l" fontAlgn="b"/>
+                      <a:r>
+                        <a:rPr lang="en-US" sz="1200" b="1" i="0" u="none" strike="noStrike">
+                          <a:solidFill>
+                            <a:schemeClr val="bg1"/>
+                          </a:solidFill>
+                          <a:effectLst/>
+                          <a:latin typeface="Calibri" panose="020F0502020204030204" pitchFamily="34" charset="0"/>
+                        </a:rPr>
+                        <a:t>customerid</a:t>
+                      </a:r>
+                    </a:p>
+                  </a:txBody>
+                  <a:tcPr marL="9525" marR="9525" marT="9525" marB="0" anchor="b"/>
+                </a:tc>
+                <a:tc>
+                  <a:txBody>
+                    <a:bodyPr/>
+                    <a:lstStyle/>
+                    <a:p>
+                      <a:pPr algn="l" fontAlgn="b"/>
+                      <a:r>
+                        <a:rPr lang="en-US" sz="1200" b="1" i="0" u="none" strike="noStrike">
+                          <a:solidFill>
+                            <a:schemeClr val="bg1"/>
+                          </a:solidFill>
+                          <a:effectLst/>
+                          <a:latin typeface="Calibri" panose="020F0502020204030204" pitchFamily="34" charset="0"/>
+                        </a:rPr>
+                        <a:t>customername</a:t>
+                      </a:r>
+                    </a:p>
+                  </a:txBody>
+                  <a:tcPr marL="9525" marR="9525" marT="9525" marB="0" anchor="b"/>
+                </a:tc>
+                <a:tc>
+                  <a:txBody>
+                    <a:bodyPr/>
+                    <a:lstStyle/>
+                    <a:p>
+                      <a:pPr algn="l" fontAlgn="b"/>
+                      <a:r>
+                        <a:rPr lang="en-US" sz="1200" b="1" i="0" u="none" strike="noStrike">
+                          <a:solidFill>
+                            <a:schemeClr val="bg1"/>
+                          </a:solidFill>
+                          <a:effectLst/>
+                          <a:latin typeface="Calibri" panose="020F0502020204030204" pitchFamily="34" charset="0"/>
+                        </a:rPr>
+                        <a:t>address</a:t>
+                      </a:r>
+                    </a:p>
+                  </a:txBody>
+                  <a:tcPr marL="9525" marR="9525" marT="9525" marB="0" anchor="b"/>
+                </a:tc>
+                <a:tc>
+                  <a:txBody>
+                    <a:bodyPr/>
+                    <a:lstStyle/>
+                    <a:p>
+                      <a:pPr algn="l" fontAlgn="b"/>
+                      <a:r>
+                        <a:rPr lang="en-US" sz="1200" b="1" i="0" u="none" strike="noStrike">
+                          <a:solidFill>
+                            <a:schemeClr val="bg1"/>
+                          </a:solidFill>
+                          <a:effectLst/>
+                          <a:latin typeface="Calibri" panose="020F0502020204030204" pitchFamily="34" charset="0"/>
+                        </a:rPr>
+                        <a:t>city</a:t>
+                      </a:r>
+                    </a:p>
+                  </a:txBody>
+                  <a:tcPr marL="9525" marR="9525" marT="9525" marB="0" anchor="b"/>
+                </a:tc>
+                <a:tc>
+                  <a:txBody>
+                    <a:bodyPr/>
+                    <a:lstStyle/>
+                    <a:p>
+                      <a:pPr algn="l" fontAlgn="b"/>
+                      <a:r>
+                        <a:rPr lang="en-US" sz="1200" b="1" i="0" u="none" strike="noStrike">
+                          <a:solidFill>
+                            <a:schemeClr val="bg1"/>
+                          </a:solidFill>
+                          <a:effectLst/>
+                          <a:latin typeface="Calibri" panose="020F0502020204030204" pitchFamily="34" charset="0"/>
+                        </a:rPr>
+                        <a:t>postalcode</a:t>
+                      </a:r>
+                    </a:p>
+                  </a:txBody>
+                  <a:tcPr marL="9525" marR="9525" marT="9525" marB="0" anchor="b"/>
+                </a:tc>
+                <a:tc>
+                  <a:txBody>
+                    <a:bodyPr/>
+                    <a:lstStyle/>
+                    <a:p>
+                      <a:pPr algn="l" fontAlgn="b"/>
+                      <a:r>
+                        <a:rPr lang="en-US" sz="1200" b="1" i="0" u="none" strike="noStrike" dirty="0">
+                          <a:solidFill>
+                            <a:schemeClr val="bg1"/>
+                          </a:solidFill>
+                          <a:effectLst/>
+                          <a:latin typeface="Calibri" panose="020F0502020204030204" pitchFamily="34" charset="0"/>
+                        </a:rPr>
+                        <a:t>country</a:t>
+                      </a:r>
+                    </a:p>
+                  </a:txBody>
+                  <a:tcPr marL="9525" marR="9525" marT="9525" marB="0" anchor="b"/>
+                </a:tc>
+                <a:extLst>
+                  <a:ext uri="{0D108BD9-81ED-4DB2-BD59-A6C34878D82A}">
+                    <a16:rowId xmlns:a16="http://schemas.microsoft.com/office/drawing/2014/main" val="3810522630"/>
+                  </a:ext>
+                </a:extLst>
+              </a:tr>
+              <a:tr h="370840">
+                <a:tc>
+                  <a:txBody>
+                    <a:bodyPr/>
+                    <a:lstStyle/>
+                    <a:p>
+                      <a:pPr algn="ctr" fontAlgn="b"/>
+                      <a:r>
+                        <a:rPr lang="en-US" sz="1100" b="0" i="0" u="none" strike="noStrike" dirty="0">
+                          <a:solidFill>
+                            <a:srgbClr val="000000"/>
+                          </a:solidFill>
+                          <a:effectLst/>
+                          <a:latin typeface="Calibri" panose="020F0502020204030204" pitchFamily="34" charset="0"/>
+                        </a:rPr>
+                        <a:t>1</a:t>
+                      </a:r>
+                    </a:p>
+                  </a:txBody>
+                  <a:tcPr marL="9525" marR="9525" marT="9525" marB="0" anchor="b">
+                    <a:solidFill>
+                      <a:srgbClr val="FFC000"/>
+                    </a:solidFill>
+                  </a:tcPr>
+                </a:tc>
+                <a:tc>
+                  <a:txBody>
+                    <a:bodyPr/>
+                    <a:lstStyle/>
+                    <a:p>
+                      <a:pPr algn="ctr" fontAlgn="b"/>
+                      <a:r>
+                        <a:rPr lang="en-US" sz="1100" b="0" i="0" u="none" strike="noStrike" dirty="0">
+                          <a:solidFill>
+                            <a:srgbClr val="000000"/>
+                          </a:solidFill>
+                          <a:effectLst/>
+                          <a:latin typeface="Calibri" panose="020F0502020204030204" pitchFamily="34" charset="0"/>
+                        </a:rPr>
+                        <a:t>Mario</a:t>
+                      </a:r>
+                    </a:p>
+                  </a:txBody>
+                  <a:tcPr marL="9525" marR="9525" marT="9525" marB="0" anchor="b">
+                    <a:solidFill>
+                      <a:srgbClr val="92D050"/>
+                    </a:solidFill>
+                  </a:tcPr>
+                </a:tc>
+                <a:tc>
+                  <a:txBody>
+                    <a:bodyPr/>
+                    <a:lstStyle/>
+                    <a:p>
+                      <a:pPr algn="ctr" fontAlgn="b"/>
+                      <a:r>
+                        <a:rPr lang="en-US" sz="1100" b="0" i="0" u="none" strike="noStrike">
+                          <a:solidFill>
+                            <a:srgbClr val="000000"/>
+                          </a:solidFill>
+                          <a:effectLst/>
+                          <a:latin typeface="Calibri" panose="020F0502020204030204" pitchFamily="34" charset="0"/>
+                        </a:rPr>
+                        <a:t>Flager ave. 107</a:t>
+                      </a:r>
+                    </a:p>
+                  </a:txBody>
+                  <a:tcPr marL="9525" marR="9525" marT="9525" marB="0" anchor="b"/>
+                </a:tc>
+                <a:tc>
+                  <a:txBody>
+                    <a:bodyPr/>
+                    <a:lstStyle/>
+                    <a:p>
+                      <a:pPr algn="ctr" fontAlgn="b"/>
+                      <a:r>
+                        <a:rPr lang="en-US" sz="1100" b="0" i="0" u="none" strike="noStrike">
+                          <a:solidFill>
+                            <a:srgbClr val="000000"/>
+                          </a:solidFill>
+                          <a:effectLst/>
+                          <a:latin typeface="Calibri" panose="020F0502020204030204" pitchFamily="34" charset="0"/>
+                        </a:rPr>
+                        <a:t>Doral</a:t>
+                      </a:r>
+                    </a:p>
+                  </a:txBody>
+                  <a:tcPr marL="9525" marR="9525" marT="9525" marB="0" anchor="b"/>
+                </a:tc>
+                <a:tc>
+                  <a:txBody>
+                    <a:bodyPr/>
+                    <a:lstStyle/>
+                    <a:p>
+                      <a:pPr algn="ctr" fontAlgn="b"/>
+                      <a:r>
+                        <a:rPr lang="en-US" sz="1100" b="0" i="0" u="none" strike="noStrike">
+                          <a:solidFill>
+                            <a:srgbClr val="000000"/>
+                          </a:solidFill>
+                          <a:effectLst/>
+                          <a:latin typeface="Calibri" panose="020F0502020204030204" pitchFamily="34" charset="0"/>
+                        </a:rPr>
+                        <a:t>33176</a:t>
+                      </a:r>
+                    </a:p>
+                  </a:txBody>
+                  <a:tcPr marL="9525" marR="9525" marT="9525" marB="0" anchor="b"/>
+                </a:tc>
+                <a:tc>
+                  <a:txBody>
+                    <a:bodyPr/>
+                    <a:lstStyle/>
+                    <a:p>
+                      <a:pPr algn="ctr" fontAlgn="b"/>
+                      <a:r>
+                        <a:rPr lang="en-US" sz="1100" b="0" i="0" u="none" strike="noStrike" dirty="0">
+                          <a:solidFill>
+                            <a:srgbClr val="000000"/>
+                          </a:solidFill>
+                          <a:effectLst/>
+                          <a:latin typeface="Calibri" panose="020F0502020204030204" pitchFamily="34" charset="0"/>
+                        </a:rPr>
+                        <a:t>United States</a:t>
+                      </a:r>
+                    </a:p>
+                  </a:txBody>
+                  <a:tcPr marL="9525" marR="9525" marT="9525" marB="0" anchor="b"/>
+                </a:tc>
+                <a:extLst>
+                  <a:ext uri="{0D108BD9-81ED-4DB2-BD59-A6C34878D82A}">
+                    <a16:rowId xmlns:a16="http://schemas.microsoft.com/office/drawing/2014/main" val="554250934"/>
+                  </a:ext>
+                </a:extLst>
+              </a:tr>
+              <a:tr h="370840">
+                <a:tc>
+                  <a:txBody>
+                    <a:bodyPr/>
+                    <a:lstStyle/>
+                    <a:p>
+                      <a:pPr algn="ctr" fontAlgn="b"/>
+                      <a:r>
+                        <a:rPr lang="en-US" sz="1100" b="0" i="0" u="none" strike="noStrike" dirty="0">
+                          <a:solidFill>
+                            <a:srgbClr val="000000"/>
+                          </a:solidFill>
+                          <a:effectLst/>
+                          <a:latin typeface="Calibri" panose="020F0502020204030204" pitchFamily="34" charset="0"/>
+                        </a:rPr>
+                        <a:t>2</a:t>
+                      </a:r>
+                    </a:p>
+                  </a:txBody>
+                  <a:tcPr marL="9525" marR="9525" marT="9525" marB="0" anchor="b">
+                    <a:solidFill>
+                      <a:srgbClr val="FFC000"/>
+                    </a:solidFill>
+                  </a:tcPr>
+                </a:tc>
+                <a:tc>
+                  <a:txBody>
+                    <a:bodyPr/>
+                    <a:lstStyle/>
+                    <a:p>
+                      <a:pPr algn="ctr" fontAlgn="b"/>
+                      <a:r>
+                        <a:rPr lang="en-US" sz="1100" b="0" i="0" u="none" strike="noStrike" dirty="0">
+                          <a:solidFill>
+                            <a:srgbClr val="000000"/>
+                          </a:solidFill>
+                          <a:effectLst/>
+                          <a:latin typeface="Calibri" panose="020F0502020204030204" pitchFamily="34" charset="0"/>
+                        </a:rPr>
+                        <a:t>Luis</a:t>
+                      </a:r>
+                    </a:p>
+                  </a:txBody>
+                  <a:tcPr marL="9525" marR="9525" marT="9525" marB="0" anchor="b">
+                    <a:solidFill>
+                      <a:srgbClr val="92D050"/>
+                    </a:solidFill>
+                  </a:tcPr>
+                </a:tc>
+                <a:tc>
+                  <a:txBody>
+                    <a:bodyPr/>
+                    <a:lstStyle/>
+                    <a:p>
+                      <a:pPr algn="ctr" fontAlgn="b"/>
+                      <a:r>
+                        <a:rPr lang="en-US" sz="1100" b="0" i="0" u="none" strike="noStrike">
+                          <a:solidFill>
+                            <a:srgbClr val="000000"/>
+                          </a:solidFill>
+                          <a:effectLst/>
+                          <a:latin typeface="Calibri" panose="020F0502020204030204" pitchFamily="34" charset="0"/>
+                        </a:rPr>
+                        <a:t>Calle 8 Str. 8</a:t>
+                      </a:r>
+                    </a:p>
+                  </a:txBody>
+                  <a:tcPr marL="9525" marR="9525" marT="9525" marB="0" anchor="b"/>
+                </a:tc>
+                <a:tc>
+                  <a:txBody>
+                    <a:bodyPr/>
+                    <a:lstStyle/>
+                    <a:p>
+                      <a:pPr algn="ctr" fontAlgn="b"/>
+                      <a:r>
+                        <a:rPr lang="en-US" sz="1100" b="0" i="0" u="none" strike="noStrike">
+                          <a:solidFill>
+                            <a:srgbClr val="000000"/>
+                          </a:solidFill>
+                          <a:effectLst/>
+                          <a:latin typeface="Calibri" panose="020F0502020204030204" pitchFamily="34" charset="0"/>
+                        </a:rPr>
+                        <a:t>Miami</a:t>
+                      </a:r>
+                    </a:p>
+                  </a:txBody>
+                  <a:tcPr marL="9525" marR="9525" marT="9525" marB="0" anchor="b"/>
+                </a:tc>
+                <a:tc>
+                  <a:txBody>
+                    <a:bodyPr/>
+                    <a:lstStyle/>
+                    <a:p>
+                      <a:pPr algn="ctr" fontAlgn="b"/>
+                      <a:r>
+                        <a:rPr lang="en-US" sz="1100" b="0" i="0" u="none" strike="noStrike">
+                          <a:solidFill>
+                            <a:srgbClr val="000000"/>
+                          </a:solidFill>
+                          <a:effectLst/>
+                          <a:latin typeface="Calibri" panose="020F0502020204030204" pitchFamily="34" charset="0"/>
+                        </a:rPr>
+                        <a:t>33172</a:t>
+                      </a:r>
+                    </a:p>
+                  </a:txBody>
+                  <a:tcPr marL="9525" marR="9525" marT="9525" marB="0" anchor="b"/>
+                </a:tc>
+                <a:tc>
+                  <a:txBody>
+                    <a:bodyPr/>
+                    <a:lstStyle/>
+                    <a:p>
+                      <a:pPr algn="ctr" fontAlgn="b"/>
+                      <a:r>
+                        <a:rPr lang="en-US" sz="1100" b="0" i="0" u="none" strike="noStrike">
+                          <a:solidFill>
+                            <a:srgbClr val="000000"/>
+                          </a:solidFill>
+                          <a:effectLst/>
+                          <a:latin typeface="Calibri" panose="020F0502020204030204" pitchFamily="34" charset="0"/>
+                        </a:rPr>
+                        <a:t>United States</a:t>
+                      </a:r>
+                    </a:p>
+                  </a:txBody>
+                  <a:tcPr marL="9525" marR="9525" marT="9525" marB="0" anchor="b"/>
+                </a:tc>
+                <a:extLst>
+                  <a:ext uri="{0D108BD9-81ED-4DB2-BD59-A6C34878D82A}">
+                    <a16:rowId xmlns:a16="http://schemas.microsoft.com/office/drawing/2014/main" val="564404678"/>
+                  </a:ext>
+                </a:extLst>
+              </a:tr>
+              <a:tr h="370840">
+                <a:tc>
+                  <a:txBody>
+                    <a:bodyPr/>
+                    <a:lstStyle/>
+                    <a:p>
+                      <a:pPr algn="ctr" fontAlgn="b"/>
+                      <a:r>
+                        <a:rPr lang="en-US" sz="1100" b="0" i="0" u="none" strike="noStrike">
+                          <a:solidFill>
+                            <a:srgbClr val="000000"/>
+                          </a:solidFill>
+                          <a:effectLst/>
+                          <a:latin typeface="Calibri" panose="020F0502020204030204" pitchFamily="34" charset="0"/>
+                        </a:rPr>
+                        <a:t>3</a:t>
+                      </a:r>
+                    </a:p>
+                  </a:txBody>
+                  <a:tcPr marL="9525" marR="9525" marT="9525" marB="0" anchor="b"/>
+                </a:tc>
+                <a:tc>
+                  <a:txBody>
+                    <a:bodyPr/>
+                    <a:lstStyle/>
+                    <a:p>
+                      <a:pPr algn="ctr" fontAlgn="b"/>
+                      <a:r>
+                        <a:rPr lang="en-US" sz="1100" b="0" i="0" u="none" strike="noStrike" dirty="0">
+                          <a:solidFill>
+                            <a:srgbClr val="000000"/>
+                          </a:solidFill>
+                          <a:effectLst/>
+                          <a:latin typeface="Calibri" panose="020F0502020204030204" pitchFamily="34" charset="0"/>
+                        </a:rPr>
+                        <a:t>John</a:t>
+                      </a:r>
+                    </a:p>
+                  </a:txBody>
+                  <a:tcPr marL="9525" marR="9525" marT="9525" marB="0" anchor="b"/>
+                </a:tc>
+                <a:tc>
+                  <a:txBody>
+                    <a:bodyPr/>
+                    <a:lstStyle/>
+                    <a:p>
+                      <a:pPr algn="ctr" fontAlgn="b"/>
+                      <a:r>
+                        <a:rPr lang="en-US" sz="1100" b="0" i="0" u="none" strike="noStrike" dirty="0">
+                          <a:solidFill>
+                            <a:srgbClr val="000000"/>
+                          </a:solidFill>
+                          <a:effectLst/>
+                          <a:latin typeface="Calibri" panose="020F0502020204030204" pitchFamily="34" charset="0"/>
+                        </a:rPr>
+                        <a:t>Coral Gables Str. 8</a:t>
+                      </a:r>
+                    </a:p>
+                  </a:txBody>
+                  <a:tcPr marL="9525" marR="9525" marT="9525" marB="0" anchor="b"/>
+                </a:tc>
+                <a:tc>
+                  <a:txBody>
+                    <a:bodyPr/>
+                    <a:lstStyle/>
+                    <a:p>
+                      <a:pPr algn="ctr" fontAlgn="b"/>
+                      <a:r>
+                        <a:rPr lang="en-US" sz="1100" b="0" i="0" u="none" strike="noStrike" dirty="0">
+                          <a:solidFill>
+                            <a:srgbClr val="000000"/>
+                          </a:solidFill>
+                          <a:effectLst/>
+                          <a:latin typeface="Calibri" panose="020F0502020204030204" pitchFamily="34" charset="0"/>
+                        </a:rPr>
+                        <a:t>Miami</a:t>
+                      </a:r>
+                    </a:p>
+                  </a:txBody>
+                  <a:tcPr marL="9525" marR="9525" marT="9525" marB="0" anchor="b"/>
+                </a:tc>
+                <a:tc>
+                  <a:txBody>
+                    <a:bodyPr/>
+                    <a:lstStyle/>
+                    <a:p>
+                      <a:pPr algn="ctr" fontAlgn="b"/>
+                      <a:r>
+                        <a:rPr lang="en-US" sz="1100" b="0" i="0" u="none" strike="noStrike" dirty="0">
+                          <a:solidFill>
+                            <a:srgbClr val="000000"/>
+                          </a:solidFill>
+                          <a:effectLst/>
+                          <a:latin typeface="Calibri" panose="020F0502020204030204" pitchFamily="34" charset="0"/>
+                        </a:rPr>
+                        <a:t>33174</a:t>
+                      </a:r>
+                    </a:p>
+                  </a:txBody>
+                  <a:tcPr marL="9525" marR="9525" marT="9525" marB="0" anchor="b"/>
+                </a:tc>
+                <a:tc>
+                  <a:txBody>
+                    <a:bodyPr/>
+                    <a:lstStyle/>
+                    <a:p>
+                      <a:pPr algn="ctr" fontAlgn="b"/>
+                      <a:r>
+                        <a:rPr lang="en-US" sz="1100" b="0" i="0" u="none" strike="noStrike" dirty="0">
+                          <a:solidFill>
+                            <a:srgbClr val="000000"/>
+                          </a:solidFill>
+                          <a:effectLst/>
+                          <a:latin typeface="Calibri" panose="020F0502020204030204" pitchFamily="34" charset="0"/>
+                        </a:rPr>
+                        <a:t>United States</a:t>
+                      </a:r>
+                    </a:p>
+                  </a:txBody>
+                  <a:tcPr marL="9525" marR="9525" marT="9525" marB="0" anchor="b"/>
+                </a:tc>
+                <a:extLst>
+                  <a:ext uri="{0D108BD9-81ED-4DB2-BD59-A6C34878D82A}">
+                    <a16:rowId xmlns:a16="http://schemas.microsoft.com/office/drawing/2014/main" val="2796835647"/>
+                  </a:ext>
+                </a:extLst>
+              </a:tr>
+            </a:tbl>
+          </a:graphicData>
+        </a:graphic>
+      </p:graphicFrame>
+      <p:graphicFrame>
+        <p:nvGraphicFramePr>
+          <p:cNvPr id="9" name="Table 9">
+            <a:extLst>
+              <a:ext uri="{FF2B5EF4-FFF2-40B4-BE49-F238E27FC236}">
+                <a16:creationId xmlns:a16="http://schemas.microsoft.com/office/drawing/2014/main" id="{A479586B-DE8A-452A-9911-3938EA611CBA}"/>
+              </a:ext>
+            </a:extLst>
+          </p:cNvPr>
+          <p:cNvGraphicFramePr>
+            <a:graphicFrameLocks noGrp="1"/>
+          </p:cNvGraphicFramePr>
+          <p:nvPr>
+            <p:extLst>
+              <p:ext uri="{D42A27DB-BD31-4B8C-83A1-F6EECF244321}">
+                <p14:modId xmlns:p14="http://schemas.microsoft.com/office/powerpoint/2010/main" val="610236099"/>
+              </p:ext>
+            </p:extLst>
+          </p:nvPr>
+        </p:nvGraphicFramePr>
+        <p:xfrm>
+          <a:off x="2428875" y="5528734"/>
+          <a:ext cx="3131151" cy="990952"/>
+        </p:xfrm>
+        <a:graphic>
+          <a:graphicData uri="http://schemas.openxmlformats.org/drawingml/2006/table">
+            <a:tbl>
+              <a:tblPr firstRow="1" bandRow="1">
+                <a:tableStyleId>{5C22544A-7EE6-4342-B048-85BDC9FD1C3A}</a:tableStyleId>
+              </a:tblPr>
+              <a:tblGrid>
+                <a:gridCol w="1043717">
+                  <a:extLst>
+                    <a:ext uri="{9D8B030D-6E8A-4147-A177-3AD203B41FA5}">
+                      <a16:colId xmlns:a16="http://schemas.microsoft.com/office/drawing/2014/main" val="163925341"/>
+                    </a:ext>
+                  </a:extLst>
+                </a:gridCol>
+                <a:gridCol w="1043717">
+                  <a:extLst>
+                    <a:ext uri="{9D8B030D-6E8A-4147-A177-3AD203B41FA5}">
+                      <a16:colId xmlns:a16="http://schemas.microsoft.com/office/drawing/2014/main" val="2215573359"/>
+                    </a:ext>
+                  </a:extLst>
+                </a:gridCol>
+                <a:gridCol w="1043717">
+                  <a:extLst>
+                    <a:ext uri="{9D8B030D-6E8A-4147-A177-3AD203B41FA5}">
+                      <a16:colId xmlns:a16="http://schemas.microsoft.com/office/drawing/2014/main" val="2379891263"/>
+                    </a:ext>
+                  </a:extLst>
+                </a:gridCol>
+              </a:tblGrid>
+              <a:tr h="247738">
+                <a:tc>
+                  <a:txBody>
+                    <a:bodyPr/>
+                    <a:lstStyle/>
+                    <a:p>
+                      <a:pPr algn="ctr" fontAlgn="b"/>
+                      <a:r>
+                        <a:rPr lang="en-US" sz="1200" b="1" i="0" u="none" strike="noStrike">
+                          <a:solidFill>
+                            <a:schemeClr val="bg1"/>
+                          </a:solidFill>
+                          <a:effectLst/>
+                          <a:latin typeface="Calibri" panose="020F0502020204030204" pitchFamily="34" charset="0"/>
+                        </a:rPr>
+                        <a:t>orderid</a:t>
+                      </a:r>
+                    </a:p>
+                  </a:txBody>
+                  <a:tcPr marL="9525" marR="9525" marT="9525" marB="0" anchor="b"/>
+                </a:tc>
+                <a:tc>
+                  <a:txBody>
+                    <a:bodyPr/>
+                    <a:lstStyle/>
+                    <a:p>
+                      <a:pPr algn="ctr" fontAlgn="b"/>
+                      <a:r>
+                        <a:rPr lang="en-US" sz="1200" b="1" i="0" u="none" strike="noStrike">
+                          <a:solidFill>
+                            <a:schemeClr val="bg1"/>
+                          </a:solidFill>
+                          <a:effectLst/>
+                          <a:latin typeface="Calibri" panose="020F0502020204030204" pitchFamily="34" charset="0"/>
+                        </a:rPr>
+                        <a:t>customername</a:t>
+                      </a:r>
+                    </a:p>
+                  </a:txBody>
+                  <a:tcPr marL="9525" marR="9525" marT="9525" marB="0" anchor="b"/>
+                </a:tc>
+                <a:tc>
+                  <a:txBody>
+                    <a:bodyPr/>
+                    <a:lstStyle/>
+                    <a:p>
+                      <a:pPr algn="ctr" fontAlgn="b"/>
+                      <a:r>
+                        <a:rPr lang="en-US" sz="1200" b="1" i="0" u="none" strike="noStrike" dirty="0">
+                          <a:solidFill>
+                            <a:schemeClr val="bg1"/>
+                          </a:solidFill>
+                          <a:effectLst/>
+                          <a:latin typeface="Calibri" panose="020F0502020204030204" pitchFamily="34" charset="0"/>
+                        </a:rPr>
+                        <a:t>price</a:t>
+                      </a:r>
+                    </a:p>
+                  </a:txBody>
+                  <a:tcPr marL="9525" marR="9525" marT="9525" marB="0" anchor="b"/>
+                </a:tc>
+                <a:extLst>
+                  <a:ext uri="{0D108BD9-81ED-4DB2-BD59-A6C34878D82A}">
+                    <a16:rowId xmlns:a16="http://schemas.microsoft.com/office/drawing/2014/main" val="3351867503"/>
+                  </a:ext>
+                </a:extLst>
+              </a:tr>
+              <a:tr h="247738">
+                <a:tc>
+                  <a:txBody>
+                    <a:bodyPr/>
+                    <a:lstStyle/>
+                    <a:p>
+                      <a:pPr algn="ctr" fontAlgn="b"/>
+                      <a:r>
+                        <a:rPr lang="en-US" sz="1200" b="0" i="0" u="none" strike="noStrike" dirty="0">
+                          <a:solidFill>
+                            <a:srgbClr val="000000"/>
+                          </a:solidFill>
+                          <a:effectLst/>
+                          <a:latin typeface="Calibri" panose="020F0502020204030204" pitchFamily="34" charset="0"/>
+                        </a:rPr>
+                        <a:t>10408</a:t>
+                      </a:r>
+                    </a:p>
+                  </a:txBody>
+                  <a:tcPr marL="9525" marR="9525" marT="9525" marB="0" anchor="b">
+                    <a:solidFill>
+                      <a:srgbClr val="92D050"/>
+                    </a:solidFill>
+                  </a:tcPr>
+                </a:tc>
+                <a:tc>
+                  <a:txBody>
+                    <a:bodyPr/>
+                    <a:lstStyle/>
+                    <a:p>
+                      <a:pPr algn="ctr" fontAlgn="b"/>
+                      <a:r>
+                        <a:rPr lang="en-US" sz="1200" b="0" i="0" u="none" strike="noStrike">
+                          <a:solidFill>
+                            <a:srgbClr val="000000"/>
+                          </a:solidFill>
+                          <a:effectLst/>
+                          <a:latin typeface="Calibri" panose="020F0502020204030204" pitchFamily="34" charset="0"/>
+                        </a:rPr>
+                        <a:t>Luis</a:t>
+                      </a:r>
+                    </a:p>
+                  </a:txBody>
+                  <a:tcPr marL="9525" marR="9525" marT="9525" marB="0" anchor="b">
+                    <a:solidFill>
+                      <a:srgbClr val="92D050"/>
+                    </a:solidFill>
+                  </a:tcPr>
+                </a:tc>
+                <a:tc>
+                  <a:txBody>
+                    <a:bodyPr/>
+                    <a:lstStyle/>
+                    <a:p>
+                      <a:pPr algn="ctr" fontAlgn="b"/>
+                      <a:r>
+                        <a:rPr lang="en-US" sz="1200" b="0" i="0" u="none" strike="noStrike">
+                          <a:solidFill>
+                            <a:srgbClr val="000000"/>
+                          </a:solidFill>
+                          <a:effectLst/>
+                          <a:latin typeface="Calibri" panose="020F0502020204030204" pitchFamily="34" charset="0"/>
+                        </a:rPr>
+                        <a:t>164.78</a:t>
+                      </a:r>
+                    </a:p>
+                  </a:txBody>
+                  <a:tcPr marL="9525" marR="9525" marT="9525" marB="0" anchor="b">
+                    <a:solidFill>
+                      <a:srgbClr val="92D050"/>
+                    </a:solidFill>
+                  </a:tcPr>
+                </a:tc>
+                <a:extLst>
+                  <a:ext uri="{0D108BD9-81ED-4DB2-BD59-A6C34878D82A}">
+                    <a16:rowId xmlns:a16="http://schemas.microsoft.com/office/drawing/2014/main" val="908513807"/>
+                  </a:ext>
+                </a:extLst>
+              </a:tr>
+              <a:tr h="247738">
+                <a:tc>
+                  <a:txBody>
+                    <a:bodyPr/>
+                    <a:lstStyle/>
+                    <a:p>
+                      <a:pPr algn="ctr" fontAlgn="b"/>
+                      <a:r>
+                        <a:rPr lang="en-US" sz="1200" b="0" i="0" u="none" strike="noStrike">
+                          <a:solidFill>
+                            <a:srgbClr val="000000"/>
+                          </a:solidFill>
+                          <a:effectLst/>
+                          <a:latin typeface="Calibri" panose="020F0502020204030204" pitchFamily="34" charset="0"/>
+                        </a:rPr>
+                        <a:t>10409</a:t>
+                      </a:r>
+                    </a:p>
+                  </a:txBody>
+                  <a:tcPr marL="9525" marR="9525" marT="9525" marB="0" anchor="b">
+                    <a:solidFill>
+                      <a:srgbClr val="92D050"/>
+                    </a:solidFill>
+                  </a:tcPr>
+                </a:tc>
+                <a:tc>
+                  <a:txBody>
+                    <a:bodyPr/>
+                    <a:lstStyle/>
+                    <a:p>
+                      <a:pPr algn="ctr" fontAlgn="b"/>
+                      <a:r>
+                        <a:rPr lang="en-US" sz="1200" b="0" i="0" u="none" strike="noStrike" dirty="0">
+                          <a:solidFill>
+                            <a:srgbClr val="000000"/>
+                          </a:solidFill>
+                          <a:effectLst/>
+                          <a:latin typeface="Calibri" panose="020F0502020204030204" pitchFamily="34" charset="0"/>
+                        </a:rPr>
+                        <a:t>Luis</a:t>
+                      </a:r>
+                    </a:p>
+                  </a:txBody>
+                  <a:tcPr marL="9525" marR="9525" marT="9525" marB="0" anchor="b">
+                    <a:solidFill>
+                      <a:srgbClr val="92D050"/>
+                    </a:solidFill>
+                  </a:tcPr>
+                </a:tc>
+                <a:tc>
+                  <a:txBody>
+                    <a:bodyPr/>
+                    <a:lstStyle/>
+                    <a:p>
+                      <a:pPr algn="ctr" fontAlgn="b"/>
+                      <a:r>
+                        <a:rPr lang="en-US" sz="1200" b="0" i="0" u="none" strike="noStrike" dirty="0">
+                          <a:solidFill>
+                            <a:srgbClr val="000000"/>
+                          </a:solidFill>
+                          <a:effectLst/>
+                          <a:latin typeface="Calibri" panose="020F0502020204030204" pitchFamily="34" charset="0"/>
+                        </a:rPr>
+                        <a:t>200.78</a:t>
+                      </a:r>
+                    </a:p>
+                  </a:txBody>
+                  <a:tcPr marL="9525" marR="9525" marT="9525" marB="0" anchor="b">
+                    <a:solidFill>
+                      <a:srgbClr val="92D050"/>
+                    </a:solidFill>
+                  </a:tcPr>
+                </a:tc>
+                <a:extLst>
+                  <a:ext uri="{0D108BD9-81ED-4DB2-BD59-A6C34878D82A}">
+                    <a16:rowId xmlns:a16="http://schemas.microsoft.com/office/drawing/2014/main" val="3723539422"/>
+                  </a:ext>
+                </a:extLst>
+              </a:tr>
+              <a:tr h="247738">
+                <a:tc>
+                  <a:txBody>
+                    <a:bodyPr/>
+                    <a:lstStyle/>
+                    <a:p>
+                      <a:pPr algn="ctr" fontAlgn="b"/>
+                      <a:r>
+                        <a:rPr lang="en-US" sz="1200" b="0" i="0" u="none" strike="noStrike">
+                          <a:solidFill>
+                            <a:srgbClr val="000000"/>
+                          </a:solidFill>
+                          <a:effectLst/>
+                          <a:latin typeface="Calibri" panose="020F0502020204030204" pitchFamily="34" charset="0"/>
+                        </a:rPr>
+                        <a:t>1010</a:t>
+                      </a:r>
+                    </a:p>
+                  </a:txBody>
+                  <a:tcPr marL="9525" marR="9525" marT="9525" marB="0" anchor="b">
+                    <a:solidFill>
+                      <a:srgbClr val="92D050"/>
+                    </a:solidFill>
+                  </a:tcPr>
+                </a:tc>
+                <a:tc>
+                  <a:txBody>
+                    <a:bodyPr/>
+                    <a:lstStyle/>
+                    <a:p>
+                      <a:pPr algn="ctr" fontAlgn="b"/>
+                      <a:r>
+                        <a:rPr lang="en-US" sz="1200" b="0" i="0" u="none" strike="noStrike">
+                          <a:solidFill>
+                            <a:srgbClr val="000000"/>
+                          </a:solidFill>
+                          <a:effectLst/>
+                          <a:latin typeface="Calibri" panose="020F0502020204030204" pitchFamily="34" charset="0"/>
+                        </a:rPr>
+                        <a:t>Mario</a:t>
+                      </a:r>
+                    </a:p>
+                  </a:txBody>
+                  <a:tcPr marL="9525" marR="9525" marT="9525" marB="0" anchor="b">
+                    <a:solidFill>
+                      <a:srgbClr val="92D050"/>
+                    </a:solidFill>
+                  </a:tcPr>
+                </a:tc>
+                <a:tc>
+                  <a:txBody>
+                    <a:bodyPr/>
+                    <a:lstStyle/>
+                    <a:p>
+                      <a:pPr algn="ctr" fontAlgn="b"/>
+                      <a:r>
+                        <a:rPr lang="en-US" sz="1200" b="0" i="0" u="none" strike="noStrike" dirty="0">
+                          <a:solidFill>
+                            <a:srgbClr val="000000"/>
+                          </a:solidFill>
+                          <a:effectLst/>
+                          <a:latin typeface="Calibri" panose="020F0502020204030204" pitchFamily="34" charset="0"/>
+                        </a:rPr>
+                        <a:t>300.78</a:t>
+                      </a:r>
+                    </a:p>
+                  </a:txBody>
+                  <a:tcPr marL="9525" marR="9525" marT="9525" marB="0" anchor="b">
+                    <a:solidFill>
+                      <a:srgbClr val="92D050"/>
+                    </a:solidFill>
+                  </a:tcPr>
+                </a:tc>
+                <a:extLst>
+                  <a:ext uri="{0D108BD9-81ED-4DB2-BD59-A6C34878D82A}">
+                    <a16:rowId xmlns:a16="http://schemas.microsoft.com/office/drawing/2014/main" val="3647957397"/>
+                  </a:ext>
+                </a:extLst>
+              </a:tr>
+            </a:tbl>
+          </a:graphicData>
+        </a:graphic>
+      </p:graphicFrame>
+    </p:spTree>
+    <p:extLst>
+      <p:ext uri="{BB962C8B-B14F-4D97-AF65-F5344CB8AC3E}">
+        <p14:creationId xmlns:p14="http://schemas.microsoft.com/office/powerpoint/2010/main" val="3634413472"/>
+      </p:ext>
+    </p:extLst>
+  </p:cSld>
+  <p:clrMapOvr>
+    <a:masterClrMapping/>
+  </p:clrMapOvr>
+</p:sld>
+</file>
+
 <file path=ppt/slides/slide2.xml><?xml version="1.0" encoding="utf-8"?>
 <p:sld xmlns:a="http://schemas.openxmlformats.org/drawingml/2006/main" xmlns:r="http://schemas.openxmlformats.org/officeDocument/2006/relationships" xmlns:p="http://schemas.openxmlformats.org/presentationml/2006/main">
   <p:cSld>
@@ -3987,7 +9540,7 @@
                 <a:effectLst/>
                 <a:latin typeface="Arial" panose="020B0604020202020204" pitchFamily="34" charset="0"/>
               </a:rPr>
-              <a:t>The common form of a join is the SQL inner. </a:t>
+              <a:t>The common form of a join is the SQL inner join. </a:t>
             </a:r>
           </a:p>
           <a:p>
@@ -4610,7 +10163,7 @@
           <p:nvPr>
             <p:extLst>
               <p:ext uri="{D42A27DB-BD31-4B8C-83A1-F6EECF244321}">
-                <p14:modId xmlns:p14="http://schemas.microsoft.com/office/powerpoint/2010/main" val="2932397318"/>
+                <p14:modId xmlns:p14="http://schemas.microsoft.com/office/powerpoint/2010/main" val="1951108057"/>
               </p:ext>
             </p:extLst>
           </p:nvPr>
@@ -4651,7 +10204,7 @@
                           <a:ea typeface="+mn-ea"/>
                           <a:cs typeface="+mn-cs"/>
                         </a:rPr>
-                        <a:t>The pictorial representation of INNER JOIN is shown below.</a:t>
+                        <a:t>The Venn diagram representation of INNER JOIN is shown below.</a:t>
                       </a:r>
                       <a:endParaRPr lang="en-US" sz="2400" b="1" dirty="0"/>
                     </a:p>
@@ -4808,7 +10361,13 @@
           <p:cNvGraphicFramePr>
             <a:graphicFrameLocks noGrp="1"/>
           </p:cNvGraphicFramePr>
-          <p:nvPr/>
+          <p:nvPr>
+            <p:extLst>
+              <p:ext uri="{D42A27DB-BD31-4B8C-83A1-F6EECF244321}">
+                <p14:modId xmlns:p14="http://schemas.microsoft.com/office/powerpoint/2010/main" val="1124665869"/>
+              </p:ext>
+            </p:extLst>
+          </p:nvPr>
         </p:nvGraphicFramePr>
         <p:xfrm>
           <a:off x="1524000" y="719666"/>
@@ -4846,7 +10405,7 @@
                           <a:ea typeface="+mn-ea"/>
                           <a:cs typeface="+mn-cs"/>
                         </a:rPr>
-                        <a:t>The pictorial representation of INNER JOIN is shown below.</a:t>
+                        <a:t>The Venn diagram representation of INNER JOIN is shown below.</a:t>
                       </a:r>
                       <a:endParaRPr lang="en-US" sz="2400" b="1" dirty="0"/>
                     </a:p>
@@ -5064,6 +10623,1474 @@
     <p:extLst>
       <p:ext uri="{BB962C8B-B14F-4D97-AF65-F5344CB8AC3E}">
         <p14:creationId xmlns:p14="http://schemas.microsoft.com/office/powerpoint/2010/main" val="3702012209"/>
+      </p:ext>
+    </p:extLst>
+  </p:cSld>
+  <p:clrMapOvr>
+    <a:masterClrMapping/>
+  </p:clrMapOvr>
+</p:sld>
+</file>
+
+<file path=ppt/slides/slide9.xml><?xml version="1.0" encoding="utf-8"?>
+<p:sld xmlns:a="http://schemas.openxmlformats.org/drawingml/2006/main" xmlns:r="http://schemas.openxmlformats.org/officeDocument/2006/relationships" xmlns:p="http://schemas.openxmlformats.org/presentationml/2006/main">
+  <p:cSld>
+    <p:spTree>
+      <p:nvGrpSpPr>
+        <p:cNvPr id="1" name=""/>
+        <p:cNvGrpSpPr/>
+        <p:nvPr/>
+      </p:nvGrpSpPr>
+      <p:grpSpPr>
+        <a:xfrm>
+          <a:off x="0" y="0"/>
+          <a:ext cx="0" cy="0"/>
+          <a:chOff x="0" y="0"/>
+          <a:chExt cx="0" cy="0"/>
+        </a:xfrm>
+      </p:grpSpPr>
+      <p:sp>
+        <p:nvSpPr>
+          <p:cNvPr id="2" name="Title 1">
+            <a:extLst>
+              <a:ext uri="{FF2B5EF4-FFF2-40B4-BE49-F238E27FC236}">
+                <a16:creationId xmlns:a16="http://schemas.microsoft.com/office/drawing/2014/main" id="{BA375E09-571E-7FCE-C65F-3EE63E40A813}"/>
+              </a:ext>
+            </a:extLst>
+          </p:cNvPr>
+          <p:cNvSpPr>
+            <a:spLocks noGrp="1"/>
+          </p:cNvSpPr>
+          <p:nvPr>
+            <p:ph type="ctrTitle"/>
+          </p:nvPr>
+        </p:nvSpPr>
+        <p:spPr>
+          <a:xfrm>
+            <a:off x="1524000" y="1122363"/>
+            <a:ext cx="9144000" cy="333904"/>
+          </a:xfrm>
+        </p:spPr>
+        <p:txBody>
+          <a:bodyPr>
+            <a:normAutofit fontScale="90000"/>
+          </a:bodyPr>
+          <a:lstStyle/>
+          <a:p>
+            <a:endParaRPr lang="en-US" dirty="0"/>
+          </a:p>
+        </p:txBody>
+      </p:sp>
+      <p:sp>
+        <p:nvSpPr>
+          <p:cNvPr id="3" name="Subtitle 2">
+            <a:extLst>
+              <a:ext uri="{FF2B5EF4-FFF2-40B4-BE49-F238E27FC236}">
+                <a16:creationId xmlns:a16="http://schemas.microsoft.com/office/drawing/2014/main" id="{C4A32862-0F11-2C12-1762-3474CB26F26C}"/>
+              </a:ext>
+            </a:extLst>
+          </p:cNvPr>
+          <p:cNvSpPr>
+            <a:spLocks noGrp="1"/>
+          </p:cNvSpPr>
+          <p:nvPr>
+            <p:ph type="subTitle" idx="1"/>
+          </p:nvPr>
+        </p:nvSpPr>
+        <p:spPr>
+          <a:xfrm>
+            <a:off x="2212848" y="1858963"/>
+            <a:ext cx="7808976" cy="4578413"/>
+          </a:xfrm>
+        </p:spPr>
+        <p:txBody>
+          <a:bodyPr>
+            <a:normAutofit/>
+          </a:bodyPr>
+          <a:lstStyle/>
+          <a:p>
+            <a:pPr algn="l"/>
+            <a:r>
+              <a:rPr lang="en-US" dirty="0"/>
+              <a:t>ORDERS  </a:t>
+            </a:r>
+          </a:p>
+          <a:p>
+            <a:pPr algn="l"/>
+            <a:endParaRPr lang="en-US" dirty="0"/>
+          </a:p>
+          <a:p>
+            <a:pPr algn="l"/>
+            <a:r>
+              <a:rPr lang="en-US" dirty="0"/>
+              <a:t>                                                              CUSTOMER</a:t>
+            </a:r>
+          </a:p>
+          <a:p>
+            <a:pPr algn="l"/>
+            <a:r>
+              <a:rPr lang="en-US" dirty="0"/>
+              <a:t>                                                              </a:t>
+            </a:r>
+          </a:p>
+          <a:p>
+            <a:pPr marL="342900" indent="-342900" algn="l">
+              <a:buFont typeface="Arial" panose="020B0604020202020204" pitchFamily="34" charset="0"/>
+              <a:buChar char="•"/>
+            </a:pPr>
+            <a:endParaRPr lang="en-US" dirty="0"/>
+          </a:p>
+        </p:txBody>
+      </p:sp>
+      <p:graphicFrame>
+        <p:nvGraphicFramePr>
+          <p:cNvPr id="8" name="Table 8">
+            <a:extLst>
+              <a:ext uri="{FF2B5EF4-FFF2-40B4-BE49-F238E27FC236}">
+                <a16:creationId xmlns:a16="http://schemas.microsoft.com/office/drawing/2014/main" id="{88512CF6-2C5B-059C-C47E-EEB757CC2B3B}"/>
+              </a:ext>
+            </a:extLst>
+          </p:cNvPr>
+          <p:cNvGraphicFramePr>
+            <a:graphicFrameLocks noGrp="1"/>
+          </p:cNvGraphicFramePr>
+          <p:nvPr/>
+        </p:nvGraphicFramePr>
+        <p:xfrm>
+          <a:off x="1524000" y="719666"/>
+          <a:ext cx="9144000" cy="457200"/>
+        </p:xfrm>
+        <a:graphic>
+          <a:graphicData uri="http://schemas.openxmlformats.org/drawingml/2006/table">
+            <a:tbl>
+              <a:tblPr firstRow="1" bandRow="1">
+                <a:tableStyleId>{6E25E649-3F16-4E02-A733-19D2CDBF48F0}</a:tableStyleId>
+              </a:tblPr>
+              <a:tblGrid>
+                <a:gridCol w="9144000">
+                  <a:extLst>
+                    <a:ext uri="{9D8B030D-6E8A-4147-A177-3AD203B41FA5}">
+                      <a16:colId xmlns:a16="http://schemas.microsoft.com/office/drawing/2014/main" val="4251934507"/>
+                    </a:ext>
+                  </a:extLst>
+                </a:gridCol>
+              </a:tblGrid>
+              <a:tr h="370840">
+                <a:tc>
+                  <a:txBody>
+                    <a:bodyPr/>
+                    <a:lstStyle/>
+                    <a:p>
+                      <a:pPr algn="ctr"/>
+                      <a:r>
+                        <a:rPr lang="en-US" sz="2400" b="1" i="0" kern="1200" dirty="0">
+                          <a:solidFill>
+                            <a:schemeClr val="lt1"/>
+                          </a:solidFill>
+                          <a:effectLst/>
+                          <a:latin typeface="+mn-lt"/>
+                          <a:ea typeface="+mn-ea"/>
+                          <a:cs typeface="+mn-cs"/>
+                        </a:rPr>
+                        <a:t>The Venn diagram representation of INNER JOIN is shown below.</a:t>
+                      </a:r>
+                      <a:endParaRPr lang="en-US" sz="2400" b="1" dirty="0"/>
+                    </a:p>
+                  </a:txBody>
+                  <a:tcPr/>
+                </a:tc>
+                <a:extLst>
+                  <a:ext uri="{0D108BD9-81ED-4DB2-BD59-A6C34878D82A}">
+                    <a16:rowId xmlns:a16="http://schemas.microsoft.com/office/drawing/2014/main" val="428078644"/>
+                  </a:ext>
+                </a:extLst>
+              </a:tr>
+            </a:tbl>
+          </a:graphicData>
+        </a:graphic>
+      </p:graphicFrame>
+      <p:sp>
+        <p:nvSpPr>
+          <p:cNvPr id="7" name="TextBox 6">
+            <a:extLst>
+              <a:ext uri="{FF2B5EF4-FFF2-40B4-BE49-F238E27FC236}">
+                <a16:creationId xmlns:a16="http://schemas.microsoft.com/office/drawing/2014/main" id="{E66C5DC4-79D8-10C4-9178-3C52E1E83A3E}"/>
+              </a:ext>
+            </a:extLst>
+          </p:cNvPr>
+          <p:cNvSpPr txBox="1"/>
+          <p:nvPr/>
+        </p:nvSpPr>
+        <p:spPr>
+          <a:xfrm>
+            <a:off x="1430915" y="3870297"/>
+            <a:ext cx="9654180" cy="1846659"/>
+          </a:xfrm>
+          <a:prstGeom prst="rect">
+            <a:avLst/>
+          </a:prstGeom>
+          <a:noFill/>
+        </p:spPr>
+        <p:txBody>
+          <a:bodyPr wrap="square">
+            <a:spAutoFit/>
+          </a:bodyPr>
+          <a:lstStyle/>
+          <a:p>
+            <a:br>
+              <a:rPr lang="en-US" dirty="0"/>
+            </a:br>
+            <a:endParaRPr lang="en-US" dirty="0"/>
+          </a:p>
+          <a:p>
+            <a:pPr rtl="0">
+              <a:spcBef>
+                <a:spcPts val="0"/>
+              </a:spcBef>
+              <a:spcAft>
+                <a:spcPts val="0"/>
+              </a:spcAft>
+            </a:pPr>
+            <a:r>
+              <a:rPr lang="en-US" sz="1600" dirty="0"/>
+              <a:t> </a:t>
+            </a:r>
+            <a:r>
+              <a:rPr lang="en-US" sz="1600" b="0" i="0" u="none" strike="noStrike" dirty="0">
+                <a:solidFill>
+                  <a:srgbClr val="1A202C"/>
+                </a:solidFill>
+                <a:effectLst/>
+                <a:latin typeface="Arial" panose="020B0604020202020204" pitchFamily="34" charset="0"/>
+              </a:rPr>
+              <a:t>SELECT OrderID, CustomerName, Price </a:t>
+            </a:r>
+          </a:p>
+          <a:p>
+            <a:pPr rtl="0">
+              <a:spcBef>
+                <a:spcPts val="0"/>
+              </a:spcBef>
+              <a:spcAft>
+                <a:spcPts val="0"/>
+              </a:spcAft>
+            </a:pPr>
+            <a:r>
+              <a:rPr lang="en-US" sz="1600" b="0" i="0" u="none" strike="noStrike" dirty="0">
+                <a:solidFill>
+                  <a:srgbClr val="1A202C"/>
+                </a:solidFill>
+                <a:effectLst/>
+                <a:latin typeface="Arial" panose="020B0604020202020204" pitchFamily="34" charset="0"/>
+              </a:rPr>
+              <a:t>	FROM Orders</a:t>
+            </a:r>
+          </a:p>
+          <a:p>
+            <a:pPr rtl="0">
+              <a:spcBef>
+                <a:spcPts val="0"/>
+              </a:spcBef>
+              <a:spcAft>
+                <a:spcPts val="0"/>
+              </a:spcAft>
+            </a:pPr>
+            <a:r>
+              <a:rPr lang="en-US" sz="1600" b="0" i="0" u="none" strike="noStrike" dirty="0">
+                <a:solidFill>
+                  <a:srgbClr val="1A202C"/>
+                </a:solidFill>
+                <a:effectLst/>
+                <a:latin typeface="Arial" panose="020B0604020202020204" pitchFamily="34" charset="0"/>
+              </a:rPr>
+              <a:t>	INNER JOIN Customer</a:t>
+            </a:r>
+          </a:p>
+          <a:p>
+            <a:r>
+              <a:rPr lang="en-US" sz="1600" b="0" i="0" u="none" strike="noStrike" dirty="0">
+                <a:solidFill>
+                  <a:srgbClr val="1A202C"/>
+                </a:solidFill>
+                <a:effectLst/>
+                <a:latin typeface="Arial" panose="020B0604020202020204" pitchFamily="34" charset="0"/>
+              </a:rPr>
+              <a:t>	ON </a:t>
+            </a:r>
+            <a:r>
+              <a:rPr lang="en-US" sz="1600" b="0" i="0" u="none" strike="noStrike" dirty="0" err="1">
+                <a:solidFill>
+                  <a:srgbClr val="1A202C"/>
+                </a:solidFill>
+                <a:effectLst/>
+                <a:latin typeface="Arial" panose="020B0604020202020204" pitchFamily="34" charset="0"/>
+              </a:rPr>
+              <a:t>Orders.CustomerID</a:t>
+            </a:r>
+            <a:r>
+              <a:rPr lang="en-US" sz="1600" b="0" i="0" u="none" strike="noStrike" dirty="0">
+                <a:solidFill>
+                  <a:srgbClr val="1A202C"/>
+                </a:solidFill>
+                <a:effectLst/>
+                <a:latin typeface="Arial" panose="020B0604020202020204" pitchFamily="34" charset="0"/>
+              </a:rPr>
+              <a:t> = </a:t>
+            </a:r>
+            <a:r>
+              <a:rPr lang="en-US" sz="1600" b="0" i="0" u="none" strike="noStrike" dirty="0" err="1">
+                <a:solidFill>
+                  <a:srgbClr val="1A202C"/>
+                </a:solidFill>
+                <a:effectLst/>
+                <a:latin typeface="Arial" panose="020B0604020202020204" pitchFamily="34" charset="0"/>
+              </a:rPr>
+              <a:t>Customer.CustomerID</a:t>
+            </a:r>
+            <a:r>
+              <a:rPr lang="en-US" sz="1600" b="0" i="0" u="none" strike="noStrike" dirty="0">
+                <a:solidFill>
+                  <a:srgbClr val="1A202C"/>
+                </a:solidFill>
+                <a:effectLst/>
+                <a:latin typeface="Arial" panose="020B0604020202020204" pitchFamily="34" charset="0"/>
+              </a:rPr>
+              <a:t>;                       </a:t>
+            </a:r>
+            <a:endParaRPr lang="en-US" sz="2000" dirty="0"/>
+          </a:p>
+          <a:p>
+            <a:pPr rtl="0">
+              <a:spcBef>
+                <a:spcPts val="0"/>
+              </a:spcBef>
+              <a:spcAft>
+                <a:spcPts val="0"/>
+              </a:spcAft>
+            </a:pPr>
+            <a:endParaRPr lang="en-US" sz="1400" dirty="0"/>
+          </a:p>
+        </p:txBody>
+      </p:sp>
+      <p:pic>
+        <p:nvPicPr>
+          <p:cNvPr id="13" name="Picture 12">
+            <a:extLst>
+              <a:ext uri="{FF2B5EF4-FFF2-40B4-BE49-F238E27FC236}">
+                <a16:creationId xmlns:a16="http://schemas.microsoft.com/office/drawing/2014/main" id="{FACEBB91-5380-B613-8527-7FD973B76228}"/>
+              </a:ext>
+            </a:extLst>
+          </p:cNvPr>
+          <p:cNvPicPr>
+            <a:picLocks noChangeAspect="1"/>
+          </p:cNvPicPr>
+          <p:nvPr/>
+        </p:nvPicPr>
+        <p:blipFill>
+          <a:blip r:embed="rId2"/>
+          <a:stretch>
+            <a:fillRect/>
+          </a:stretch>
+        </p:blipFill>
+        <p:spPr>
+          <a:xfrm>
+            <a:off x="5226847" y="1257300"/>
+            <a:ext cx="1780978" cy="1100888"/>
+          </a:xfrm>
+          <a:prstGeom prst="rect">
+            <a:avLst/>
+          </a:prstGeom>
+        </p:spPr>
+      </p:pic>
+      <p:graphicFrame>
+        <p:nvGraphicFramePr>
+          <p:cNvPr id="4" name="Table 4">
+            <a:extLst>
+              <a:ext uri="{FF2B5EF4-FFF2-40B4-BE49-F238E27FC236}">
+                <a16:creationId xmlns:a16="http://schemas.microsoft.com/office/drawing/2014/main" id="{D6C729C4-396D-D3B7-842F-EECCEF693A3A}"/>
+              </a:ext>
+            </a:extLst>
+          </p:cNvPr>
+          <p:cNvGraphicFramePr>
+            <a:graphicFrameLocks noGrp="1"/>
+          </p:cNvGraphicFramePr>
+          <p:nvPr>
+            <p:extLst>
+              <p:ext uri="{D42A27DB-BD31-4B8C-83A1-F6EECF244321}">
+                <p14:modId xmlns:p14="http://schemas.microsoft.com/office/powerpoint/2010/main" val="2602131472"/>
+              </p:ext>
+            </p:extLst>
+          </p:nvPr>
+        </p:nvGraphicFramePr>
+        <p:xfrm>
+          <a:off x="1609342" y="2438622"/>
+          <a:ext cx="4053077" cy="1304925"/>
+        </p:xfrm>
+        <a:graphic>
+          <a:graphicData uri="http://schemas.openxmlformats.org/drawingml/2006/table">
+            <a:tbl>
+              <a:tblPr firstRow="1" bandRow="1">
+                <a:tableStyleId>{5C22544A-7EE6-4342-B048-85BDC9FD1C3A}</a:tableStyleId>
+              </a:tblPr>
+              <a:tblGrid>
+                <a:gridCol w="655275">
+                  <a:extLst>
+                    <a:ext uri="{9D8B030D-6E8A-4147-A177-3AD203B41FA5}">
+                      <a16:colId xmlns:a16="http://schemas.microsoft.com/office/drawing/2014/main" val="4281797432"/>
+                    </a:ext>
+                  </a:extLst>
+                </a:gridCol>
+                <a:gridCol w="1001233">
+                  <a:extLst>
+                    <a:ext uri="{9D8B030D-6E8A-4147-A177-3AD203B41FA5}">
+                      <a16:colId xmlns:a16="http://schemas.microsoft.com/office/drawing/2014/main" val="237440901"/>
+                    </a:ext>
+                  </a:extLst>
+                </a:gridCol>
+                <a:gridCol w="1022536">
+                  <a:extLst>
+                    <a:ext uri="{9D8B030D-6E8A-4147-A177-3AD203B41FA5}">
+                      <a16:colId xmlns:a16="http://schemas.microsoft.com/office/drawing/2014/main" val="3447409254"/>
+                    </a:ext>
+                  </a:extLst>
+                </a:gridCol>
+                <a:gridCol w="862765">
+                  <a:extLst>
+                    <a:ext uri="{9D8B030D-6E8A-4147-A177-3AD203B41FA5}">
+                      <a16:colId xmlns:a16="http://schemas.microsoft.com/office/drawing/2014/main" val="888093024"/>
+                    </a:ext>
+                  </a:extLst>
+                </a:gridCol>
+                <a:gridCol w="511268">
+                  <a:extLst>
+                    <a:ext uri="{9D8B030D-6E8A-4147-A177-3AD203B41FA5}">
+                      <a16:colId xmlns:a16="http://schemas.microsoft.com/office/drawing/2014/main" val="4218543662"/>
+                    </a:ext>
+                  </a:extLst>
+                </a:gridCol>
+              </a:tblGrid>
+              <a:tr h="0">
+                <a:tc>
+                  <a:txBody>
+                    <a:bodyPr/>
+                    <a:lstStyle/>
+                    <a:p>
+                      <a:pPr algn="l" fontAlgn="b"/>
+                      <a:r>
+                        <a:rPr lang="en-US" sz="1200" b="1" i="0" u="none" strike="noStrike">
+                          <a:solidFill>
+                            <a:schemeClr val="bg1"/>
+                          </a:solidFill>
+                          <a:effectLst/>
+                          <a:latin typeface="Calibri" panose="020F0502020204030204" pitchFamily="34" charset="0"/>
+                        </a:rPr>
+                        <a:t>orderid</a:t>
+                      </a:r>
+                    </a:p>
+                  </a:txBody>
+                  <a:tcPr marL="9525" marR="9525" marT="9525" marB="0" anchor="b"/>
+                </a:tc>
+                <a:tc>
+                  <a:txBody>
+                    <a:bodyPr/>
+                    <a:lstStyle/>
+                    <a:p>
+                      <a:pPr algn="l" fontAlgn="b"/>
+                      <a:r>
+                        <a:rPr lang="en-US" sz="1200" b="1" i="0" u="none" strike="noStrike">
+                          <a:solidFill>
+                            <a:schemeClr val="bg1"/>
+                          </a:solidFill>
+                          <a:effectLst/>
+                          <a:latin typeface="Calibri" panose="020F0502020204030204" pitchFamily="34" charset="0"/>
+                        </a:rPr>
+                        <a:t>customerid</a:t>
+                      </a:r>
+                    </a:p>
+                  </a:txBody>
+                  <a:tcPr marL="9525" marR="9525" marT="9525" marB="0" anchor="b"/>
+                </a:tc>
+                <a:tc>
+                  <a:txBody>
+                    <a:bodyPr/>
+                    <a:lstStyle/>
+                    <a:p>
+                      <a:pPr algn="l" fontAlgn="b"/>
+                      <a:r>
+                        <a:rPr lang="en-US" sz="1200" b="1" i="0" u="none" strike="noStrike" dirty="0">
+                          <a:solidFill>
+                            <a:schemeClr val="bg1"/>
+                          </a:solidFill>
+                          <a:effectLst/>
+                          <a:latin typeface="Calibri" panose="020F0502020204030204" pitchFamily="34" charset="0"/>
+                        </a:rPr>
+                        <a:t>employeeid</a:t>
+                      </a:r>
+                    </a:p>
+                  </a:txBody>
+                  <a:tcPr marL="9525" marR="9525" marT="9525" marB="0" anchor="b"/>
+                </a:tc>
+                <a:tc>
+                  <a:txBody>
+                    <a:bodyPr/>
+                    <a:lstStyle/>
+                    <a:p>
+                      <a:pPr algn="l" fontAlgn="b"/>
+                      <a:r>
+                        <a:rPr lang="en-US" sz="1200" b="1" i="0" u="none" strike="noStrike">
+                          <a:solidFill>
+                            <a:schemeClr val="bg1"/>
+                          </a:solidFill>
+                          <a:effectLst/>
+                          <a:latin typeface="Calibri" panose="020F0502020204030204" pitchFamily="34" charset="0"/>
+                        </a:rPr>
+                        <a:t>orderdate</a:t>
+                      </a:r>
+                    </a:p>
+                  </a:txBody>
+                  <a:tcPr marL="9525" marR="9525" marT="9525" marB="0" anchor="b"/>
+                </a:tc>
+                <a:tc>
+                  <a:txBody>
+                    <a:bodyPr/>
+                    <a:lstStyle/>
+                    <a:p>
+                      <a:pPr algn="l" fontAlgn="b"/>
+                      <a:r>
+                        <a:rPr lang="en-US" sz="1200" b="1" i="0" u="none" strike="noStrike" dirty="0">
+                          <a:solidFill>
+                            <a:schemeClr val="bg1"/>
+                          </a:solidFill>
+                          <a:effectLst/>
+                          <a:latin typeface="Calibri" panose="020F0502020204030204" pitchFamily="34" charset="0"/>
+                        </a:rPr>
+                        <a:t>price</a:t>
+                      </a:r>
+                    </a:p>
+                  </a:txBody>
+                  <a:tcPr marL="9525" marR="9525" marT="9525" marB="0" anchor="b"/>
+                </a:tc>
+                <a:extLst>
+                  <a:ext uri="{0D108BD9-81ED-4DB2-BD59-A6C34878D82A}">
+                    <a16:rowId xmlns:a16="http://schemas.microsoft.com/office/drawing/2014/main" val="594612673"/>
+                  </a:ext>
+                </a:extLst>
+              </a:tr>
+              <a:tr h="370840">
+                <a:tc>
+                  <a:txBody>
+                    <a:bodyPr/>
+                    <a:lstStyle/>
+                    <a:p>
+                      <a:pPr algn="ctr" fontAlgn="b"/>
+                      <a:r>
+                        <a:rPr lang="en-US" sz="1100" b="0" i="0" u="none" strike="noStrike" dirty="0">
+                          <a:solidFill>
+                            <a:srgbClr val="000000"/>
+                          </a:solidFill>
+                          <a:effectLst/>
+                          <a:latin typeface="Calibri" panose="020F0502020204030204" pitchFamily="34" charset="0"/>
+                        </a:rPr>
+                        <a:t>10408</a:t>
+                      </a:r>
+                    </a:p>
+                  </a:txBody>
+                  <a:tcPr marL="9525" marR="9525" marT="9525" marB="0" anchor="b"/>
+                </a:tc>
+                <a:tc>
+                  <a:txBody>
+                    <a:bodyPr/>
+                    <a:lstStyle/>
+                    <a:p>
+                      <a:pPr algn="ctr" fontAlgn="b"/>
+                      <a:r>
+                        <a:rPr lang="en-US" sz="1100" b="0" i="0" u="none" strike="noStrike" dirty="0">
+                          <a:solidFill>
+                            <a:srgbClr val="000000"/>
+                          </a:solidFill>
+                          <a:effectLst/>
+                          <a:latin typeface="Calibri" panose="020F0502020204030204" pitchFamily="34" charset="0"/>
+                        </a:rPr>
+                        <a:t>2</a:t>
+                      </a:r>
+                    </a:p>
+                  </a:txBody>
+                  <a:tcPr marL="9525" marR="9525" marT="9525" marB="0" anchor="b"/>
+                </a:tc>
+                <a:tc>
+                  <a:txBody>
+                    <a:bodyPr/>
+                    <a:lstStyle/>
+                    <a:p>
+                      <a:pPr algn="ctr" fontAlgn="b"/>
+                      <a:r>
+                        <a:rPr lang="en-US" sz="1100" b="0" i="0" u="none" strike="noStrike">
+                          <a:solidFill>
+                            <a:srgbClr val="000000"/>
+                          </a:solidFill>
+                          <a:effectLst/>
+                          <a:latin typeface="Calibri" panose="020F0502020204030204" pitchFamily="34" charset="0"/>
+                        </a:rPr>
+                        <a:t>7</a:t>
+                      </a:r>
+                    </a:p>
+                  </a:txBody>
+                  <a:tcPr marL="9525" marR="9525" marT="9525" marB="0" anchor="b"/>
+                </a:tc>
+                <a:tc>
+                  <a:txBody>
+                    <a:bodyPr/>
+                    <a:lstStyle/>
+                    <a:p>
+                      <a:pPr algn="ctr" fontAlgn="b"/>
+                      <a:r>
+                        <a:rPr lang="en-US" sz="1100" b="0" i="0" u="none" strike="noStrike">
+                          <a:solidFill>
+                            <a:srgbClr val="000000"/>
+                          </a:solidFill>
+                          <a:effectLst/>
+                          <a:latin typeface="Calibri" panose="020F0502020204030204" pitchFamily="34" charset="0"/>
+                        </a:rPr>
+                        <a:t>10/19/2022</a:t>
+                      </a:r>
+                    </a:p>
+                  </a:txBody>
+                  <a:tcPr marL="9525" marR="9525" marT="9525" marB="0" anchor="b"/>
+                </a:tc>
+                <a:tc>
+                  <a:txBody>
+                    <a:bodyPr/>
+                    <a:lstStyle/>
+                    <a:p>
+                      <a:pPr algn="ctr" fontAlgn="b"/>
+                      <a:r>
+                        <a:rPr lang="en-US" sz="1100" b="0" i="0" u="none" strike="noStrike">
+                          <a:solidFill>
+                            <a:srgbClr val="000000"/>
+                          </a:solidFill>
+                          <a:effectLst/>
+                          <a:latin typeface="Calibri" panose="020F0502020204030204" pitchFamily="34" charset="0"/>
+                        </a:rPr>
+                        <a:t>164.78</a:t>
+                      </a:r>
+                    </a:p>
+                  </a:txBody>
+                  <a:tcPr marL="9525" marR="9525" marT="9525" marB="0" anchor="b"/>
+                </a:tc>
+                <a:extLst>
+                  <a:ext uri="{0D108BD9-81ED-4DB2-BD59-A6C34878D82A}">
+                    <a16:rowId xmlns:a16="http://schemas.microsoft.com/office/drawing/2014/main" val="3284073844"/>
+                  </a:ext>
+                </a:extLst>
+              </a:tr>
+              <a:tr h="370840">
+                <a:tc>
+                  <a:txBody>
+                    <a:bodyPr/>
+                    <a:lstStyle/>
+                    <a:p>
+                      <a:pPr algn="ctr" fontAlgn="b"/>
+                      <a:r>
+                        <a:rPr lang="en-US" sz="1100" b="0" i="0" u="none" strike="noStrike">
+                          <a:solidFill>
+                            <a:srgbClr val="000000"/>
+                          </a:solidFill>
+                          <a:effectLst/>
+                          <a:latin typeface="Calibri" panose="020F0502020204030204" pitchFamily="34" charset="0"/>
+                        </a:rPr>
+                        <a:t>10409</a:t>
+                      </a:r>
+                    </a:p>
+                  </a:txBody>
+                  <a:tcPr marL="9525" marR="9525" marT="9525" marB="0" anchor="b"/>
+                </a:tc>
+                <a:tc>
+                  <a:txBody>
+                    <a:bodyPr/>
+                    <a:lstStyle/>
+                    <a:p>
+                      <a:pPr algn="ctr" fontAlgn="b"/>
+                      <a:r>
+                        <a:rPr lang="en-US" sz="1100" b="0" i="0" u="none" strike="noStrike" dirty="0">
+                          <a:solidFill>
+                            <a:srgbClr val="000000"/>
+                          </a:solidFill>
+                          <a:effectLst/>
+                          <a:latin typeface="Calibri" panose="020F0502020204030204" pitchFamily="34" charset="0"/>
+                        </a:rPr>
+                        <a:t>2</a:t>
+                      </a:r>
+                    </a:p>
+                  </a:txBody>
+                  <a:tcPr marL="9525" marR="9525" marT="9525" marB="0" anchor="b"/>
+                </a:tc>
+                <a:tc>
+                  <a:txBody>
+                    <a:bodyPr/>
+                    <a:lstStyle/>
+                    <a:p>
+                      <a:pPr algn="ctr" fontAlgn="b"/>
+                      <a:r>
+                        <a:rPr lang="en-US" sz="1100" b="0" i="0" u="none" strike="noStrike" dirty="0">
+                          <a:solidFill>
+                            <a:srgbClr val="000000"/>
+                          </a:solidFill>
+                          <a:effectLst/>
+                          <a:latin typeface="Calibri" panose="020F0502020204030204" pitchFamily="34" charset="0"/>
+                        </a:rPr>
+                        <a:t>5</a:t>
+                      </a:r>
+                    </a:p>
+                  </a:txBody>
+                  <a:tcPr marL="9525" marR="9525" marT="9525" marB="0" anchor="b"/>
+                </a:tc>
+                <a:tc>
+                  <a:txBody>
+                    <a:bodyPr/>
+                    <a:lstStyle/>
+                    <a:p>
+                      <a:pPr algn="ctr" fontAlgn="b"/>
+                      <a:r>
+                        <a:rPr lang="en-US" sz="1100" b="0" i="0" u="none" strike="noStrike">
+                          <a:solidFill>
+                            <a:srgbClr val="000000"/>
+                          </a:solidFill>
+                          <a:effectLst/>
+                          <a:latin typeface="Calibri" panose="020F0502020204030204" pitchFamily="34" charset="0"/>
+                        </a:rPr>
+                        <a:t>10/20/2022</a:t>
+                      </a:r>
+                    </a:p>
+                  </a:txBody>
+                  <a:tcPr marL="9525" marR="9525" marT="9525" marB="0" anchor="b"/>
+                </a:tc>
+                <a:tc>
+                  <a:txBody>
+                    <a:bodyPr/>
+                    <a:lstStyle/>
+                    <a:p>
+                      <a:pPr algn="ctr" fontAlgn="b"/>
+                      <a:r>
+                        <a:rPr lang="en-US" sz="1100" b="0" i="0" u="none" strike="noStrike">
+                          <a:solidFill>
+                            <a:srgbClr val="000000"/>
+                          </a:solidFill>
+                          <a:effectLst/>
+                          <a:latin typeface="Calibri" panose="020F0502020204030204" pitchFamily="34" charset="0"/>
+                        </a:rPr>
+                        <a:t>200.78</a:t>
+                      </a:r>
+                    </a:p>
+                  </a:txBody>
+                  <a:tcPr marL="9525" marR="9525" marT="9525" marB="0" anchor="b"/>
+                </a:tc>
+                <a:extLst>
+                  <a:ext uri="{0D108BD9-81ED-4DB2-BD59-A6C34878D82A}">
+                    <a16:rowId xmlns:a16="http://schemas.microsoft.com/office/drawing/2014/main" val="3253801685"/>
+                  </a:ext>
+                </a:extLst>
+              </a:tr>
+              <a:tr h="370840">
+                <a:tc>
+                  <a:txBody>
+                    <a:bodyPr/>
+                    <a:lstStyle/>
+                    <a:p>
+                      <a:pPr algn="ctr" fontAlgn="b"/>
+                      <a:r>
+                        <a:rPr lang="en-US" sz="1100" b="0" i="0" u="none" strike="noStrike">
+                          <a:solidFill>
+                            <a:srgbClr val="000000"/>
+                          </a:solidFill>
+                          <a:effectLst/>
+                          <a:latin typeface="Calibri" panose="020F0502020204030204" pitchFamily="34" charset="0"/>
+                        </a:rPr>
+                        <a:t>1010</a:t>
+                      </a:r>
+                    </a:p>
+                  </a:txBody>
+                  <a:tcPr marL="9525" marR="9525" marT="9525" marB="0" anchor="b"/>
+                </a:tc>
+                <a:tc>
+                  <a:txBody>
+                    <a:bodyPr/>
+                    <a:lstStyle/>
+                    <a:p>
+                      <a:pPr algn="ctr" fontAlgn="b"/>
+                      <a:r>
+                        <a:rPr lang="en-US" sz="1100" b="0" i="0" u="none" strike="noStrike">
+                          <a:solidFill>
+                            <a:srgbClr val="000000"/>
+                          </a:solidFill>
+                          <a:effectLst/>
+                          <a:latin typeface="Calibri" panose="020F0502020204030204" pitchFamily="34" charset="0"/>
+                        </a:rPr>
+                        <a:t>1</a:t>
+                      </a:r>
+                    </a:p>
+                  </a:txBody>
+                  <a:tcPr marL="9525" marR="9525" marT="9525" marB="0" anchor="b"/>
+                </a:tc>
+                <a:tc>
+                  <a:txBody>
+                    <a:bodyPr/>
+                    <a:lstStyle/>
+                    <a:p>
+                      <a:pPr algn="ctr" fontAlgn="b"/>
+                      <a:r>
+                        <a:rPr lang="en-US" sz="1100" b="0" i="0" u="none" strike="noStrike" dirty="0">
+                          <a:solidFill>
+                            <a:srgbClr val="000000"/>
+                          </a:solidFill>
+                          <a:effectLst/>
+                          <a:latin typeface="Calibri" panose="020F0502020204030204" pitchFamily="34" charset="0"/>
+                        </a:rPr>
+                        <a:t>6</a:t>
+                      </a:r>
+                    </a:p>
+                  </a:txBody>
+                  <a:tcPr marL="9525" marR="9525" marT="9525" marB="0" anchor="b"/>
+                </a:tc>
+                <a:tc>
+                  <a:txBody>
+                    <a:bodyPr/>
+                    <a:lstStyle/>
+                    <a:p>
+                      <a:pPr algn="ctr" fontAlgn="b"/>
+                      <a:r>
+                        <a:rPr lang="en-US" sz="1100" b="0" i="0" u="none" strike="noStrike" dirty="0">
+                          <a:solidFill>
+                            <a:srgbClr val="000000"/>
+                          </a:solidFill>
+                          <a:effectLst/>
+                          <a:latin typeface="Calibri" panose="020F0502020204030204" pitchFamily="34" charset="0"/>
+                        </a:rPr>
+                        <a:t>10/21/2020</a:t>
+                      </a:r>
+                    </a:p>
+                  </a:txBody>
+                  <a:tcPr marL="9525" marR="9525" marT="9525" marB="0" anchor="b"/>
+                </a:tc>
+                <a:tc>
+                  <a:txBody>
+                    <a:bodyPr/>
+                    <a:lstStyle/>
+                    <a:p>
+                      <a:pPr algn="ctr" fontAlgn="b"/>
+                      <a:r>
+                        <a:rPr lang="en-US" sz="1100" b="0" i="0" u="none" strike="noStrike" dirty="0">
+                          <a:solidFill>
+                            <a:srgbClr val="000000"/>
+                          </a:solidFill>
+                          <a:effectLst/>
+                          <a:latin typeface="Calibri" panose="020F0502020204030204" pitchFamily="34" charset="0"/>
+                        </a:rPr>
+                        <a:t>300.78</a:t>
+                      </a:r>
+                    </a:p>
+                  </a:txBody>
+                  <a:tcPr marL="9525" marR="9525" marT="9525" marB="0" anchor="b"/>
+                </a:tc>
+                <a:extLst>
+                  <a:ext uri="{0D108BD9-81ED-4DB2-BD59-A6C34878D82A}">
+                    <a16:rowId xmlns:a16="http://schemas.microsoft.com/office/drawing/2014/main" val="2983064871"/>
+                  </a:ext>
+                </a:extLst>
+              </a:tr>
+            </a:tbl>
+          </a:graphicData>
+        </a:graphic>
+      </p:graphicFrame>
+      <p:graphicFrame>
+        <p:nvGraphicFramePr>
+          <p:cNvPr id="5" name="Table 5">
+            <a:extLst>
+              <a:ext uri="{FF2B5EF4-FFF2-40B4-BE49-F238E27FC236}">
+                <a16:creationId xmlns:a16="http://schemas.microsoft.com/office/drawing/2014/main" id="{C1B7487F-F43C-DF62-049D-2842B9DF3048}"/>
+              </a:ext>
+            </a:extLst>
+          </p:cNvPr>
+          <p:cNvGraphicFramePr>
+            <a:graphicFrameLocks noGrp="1"/>
+          </p:cNvGraphicFramePr>
+          <p:nvPr>
+            <p:extLst>
+              <p:ext uri="{D42A27DB-BD31-4B8C-83A1-F6EECF244321}">
+                <p14:modId xmlns:p14="http://schemas.microsoft.com/office/powerpoint/2010/main" val="1373827197"/>
+              </p:ext>
+            </p:extLst>
+          </p:nvPr>
+        </p:nvGraphicFramePr>
+        <p:xfrm>
+          <a:off x="5934075" y="3188200"/>
+          <a:ext cx="4691255" cy="1624965"/>
+        </p:xfrm>
+        <a:graphic>
+          <a:graphicData uri="http://schemas.openxmlformats.org/drawingml/2006/table">
+            <a:tbl>
+              <a:tblPr firstRow="1" bandRow="1">
+                <a:tableStyleId>{5C22544A-7EE6-4342-B048-85BDC9FD1C3A}</a:tableStyleId>
+              </a:tblPr>
+              <a:tblGrid>
+                <a:gridCol w="781876">
+                  <a:extLst>
+                    <a:ext uri="{9D8B030D-6E8A-4147-A177-3AD203B41FA5}">
+                      <a16:colId xmlns:a16="http://schemas.microsoft.com/office/drawing/2014/main" val="804572549"/>
+                    </a:ext>
+                  </a:extLst>
+                </a:gridCol>
+                <a:gridCol w="1025547">
+                  <a:extLst>
+                    <a:ext uri="{9D8B030D-6E8A-4147-A177-3AD203B41FA5}">
+                      <a16:colId xmlns:a16="http://schemas.microsoft.com/office/drawing/2014/main" val="690705410"/>
+                    </a:ext>
+                  </a:extLst>
+                </a:gridCol>
+                <a:gridCol w="538204">
+                  <a:extLst>
+                    <a:ext uri="{9D8B030D-6E8A-4147-A177-3AD203B41FA5}">
+                      <a16:colId xmlns:a16="http://schemas.microsoft.com/office/drawing/2014/main" val="1451036570"/>
+                    </a:ext>
+                  </a:extLst>
+                </a:gridCol>
+                <a:gridCol w="539782">
+                  <a:extLst>
+                    <a:ext uri="{9D8B030D-6E8A-4147-A177-3AD203B41FA5}">
+                      <a16:colId xmlns:a16="http://schemas.microsoft.com/office/drawing/2014/main" val="1919614046"/>
+                    </a:ext>
+                  </a:extLst>
+                </a:gridCol>
+                <a:gridCol w="743811">
+                  <a:extLst>
+                    <a:ext uri="{9D8B030D-6E8A-4147-A177-3AD203B41FA5}">
+                      <a16:colId xmlns:a16="http://schemas.microsoft.com/office/drawing/2014/main" val="3603661983"/>
+                    </a:ext>
+                  </a:extLst>
+                </a:gridCol>
+                <a:gridCol w="1062035">
+                  <a:extLst>
+                    <a:ext uri="{9D8B030D-6E8A-4147-A177-3AD203B41FA5}">
+                      <a16:colId xmlns:a16="http://schemas.microsoft.com/office/drawing/2014/main" val="2638018289"/>
+                    </a:ext>
+                  </a:extLst>
+                </a:gridCol>
+              </a:tblGrid>
+              <a:tr h="370840">
+                <a:tc>
+                  <a:txBody>
+                    <a:bodyPr/>
+                    <a:lstStyle/>
+                    <a:p>
+                      <a:pPr algn="l" fontAlgn="b"/>
+                      <a:r>
+                        <a:rPr lang="en-US" sz="1200" b="1" i="0" u="none" strike="noStrike">
+                          <a:solidFill>
+                            <a:schemeClr val="bg1"/>
+                          </a:solidFill>
+                          <a:effectLst/>
+                          <a:latin typeface="Calibri" panose="020F0502020204030204" pitchFamily="34" charset="0"/>
+                        </a:rPr>
+                        <a:t>customerid</a:t>
+                      </a:r>
+                    </a:p>
+                  </a:txBody>
+                  <a:tcPr marL="9525" marR="9525" marT="9525" marB="0" anchor="b"/>
+                </a:tc>
+                <a:tc>
+                  <a:txBody>
+                    <a:bodyPr/>
+                    <a:lstStyle/>
+                    <a:p>
+                      <a:pPr algn="l" fontAlgn="b"/>
+                      <a:r>
+                        <a:rPr lang="en-US" sz="1200" b="1" i="0" u="none" strike="noStrike">
+                          <a:solidFill>
+                            <a:schemeClr val="bg1"/>
+                          </a:solidFill>
+                          <a:effectLst/>
+                          <a:latin typeface="Calibri" panose="020F0502020204030204" pitchFamily="34" charset="0"/>
+                        </a:rPr>
+                        <a:t>customername</a:t>
+                      </a:r>
+                    </a:p>
+                  </a:txBody>
+                  <a:tcPr marL="9525" marR="9525" marT="9525" marB="0" anchor="b"/>
+                </a:tc>
+                <a:tc>
+                  <a:txBody>
+                    <a:bodyPr/>
+                    <a:lstStyle/>
+                    <a:p>
+                      <a:pPr algn="l" fontAlgn="b"/>
+                      <a:r>
+                        <a:rPr lang="en-US" sz="1200" b="1" i="0" u="none" strike="noStrike">
+                          <a:solidFill>
+                            <a:schemeClr val="bg1"/>
+                          </a:solidFill>
+                          <a:effectLst/>
+                          <a:latin typeface="Calibri" panose="020F0502020204030204" pitchFamily="34" charset="0"/>
+                        </a:rPr>
+                        <a:t>address</a:t>
+                      </a:r>
+                    </a:p>
+                  </a:txBody>
+                  <a:tcPr marL="9525" marR="9525" marT="9525" marB="0" anchor="b"/>
+                </a:tc>
+                <a:tc>
+                  <a:txBody>
+                    <a:bodyPr/>
+                    <a:lstStyle/>
+                    <a:p>
+                      <a:pPr algn="l" fontAlgn="b"/>
+                      <a:r>
+                        <a:rPr lang="en-US" sz="1200" b="1" i="0" u="none" strike="noStrike">
+                          <a:solidFill>
+                            <a:schemeClr val="bg1"/>
+                          </a:solidFill>
+                          <a:effectLst/>
+                          <a:latin typeface="Calibri" panose="020F0502020204030204" pitchFamily="34" charset="0"/>
+                        </a:rPr>
+                        <a:t>city</a:t>
+                      </a:r>
+                    </a:p>
+                  </a:txBody>
+                  <a:tcPr marL="9525" marR="9525" marT="9525" marB="0" anchor="b"/>
+                </a:tc>
+                <a:tc>
+                  <a:txBody>
+                    <a:bodyPr/>
+                    <a:lstStyle/>
+                    <a:p>
+                      <a:pPr algn="l" fontAlgn="b"/>
+                      <a:r>
+                        <a:rPr lang="en-US" sz="1200" b="1" i="0" u="none" strike="noStrike">
+                          <a:solidFill>
+                            <a:schemeClr val="bg1"/>
+                          </a:solidFill>
+                          <a:effectLst/>
+                          <a:latin typeface="Calibri" panose="020F0502020204030204" pitchFamily="34" charset="0"/>
+                        </a:rPr>
+                        <a:t>postalcode</a:t>
+                      </a:r>
+                    </a:p>
+                  </a:txBody>
+                  <a:tcPr marL="9525" marR="9525" marT="9525" marB="0" anchor="b"/>
+                </a:tc>
+                <a:tc>
+                  <a:txBody>
+                    <a:bodyPr/>
+                    <a:lstStyle/>
+                    <a:p>
+                      <a:pPr algn="l" fontAlgn="b"/>
+                      <a:r>
+                        <a:rPr lang="en-US" sz="1200" b="1" i="0" u="none" strike="noStrike" dirty="0">
+                          <a:solidFill>
+                            <a:schemeClr val="bg1"/>
+                          </a:solidFill>
+                          <a:effectLst/>
+                          <a:latin typeface="Calibri" panose="020F0502020204030204" pitchFamily="34" charset="0"/>
+                        </a:rPr>
+                        <a:t>country</a:t>
+                      </a:r>
+                    </a:p>
+                  </a:txBody>
+                  <a:tcPr marL="9525" marR="9525" marT="9525" marB="0" anchor="b"/>
+                </a:tc>
+                <a:extLst>
+                  <a:ext uri="{0D108BD9-81ED-4DB2-BD59-A6C34878D82A}">
+                    <a16:rowId xmlns:a16="http://schemas.microsoft.com/office/drawing/2014/main" val="3810522630"/>
+                  </a:ext>
+                </a:extLst>
+              </a:tr>
+              <a:tr h="370840">
+                <a:tc>
+                  <a:txBody>
+                    <a:bodyPr/>
+                    <a:lstStyle/>
+                    <a:p>
+                      <a:pPr algn="ctr" fontAlgn="b"/>
+                      <a:r>
+                        <a:rPr lang="en-US" sz="1100" b="0" i="0" u="none" strike="noStrike" dirty="0">
+                          <a:solidFill>
+                            <a:srgbClr val="000000"/>
+                          </a:solidFill>
+                          <a:effectLst/>
+                          <a:latin typeface="Calibri" panose="020F0502020204030204" pitchFamily="34" charset="0"/>
+                        </a:rPr>
+                        <a:t>1</a:t>
+                      </a:r>
+                    </a:p>
+                  </a:txBody>
+                  <a:tcPr marL="9525" marR="9525" marT="9525" marB="0" anchor="b"/>
+                </a:tc>
+                <a:tc>
+                  <a:txBody>
+                    <a:bodyPr/>
+                    <a:lstStyle/>
+                    <a:p>
+                      <a:pPr algn="ctr" fontAlgn="b"/>
+                      <a:r>
+                        <a:rPr lang="en-US" sz="1100" b="0" i="0" u="none" strike="noStrike" dirty="0">
+                          <a:solidFill>
+                            <a:srgbClr val="000000"/>
+                          </a:solidFill>
+                          <a:effectLst/>
+                          <a:latin typeface="Calibri" panose="020F0502020204030204" pitchFamily="34" charset="0"/>
+                        </a:rPr>
+                        <a:t>Mario</a:t>
+                      </a:r>
+                    </a:p>
+                  </a:txBody>
+                  <a:tcPr marL="9525" marR="9525" marT="9525" marB="0" anchor="b"/>
+                </a:tc>
+                <a:tc>
+                  <a:txBody>
+                    <a:bodyPr/>
+                    <a:lstStyle/>
+                    <a:p>
+                      <a:pPr algn="ctr" fontAlgn="b"/>
+                      <a:r>
+                        <a:rPr lang="en-US" sz="1100" b="0" i="0" u="none" strike="noStrike">
+                          <a:solidFill>
+                            <a:srgbClr val="000000"/>
+                          </a:solidFill>
+                          <a:effectLst/>
+                          <a:latin typeface="Calibri" panose="020F0502020204030204" pitchFamily="34" charset="0"/>
+                        </a:rPr>
+                        <a:t>Flager ave. 107</a:t>
+                      </a:r>
+                    </a:p>
+                  </a:txBody>
+                  <a:tcPr marL="9525" marR="9525" marT="9525" marB="0" anchor="b"/>
+                </a:tc>
+                <a:tc>
+                  <a:txBody>
+                    <a:bodyPr/>
+                    <a:lstStyle/>
+                    <a:p>
+                      <a:pPr algn="ctr" fontAlgn="b"/>
+                      <a:r>
+                        <a:rPr lang="en-US" sz="1100" b="0" i="0" u="none" strike="noStrike">
+                          <a:solidFill>
+                            <a:srgbClr val="000000"/>
+                          </a:solidFill>
+                          <a:effectLst/>
+                          <a:latin typeface="Calibri" panose="020F0502020204030204" pitchFamily="34" charset="0"/>
+                        </a:rPr>
+                        <a:t>Doral</a:t>
+                      </a:r>
+                    </a:p>
+                  </a:txBody>
+                  <a:tcPr marL="9525" marR="9525" marT="9525" marB="0" anchor="b"/>
+                </a:tc>
+                <a:tc>
+                  <a:txBody>
+                    <a:bodyPr/>
+                    <a:lstStyle/>
+                    <a:p>
+                      <a:pPr algn="ctr" fontAlgn="b"/>
+                      <a:r>
+                        <a:rPr lang="en-US" sz="1100" b="0" i="0" u="none" strike="noStrike">
+                          <a:solidFill>
+                            <a:srgbClr val="000000"/>
+                          </a:solidFill>
+                          <a:effectLst/>
+                          <a:latin typeface="Calibri" panose="020F0502020204030204" pitchFamily="34" charset="0"/>
+                        </a:rPr>
+                        <a:t>33176</a:t>
+                      </a:r>
+                    </a:p>
+                  </a:txBody>
+                  <a:tcPr marL="9525" marR="9525" marT="9525" marB="0" anchor="b"/>
+                </a:tc>
+                <a:tc>
+                  <a:txBody>
+                    <a:bodyPr/>
+                    <a:lstStyle/>
+                    <a:p>
+                      <a:pPr algn="ctr" fontAlgn="b"/>
+                      <a:r>
+                        <a:rPr lang="en-US" sz="1100" b="0" i="0" u="none" strike="noStrike" dirty="0">
+                          <a:solidFill>
+                            <a:srgbClr val="000000"/>
+                          </a:solidFill>
+                          <a:effectLst/>
+                          <a:latin typeface="Calibri" panose="020F0502020204030204" pitchFamily="34" charset="0"/>
+                        </a:rPr>
+                        <a:t>United States</a:t>
+                      </a:r>
+                    </a:p>
+                  </a:txBody>
+                  <a:tcPr marL="9525" marR="9525" marT="9525" marB="0" anchor="b"/>
+                </a:tc>
+                <a:extLst>
+                  <a:ext uri="{0D108BD9-81ED-4DB2-BD59-A6C34878D82A}">
+                    <a16:rowId xmlns:a16="http://schemas.microsoft.com/office/drawing/2014/main" val="554250934"/>
+                  </a:ext>
+                </a:extLst>
+              </a:tr>
+              <a:tr h="370840">
+                <a:tc>
+                  <a:txBody>
+                    <a:bodyPr/>
+                    <a:lstStyle/>
+                    <a:p>
+                      <a:pPr algn="ctr" fontAlgn="b"/>
+                      <a:r>
+                        <a:rPr lang="en-US" sz="1100" b="0" i="0" u="none" strike="noStrike">
+                          <a:solidFill>
+                            <a:srgbClr val="000000"/>
+                          </a:solidFill>
+                          <a:effectLst/>
+                          <a:latin typeface="Calibri" panose="020F0502020204030204" pitchFamily="34" charset="0"/>
+                        </a:rPr>
+                        <a:t>2</a:t>
+                      </a:r>
+                    </a:p>
+                  </a:txBody>
+                  <a:tcPr marL="9525" marR="9525" marT="9525" marB="0" anchor="b"/>
+                </a:tc>
+                <a:tc>
+                  <a:txBody>
+                    <a:bodyPr/>
+                    <a:lstStyle/>
+                    <a:p>
+                      <a:pPr algn="ctr" fontAlgn="b"/>
+                      <a:r>
+                        <a:rPr lang="en-US" sz="1100" b="0" i="0" u="none" strike="noStrike" dirty="0">
+                          <a:solidFill>
+                            <a:srgbClr val="000000"/>
+                          </a:solidFill>
+                          <a:effectLst/>
+                          <a:latin typeface="Calibri" panose="020F0502020204030204" pitchFamily="34" charset="0"/>
+                        </a:rPr>
+                        <a:t>Luis</a:t>
+                      </a:r>
+                    </a:p>
+                  </a:txBody>
+                  <a:tcPr marL="9525" marR="9525" marT="9525" marB="0" anchor="b"/>
+                </a:tc>
+                <a:tc>
+                  <a:txBody>
+                    <a:bodyPr/>
+                    <a:lstStyle/>
+                    <a:p>
+                      <a:pPr algn="ctr" fontAlgn="b"/>
+                      <a:r>
+                        <a:rPr lang="en-US" sz="1100" b="0" i="0" u="none" strike="noStrike" dirty="0">
+                          <a:solidFill>
+                            <a:srgbClr val="000000"/>
+                          </a:solidFill>
+                          <a:effectLst/>
+                          <a:latin typeface="Calibri" panose="020F0502020204030204" pitchFamily="34" charset="0"/>
+                        </a:rPr>
+                        <a:t>Calle 8 Str. 8</a:t>
+                      </a:r>
+                    </a:p>
+                  </a:txBody>
+                  <a:tcPr marL="9525" marR="9525" marT="9525" marB="0" anchor="b"/>
+                </a:tc>
+                <a:tc>
+                  <a:txBody>
+                    <a:bodyPr/>
+                    <a:lstStyle/>
+                    <a:p>
+                      <a:pPr algn="ctr" fontAlgn="b"/>
+                      <a:r>
+                        <a:rPr lang="en-US" sz="1100" b="0" i="0" u="none" strike="noStrike">
+                          <a:solidFill>
+                            <a:srgbClr val="000000"/>
+                          </a:solidFill>
+                          <a:effectLst/>
+                          <a:latin typeface="Calibri" panose="020F0502020204030204" pitchFamily="34" charset="0"/>
+                        </a:rPr>
+                        <a:t>Miami</a:t>
+                      </a:r>
+                    </a:p>
+                  </a:txBody>
+                  <a:tcPr marL="9525" marR="9525" marT="9525" marB="0" anchor="b"/>
+                </a:tc>
+                <a:tc>
+                  <a:txBody>
+                    <a:bodyPr/>
+                    <a:lstStyle/>
+                    <a:p>
+                      <a:pPr algn="ctr" fontAlgn="b"/>
+                      <a:r>
+                        <a:rPr lang="en-US" sz="1100" b="0" i="0" u="none" strike="noStrike">
+                          <a:solidFill>
+                            <a:srgbClr val="000000"/>
+                          </a:solidFill>
+                          <a:effectLst/>
+                          <a:latin typeface="Calibri" panose="020F0502020204030204" pitchFamily="34" charset="0"/>
+                        </a:rPr>
+                        <a:t>33172</a:t>
+                      </a:r>
+                    </a:p>
+                  </a:txBody>
+                  <a:tcPr marL="9525" marR="9525" marT="9525" marB="0" anchor="b"/>
+                </a:tc>
+                <a:tc>
+                  <a:txBody>
+                    <a:bodyPr/>
+                    <a:lstStyle/>
+                    <a:p>
+                      <a:pPr algn="ctr" fontAlgn="b"/>
+                      <a:r>
+                        <a:rPr lang="en-US" sz="1100" b="0" i="0" u="none" strike="noStrike">
+                          <a:solidFill>
+                            <a:srgbClr val="000000"/>
+                          </a:solidFill>
+                          <a:effectLst/>
+                          <a:latin typeface="Calibri" panose="020F0502020204030204" pitchFamily="34" charset="0"/>
+                        </a:rPr>
+                        <a:t>United States</a:t>
+                      </a:r>
+                    </a:p>
+                  </a:txBody>
+                  <a:tcPr marL="9525" marR="9525" marT="9525" marB="0" anchor="b"/>
+                </a:tc>
+                <a:extLst>
+                  <a:ext uri="{0D108BD9-81ED-4DB2-BD59-A6C34878D82A}">
+                    <a16:rowId xmlns:a16="http://schemas.microsoft.com/office/drawing/2014/main" val="564404678"/>
+                  </a:ext>
+                </a:extLst>
+              </a:tr>
+              <a:tr h="370840">
+                <a:tc>
+                  <a:txBody>
+                    <a:bodyPr/>
+                    <a:lstStyle/>
+                    <a:p>
+                      <a:pPr algn="ctr" fontAlgn="b"/>
+                      <a:r>
+                        <a:rPr lang="en-US" sz="1100" b="0" i="0" u="none" strike="noStrike">
+                          <a:solidFill>
+                            <a:srgbClr val="000000"/>
+                          </a:solidFill>
+                          <a:effectLst/>
+                          <a:latin typeface="Calibri" panose="020F0502020204030204" pitchFamily="34" charset="0"/>
+                        </a:rPr>
+                        <a:t>3</a:t>
+                      </a:r>
+                    </a:p>
+                  </a:txBody>
+                  <a:tcPr marL="9525" marR="9525" marT="9525" marB="0" anchor="b"/>
+                </a:tc>
+                <a:tc>
+                  <a:txBody>
+                    <a:bodyPr/>
+                    <a:lstStyle/>
+                    <a:p>
+                      <a:pPr algn="ctr" fontAlgn="b"/>
+                      <a:r>
+                        <a:rPr lang="en-US" sz="1100" b="0" i="0" u="none" strike="noStrike">
+                          <a:solidFill>
+                            <a:srgbClr val="000000"/>
+                          </a:solidFill>
+                          <a:effectLst/>
+                          <a:latin typeface="Calibri" panose="020F0502020204030204" pitchFamily="34" charset="0"/>
+                        </a:rPr>
+                        <a:t>John</a:t>
+                      </a:r>
+                    </a:p>
+                  </a:txBody>
+                  <a:tcPr marL="9525" marR="9525" marT="9525" marB="0" anchor="b"/>
+                </a:tc>
+                <a:tc>
+                  <a:txBody>
+                    <a:bodyPr/>
+                    <a:lstStyle/>
+                    <a:p>
+                      <a:pPr algn="ctr" fontAlgn="b"/>
+                      <a:r>
+                        <a:rPr lang="en-US" sz="1100" b="0" i="0" u="none" strike="noStrike" dirty="0">
+                          <a:solidFill>
+                            <a:srgbClr val="000000"/>
+                          </a:solidFill>
+                          <a:effectLst/>
+                          <a:latin typeface="Calibri" panose="020F0502020204030204" pitchFamily="34" charset="0"/>
+                        </a:rPr>
+                        <a:t>Coral Gables Str. 8</a:t>
+                      </a:r>
+                    </a:p>
+                  </a:txBody>
+                  <a:tcPr marL="9525" marR="9525" marT="9525" marB="0" anchor="b"/>
+                </a:tc>
+                <a:tc>
+                  <a:txBody>
+                    <a:bodyPr/>
+                    <a:lstStyle/>
+                    <a:p>
+                      <a:pPr algn="ctr" fontAlgn="b"/>
+                      <a:r>
+                        <a:rPr lang="en-US" sz="1100" b="0" i="0" u="none" strike="noStrike" dirty="0">
+                          <a:solidFill>
+                            <a:srgbClr val="000000"/>
+                          </a:solidFill>
+                          <a:effectLst/>
+                          <a:latin typeface="Calibri" panose="020F0502020204030204" pitchFamily="34" charset="0"/>
+                        </a:rPr>
+                        <a:t>Miami</a:t>
+                      </a:r>
+                    </a:p>
+                  </a:txBody>
+                  <a:tcPr marL="9525" marR="9525" marT="9525" marB="0" anchor="b"/>
+                </a:tc>
+                <a:tc>
+                  <a:txBody>
+                    <a:bodyPr/>
+                    <a:lstStyle/>
+                    <a:p>
+                      <a:pPr algn="ctr" fontAlgn="b"/>
+                      <a:r>
+                        <a:rPr lang="en-US" sz="1100" b="0" i="0" u="none" strike="noStrike" dirty="0">
+                          <a:solidFill>
+                            <a:srgbClr val="000000"/>
+                          </a:solidFill>
+                          <a:effectLst/>
+                          <a:latin typeface="Calibri" panose="020F0502020204030204" pitchFamily="34" charset="0"/>
+                        </a:rPr>
+                        <a:t>33174</a:t>
+                      </a:r>
+                    </a:p>
+                  </a:txBody>
+                  <a:tcPr marL="9525" marR="9525" marT="9525" marB="0" anchor="b"/>
+                </a:tc>
+                <a:tc>
+                  <a:txBody>
+                    <a:bodyPr/>
+                    <a:lstStyle/>
+                    <a:p>
+                      <a:pPr algn="ctr" fontAlgn="b"/>
+                      <a:r>
+                        <a:rPr lang="en-US" sz="1100" b="0" i="0" u="none" strike="noStrike" dirty="0">
+                          <a:solidFill>
+                            <a:srgbClr val="000000"/>
+                          </a:solidFill>
+                          <a:effectLst/>
+                          <a:latin typeface="Calibri" panose="020F0502020204030204" pitchFamily="34" charset="0"/>
+                        </a:rPr>
+                        <a:t>United States</a:t>
+                      </a:r>
+                    </a:p>
+                  </a:txBody>
+                  <a:tcPr marL="9525" marR="9525" marT="9525" marB="0" anchor="b"/>
+                </a:tc>
+                <a:extLst>
+                  <a:ext uri="{0D108BD9-81ED-4DB2-BD59-A6C34878D82A}">
+                    <a16:rowId xmlns:a16="http://schemas.microsoft.com/office/drawing/2014/main" val="2796835647"/>
+                  </a:ext>
+                </a:extLst>
+              </a:tr>
+            </a:tbl>
+          </a:graphicData>
+        </a:graphic>
+      </p:graphicFrame>
+    </p:spTree>
+    <p:extLst>
+      <p:ext uri="{BB962C8B-B14F-4D97-AF65-F5344CB8AC3E}">
+        <p14:creationId xmlns:p14="http://schemas.microsoft.com/office/powerpoint/2010/main" val="135347656"/>
       </p:ext>
     </p:extLst>
   </p:cSld>
